--- a/Dwarfs/Dwarfs/Pictures/PicMAker.pptx
+++ b/Dwarfs/Dwarfs/Pictures/PicMAker.pptx
@@ -271,7 +271,7 @@
           <a:p>
             <a:fld id="{43BEDE74-B9F9-41A3-A529-5EB01AD2C2BA}" type="datetimeFigureOut">
               <a:rPr lang="de-DE" smtClean="0"/>
-              <a:t>14.08.2019</a:t>
+              <a:t>16.08.2019</a:t>
             </a:fld>
             <a:endParaRPr lang="de-DE"/>
           </a:p>
@@ -469,7 +469,7 @@
           <a:p>
             <a:fld id="{43BEDE74-B9F9-41A3-A529-5EB01AD2C2BA}" type="datetimeFigureOut">
               <a:rPr lang="de-DE" smtClean="0"/>
-              <a:t>14.08.2019</a:t>
+              <a:t>16.08.2019</a:t>
             </a:fld>
             <a:endParaRPr lang="de-DE"/>
           </a:p>
@@ -677,7 +677,7 @@
           <a:p>
             <a:fld id="{43BEDE74-B9F9-41A3-A529-5EB01AD2C2BA}" type="datetimeFigureOut">
               <a:rPr lang="de-DE" smtClean="0"/>
-              <a:t>14.08.2019</a:t>
+              <a:t>16.08.2019</a:t>
             </a:fld>
             <a:endParaRPr lang="de-DE"/>
           </a:p>
@@ -875,7 +875,7 @@
           <a:p>
             <a:fld id="{43BEDE74-B9F9-41A3-A529-5EB01AD2C2BA}" type="datetimeFigureOut">
               <a:rPr lang="de-DE" smtClean="0"/>
-              <a:t>14.08.2019</a:t>
+              <a:t>16.08.2019</a:t>
             </a:fld>
             <a:endParaRPr lang="de-DE"/>
           </a:p>
@@ -1150,7 +1150,7 @@
           <a:p>
             <a:fld id="{43BEDE74-B9F9-41A3-A529-5EB01AD2C2BA}" type="datetimeFigureOut">
               <a:rPr lang="de-DE" smtClean="0"/>
-              <a:t>14.08.2019</a:t>
+              <a:t>16.08.2019</a:t>
             </a:fld>
             <a:endParaRPr lang="de-DE"/>
           </a:p>
@@ -1415,7 +1415,7 @@
           <a:p>
             <a:fld id="{43BEDE74-B9F9-41A3-A529-5EB01AD2C2BA}" type="datetimeFigureOut">
               <a:rPr lang="de-DE" smtClean="0"/>
-              <a:t>14.08.2019</a:t>
+              <a:t>16.08.2019</a:t>
             </a:fld>
             <a:endParaRPr lang="de-DE"/>
           </a:p>
@@ -1827,7 +1827,7 @@
           <a:p>
             <a:fld id="{43BEDE74-B9F9-41A3-A529-5EB01AD2C2BA}" type="datetimeFigureOut">
               <a:rPr lang="de-DE" smtClean="0"/>
-              <a:t>14.08.2019</a:t>
+              <a:t>16.08.2019</a:t>
             </a:fld>
             <a:endParaRPr lang="de-DE"/>
           </a:p>
@@ -1968,7 +1968,7 @@
           <a:p>
             <a:fld id="{43BEDE74-B9F9-41A3-A529-5EB01AD2C2BA}" type="datetimeFigureOut">
               <a:rPr lang="de-DE" smtClean="0"/>
-              <a:t>14.08.2019</a:t>
+              <a:t>16.08.2019</a:t>
             </a:fld>
             <a:endParaRPr lang="de-DE"/>
           </a:p>
@@ -2081,7 +2081,7 @@
           <a:p>
             <a:fld id="{43BEDE74-B9F9-41A3-A529-5EB01AD2C2BA}" type="datetimeFigureOut">
               <a:rPr lang="de-DE" smtClean="0"/>
-              <a:t>14.08.2019</a:t>
+              <a:t>16.08.2019</a:t>
             </a:fld>
             <a:endParaRPr lang="de-DE"/>
           </a:p>
@@ -2392,7 +2392,7 @@
           <a:p>
             <a:fld id="{43BEDE74-B9F9-41A3-A529-5EB01AD2C2BA}" type="datetimeFigureOut">
               <a:rPr lang="de-DE" smtClean="0"/>
-              <a:t>14.08.2019</a:t>
+              <a:t>16.08.2019</a:t>
             </a:fld>
             <a:endParaRPr lang="de-DE"/>
           </a:p>
@@ -2680,7 +2680,7 @@
           <a:p>
             <a:fld id="{43BEDE74-B9F9-41A3-A529-5EB01AD2C2BA}" type="datetimeFigureOut">
               <a:rPr lang="de-DE" smtClean="0"/>
-              <a:t>14.08.2019</a:t>
+              <a:t>16.08.2019</a:t>
             </a:fld>
             <a:endParaRPr lang="de-DE"/>
           </a:p>
@@ -2921,7 +2921,7 @@
           <a:p>
             <a:fld id="{43BEDE74-B9F9-41A3-A529-5EB01AD2C2BA}" type="datetimeFigureOut">
               <a:rPr lang="de-DE" smtClean="0"/>
-              <a:t>14.08.2019</a:t>
+              <a:t>16.08.2019</a:t>
             </a:fld>
             <a:endParaRPr lang="de-DE"/>
           </a:p>
@@ -3338,62 +3338,12 @@
           <a:chExt cx="0" cy="0"/>
         </a:xfrm>
       </p:grpSpPr>
-      <p:sp>
-        <p:nvSpPr>
-          <p:cNvPr id="4" name="Rechteck 3">
+      <p:grpSp>
+        <p:nvGrpSpPr>
+          <p:cNvPr id="14" name="Gruppieren 13">
             <a:extLst>
               <a:ext uri="{FF2B5EF4-FFF2-40B4-BE49-F238E27FC236}">
-                <a16:creationId xmlns:a16="http://schemas.microsoft.com/office/drawing/2014/main" id="{EE078E45-8C80-42CC-A7D4-F7F5DBE57FCC}"/>
-              </a:ext>
-            </a:extLst>
-          </p:cNvPr>
-          <p:cNvSpPr/>
-          <p:nvPr/>
-        </p:nvSpPr>
-        <p:spPr>
-          <a:xfrm>
-            <a:off x="5048507" y="1545902"/>
-            <a:ext cx="360000" cy="360000"/>
-          </a:xfrm>
-          <a:prstGeom prst="rect">
-            <a:avLst/>
-          </a:prstGeom>
-          <a:noFill/>
-          <a:ln w="3175">
-            <a:noFill/>
-          </a:ln>
-        </p:spPr>
-        <p:style>
-          <a:lnRef idx="2">
-            <a:schemeClr val="accent1">
-              <a:shade val="50000"/>
-            </a:schemeClr>
-          </a:lnRef>
-          <a:fillRef idx="1">
-            <a:schemeClr val="accent1"/>
-          </a:fillRef>
-          <a:effectRef idx="0">
-            <a:schemeClr val="accent1"/>
-          </a:effectRef>
-          <a:fontRef idx="minor">
-            <a:schemeClr val="lt1"/>
-          </a:fontRef>
-        </p:style>
-        <p:txBody>
-          <a:bodyPr rtlCol="0" anchor="ctr"/>
-          <a:lstStyle/>
-          <a:p>
-            <a:pPr algn="ctr"/>
-            <a:endParaRPr lang="de-DE"/>
-          </a:p>
-        </p:txBody>
-      </p:sp>
-      <p:grpSp>
-        <p:nvGrpSpPr>
-          <p:cNvPr id="22" name="Gruppieren 21">
-            <a:extLst>
-              <a:ext uri="{FF2B5EF4-FFF2-40B4-BE49-F238E27FC236}">
-                <a16:creationId xmlns:a16="http://schemas.microsoft.com/office/drawing/2014/main" id="{C873D325-2EBC-4866-886E-6B6381F19DA2}"/>
+                <a16:creationId xmlns:a16="http://schemas.microsoft.com/office/drawing/2014/main" id="{8080EBA3-7D07-4A75-8C5B-295BD6FA06E8}"/>
               </a:ext>
             </a:extLst>
           </p:cNvPr>
@@ -3402,998 +3352,18 @@
         </p:nvGrpSpPr>
         <p:grpSpPr>
           <a:xfrm>
-            <a:off x="5160133" y="1579598"/>
-            <a:ext cx="136632" cy="289018"/>
-            <a:chOff x="5056637" y="2219082"/>
-            <a:chExt cx="2190031" cy="4631759"/>
+            <a:off x="383201" y="72272"/>
+            <a:ext cx="360000" cy="360000"/>
+            <a:chOff x="5048507" y="1545902"/>
+            <a:chExt cx="360000" cy="360000"/>
           </a:xfrm>
-          <a:gradFill>
-            <a:gsLst>
-              <a:gs pos="0">
-                <a:schemeClr val="accent4">
-                  <a:lumMod val="60000"/>
-                  <a:lumOff val="40000"/>
-                </a:schemeClr>
-              </a:gs>
-              <a:gs pos="50000">
-                <a:srgbClr val="FF9929"/>
-              </a:gs>
-              <a:gs pos="100000">
-                <a:srgbClr val="FF0000"/>
-              </a:gs>
-            </a:gsLst>
-            <a:lin ang="2700000" scaled="1"/>
-          </a:gradFill>
         </p:grpSpPr>
-        <p:grpSp>
-          <p:nvGrpSpPr>
-            <p:cNvPr id="13" name="Gruppieren 12">
+        <p:sp>
+          <p:nvSpPr>
+            <p:cNvPr id="4" name="Rechteck 3">
               <a:extLst>
                 <a:ext uri="{FF2B5EF4-FFF2-40B4-BE49-F238E27FC236}">
-                  <a16:creationId xmlns:a16="http://schemas.microsoft.com/office/drawing/2014/main" id="{78239A09-A56D-44CD-9C79-369496711435}"/>
-                </a:ext>
-              </a:extLst>
-            </p:cNvPr>
-            <p:cNvGrpSpPr/>
-            <p:nvPr/>
-          </p:nvGrpSpPr>
-          <p:grpSpPr>
-            <a:xfrm rot="19322438">
-              <a:off x="5056637" y="2223414"/>
-              <a:ext cx="2087405" cy="4627427"/>
-              <a:chOff x="3291837" y="3457300"/>
-              <a:chExt cx="2087406" cy="4627425"/>
-            </a:xfrm>
-            <a:grpFill/>
-          </p:grpSpPr>
-          <p:sp>
-            <p:nvSpPr>
-              <p:cNvPr id="6" name="Rechtwinkliges Dreieck 5">
-                <a:extLst>
-                  <a:ext uri="{FF2B5EF4-FFF2-40B4-BE49-F238E27FC236}">
-                    <a16:creationId xmlns:a16="http://schemas.microsoft.com/office/drawing/2014/main" id="{EE25D2F5-F12D-4699-B791-D16AB40FB3F9}"/>
-                  </a:ext>
-                </a:extLst>
-              </p:cNvPr>
-              <p:cNvSpPr/>
-              <p:nvPr/>
-            </p:nvSpPr>
-            <p:spPr>
-              <a:xfrm>
-                <a:off x="4284617" y="3518262"/>
-                <a:ext cx="1062446" cy="540000"/>
-              </a:xfrm>
-              <a:prstGeom prst="rtTriangle">
-                <a:avLst/>
-              </a:prstGeom>
-              <a:grpFill/>
-              <a:ln w="3175">
-                <a:noFill/>
-              </a:ln>
-            </p:spPr>
-            <p:style>
-              <a:lnRef idx="2">
-                <a:schemeClr val="accent1">
-                  <a:shade val="50000"/>
-                </a:schemeClr>
-              </a:lnRef>
-              <a:fillRef idx="1">
-                <a:schemeClr val="accent1"/>
-              </a:fillRef>
-              <a:effectRef idx="0">
-                <a:schemeClr val="accent1"/>
-              </a:effectRef>
-              <a:fontRef idx="minor">
-                <a:schemeClr val="lt1"/>
-              </a:fontRef>
-            </p:style>
-            <p:txBody>
-              <a:bodyPr rtlCol="0" anchor="ctr"/>
-              <a:lstStyle/>
-              <a:p>
-                <a:pPr algn="ctr"/>
-                <a:endParaRPr lang="de-DE"/>
-              </a:p>
-            </p:txBody>
-          </p:sp>
-          <p:sp>
-            <p:nvSpPr>
-              <p:cNvPr id="7" name="Rechteck 6">
-                <a:extLst>
-                  <a:ext uri="{FF2B5EF4-FFF2-40B4-BE49-F238E27FC236}">
-                    <a16:creationId xmlns:a16="http://schemas.microsoft.com/office/drawing/2014/main" id="{237A0FC4-B0AC-4EEE-B017-9CF64C518D47}"/>
-                  </a:ext>
-                </a:extLst>
-              </p:cNvPr>
-              <p:cNvSpPr/>
-              <p:nvPr/>
-            </p:nvSpPr>
-            <p:spPr>
-              <a:xfrm>
-                <a:off x="3291840" y="3509554"/>
-                <a:ext cx="992777" cy="540000"/>
-              </a:xfrm>
-              <a:prstGeom prst="rect">
-                <a:avLst/>
-              </a:prstGeom>
-              <a:grpFill/>
-              <a:ln w="3175">
-                <a:noFill/>
-              </a:ln>
-            </p:spPr>
-            <p:style>
-              <a:lnRef idx="2">
-                <a:schemeClr val="accent1">
-                  <a:shade val="50000"/>
-                </a:schemeClr>
-              </a:lnRef>
-              <a:fillRef idx="1">
-                <a:schemeClr val="accent1"/>
-              </a:fillRef>
-              <a:effectRef idx="0">
-                <a:schemeClr val="accent1"/>
-              </a:effectRef>
-              <a:fontRef idx="minor">
-                <a:schemeClr val="lt1"/>
-              </a:fontRef>
-            </p:style>
-            <p:txBody>
-              <a:bodyPr rtlCol="0" anchor="ctr"/>
-              <a:lstStyle/>
-              <a:p>
-                <a:pPr algn="ctr"/>
-                <a:endParaRPr lang="de-DE"/>
-              </a:p>
-            </p:txBody>
-          </p:sp>
-          <p:sp>
-            <p:nvSpPr>
-              <p:cNvPr id="8" name="Parallelogramm 7">
-                <a:extLst>
-                  <a:ext uri="{FF2B5EF4-FFF2-40B4-BE49-F238E27FC236}">
-                    <a16:creationId xmlns:a16="http://schemas.microsoft.com/office/drawing/2014/main" id="{380891AC-3487-4C7B-B563-CD602DFCCD7A}"/>
-                  </a:ext>
-                </a:extLst>
-              </p:cNvPr>
-              <p:cNvSpPr/>
-              <p:nvPr/>
-            </p:nvSpPr>
-            <p:spPr>
-              <a:xfrm rot="10800000" flipV="1">
-                <a:off x="3291837" y="4061459"/>
-                <a:ext cx="792481" cy="52253"/>
-              </a:xfrm>
-              <a:prstGeom prst="parallelogram">
-                <a:avLst/>
-              </a:prstGeom>
-              <a:grpFill/>
-              <a:ln w="3175">
-                <a:noFill/>
-              </a:ln>
-            </p:spPr>
-            <p:style>
-              <a:lnRef idx="2">
-                <a:schemeClr val="accent1">
-                  <a:shade val="50000"/>
-                </a:schemeClr>
-              </a:lnRef>
-              <a:fillRef idx="1">
-                <a:schemeClr val="accent1"/>
-              </a:fillRef>
-              <a:effectRef idx="0">
-                <a:schemeClr val="accent1"/>
-              </a:effectRef>
-              <a:fontRef idx="minor">
-                <a:schemeClr val="lt1"/>
-              </a:fontRef>
-            </p:style>
-            <p:txBody>
-              <a:bodyPr rtlCol="0" anchor="ctr"/>
-              <a:lstStyle/>
-              <a:p>
-                <a:pPr algn="ctr"/>
-                <a:endParaRPr lang="de-DE"/>
-              </a:p>
-            </p:txBody>
-          </p:sp>
-          <p:sp>
-            <p:nvSpPr>
-              <p:cNvPr id="5" name="Rechteck 4">
-                <a:extLst>
-                  <a:ext uri="{FF2B5EF4-FFF2-40B4-BE49-F238E27FC236}">
-                    <a16:creationId xmlns:a16="http://schemas.microsoft.com/office/drawing/2014/main" id="{61590AA3-52C7-41E8-AA93-47EACAC66BEF}"/>
-                  </a:ext>
-                </a:extLst>
-              </p:cNvPr>
-              <p:cNvSpPr/>
-              <p:nvPr/>
-            </p:nvSpPr>
-            <p:spPr>
-              <a:xfrm rot="16200000">
-                <a:off x="1840277" y="5640384"/>
-                <a:ext cx="4627425" cy="261257"/>
-              </a:xfrm>
-              <a:prstGeom prst="rect">
-                <a:avLst/>
-              </a:prstGeom>
-              <a:grpFill/>
-              <a:ln w="3175">
-                <a:noFill/>
-              </a:ln>
-            </p:spPr>
-            <p:style>
-              <a:lnRef idx="2">
-                <a:schemeClr val="accent1">
-                  <a:shade val="50000"/>
-                </a:schemeClr>
-              </a:lnRef>
-              <a:fillRef idx="1">
-                <a:schemeClr val="accent1"/>
-              </a:fillRef>
-              <a:effectRef idx="0">
-                <a:schemeClr val="accent1"/>
-              </a:effectRef>
-              <a:fontRef idx="minor">
-                <a:schemeClr val="lt1"/>
-              </a:fontRef>
-            </p:style>
-            <p:txBody>
-              <a:bodyPr rtlCol="0" anchor="ctr"/>
-              <a:lstStyle/>
-              <a:p>
-                <a:pPr algn="ctr"/>
-                <a:endParaRPr lang="de-DE"/>
-              </a:p>
-            </p:txBody>
-          </p:sp>
-          <p:sp>
-            <p:nvSpPr>
-              <p:cNvPr id="9" name="Parallelogramm 8">
-                <a:extLst>
-                  <a:ext uri="{FF2B5EF4-FFF2-40B4-BE49-F238E27FC236}">
-                    <a16:creationId xmlns:a16="http://schemas.microsoft.com/office/drawing/2014/main" id="{F770B7F8-42FA-4219-92A4-914DB48781AB}"/>
-                  </a:ext>
-                </a:extLst>
-              </p:cNvPr>
-              <p:cNvSpPr/>
-              <p:nvPr/>
-            </p:nvSpPr>
-            <p:spPr>
-              <a:xfrm rot="10800000" flipV="1">
-                <a:off x="4283387" y="4066970"/>
-                <a:ext cx="1095856" cy="52255"/>
-              </a:xfrm>
-              <a:prstGeom prst="parallelogram">
-                <a:avLst/>
-              </a:prstGeom>
-              <a:grpFill/>
-              <a:ln w="3175">
-                <a:noFill/>
-              </a:ln>
-            </p:spPr>
-            <p:style>
-              <a:lnRef idx="2">
-                <a:schemeClr val="accent1">
-                  <a:shade val="50000"/>
-                </a:schemeClr>
-              </a:lnRef>
-              <a:fillRef idx="1">
-                <a:schemeClr val="accent1"/>
-              </a:fillRef>
-              <a:effectRef idx="0">
-                <a:schemeClr val="accent1"/>
-              </a:effectRef>
-              <a:fontRef idx="minor">
-                <a:schemeClr val="lt1"/>
-              </a:fontRef>
-            </p:style>
-            <p:txBody>
-              <a:bodyPr rtlCol="0" anchor="ctr"/>
-              <a:lstStyle/>
-              <a:p>
-                <a:pPr algn="ctr"/>
-                <a:endParaRPr lang="de-DE"/>
-              </a:p>
-            </p:txBody>
-          </p:sp>
-          <p:cxnSp>
-            <p:nvCxnSpPr>
-              <p:cNvPr id="11" name="Gerader Verbinder 10">
-                <a:extLst>
-                  <a:ext uri="{FF2B5EF4-FFF2-40B4-BE49-F238E27FC236}">
-                    <a16:creationId xmlns:a16="http://schemas.microsoft.com/office/drawing/2014/main" id="{7B387B8C-F7D4-48AF-B6BE-0365A0EC8697}"/>
-                  </a:ext>
-                </a:extLst>
-              </p:cNvPr>
-              <p:cNvCxnSpPr>
-                <a:cxnSpLocks/>
-              </p:cNvCxnSpPr>
-              <p:nvPr/>
-            </p:nvCxnSpPr>
-            <p:spPr>
-              <a:xfrm>
-                <a:off x="4008387" y="4067809"/>
-                <a:ext cx="276226" cy="0"/>
-              </a:xfrm>
-              <a:prstGeom prst="line">
-                <a:avLst/>
-              </a:prstGeom>
-              <a:grpFill/>
-              <a:ln w="3175">
-                <a:noFill/>
-              </a:ln>
-            </p:spPr>
-            <p:style>
-              <a:lnRef idx="1">
-                <a:schemeClr val="accent1"/>
-              </a:lnRef>
-              <a:fillRef idx="0">
-                <a:schemeClr val="accent1"/>
-              </a:fillRef>
-              <a:effectRef idx="0">
-                <a:schemeClr val="accent1"/>
-              </a:effectRef>
-              <a:fontRef idx="minor">
-                <a:schemeClr val="tx1"/>
-              </a:fontRef>
-            </p:style>
-          </p:cxnSp>
-        </p:grpSp>
-        <p:grpSp>
-          <p:nvGrpSpPr>
-            <p:cNvPr id="15" name="Gruppieren 14">
-              <a:extLst>
-                <a:ext uri="{FF2B5EF4-FFF2-40B4-BE49-F238E27FC236}">
-                  <a16:creationId xmlns:a16="http://schemas.microsoft.com/office/drawing/2014/main" id="{540D5A44-DC0B-4173-91C8-6E3E38BBD0FB}"/>
-                </a:ext>
-              </a:extLst>
-            </p:cNvPr>
-            <p:cNvGrpSpPr/>
-            <p:nvPr/>
-          </p:nvGrpSpPr>
-          <p:grpSpPr>
-            <a:xfrm rot="2154885" flipH="1">
-              <a:off x="5238012" y="2219082"/>
-              <a:ext cx="2008656" cy="4627427"/>
-              <a:chOff x="3291837" y="3457300"/>
-              <a:chExt cx="2087406" cy="4627425"/>
-            </a:xfrm>
-            <a:grpFill/>
-            <a:scene3d>
-              <a:camera prst="obliqueTopRight"/>
-              <a:lightRig rig="threePt" dir="t"/>
-            </a:scene3d>
-          </p:grpSpPr>
-          <p:sp>
-            <p:nvSpPr>
-              <p:cNvPr id="16" name="Rechtwinkliges Dreieck 15">
-                <a:extLst>
-                  <a:ext uri="{FF2B5EF4-FFF2-40B4-BE49-F238E27FC236}">
-                    <a16:creationId xmlns:a16="http://schemas.microsoft.com/office/drawing/2014/main" id="{D2C720BB-3087-422F-BC02-E0436048012C}"/>
-                  </a:ext>
-                </a:extLst>
-              </p:cNvPr>
-              <p:cNvSpPr/>
-              <p:nvPr/>
-            </p:nvSpPr>
-            <p:spPr>
-              <a:xfrm>
-                <a:off x="4284617" y="3518262"/>
-                <a:ext cx="1062446" cy="540000"/>
-              </a:xfrm>
-              <a:prstGeom prst="rtTriangle">
-                <a:avLst/>
-              </a:prstGeom>
-              <a:grpFill/>
-              <a:ln w="3175">
-                <a:noFill/>
-              </a:ln>
-              <a:sp3d/>
-            </p:spPr>
-            <p:style>
-              <a:lnRef idx="2">
-                <a:schemeClr val="accent1">
-                  <a:shade val="50000"/>
-                </a:schemeClr>
-              </a:lnRef>
-              <a:fillRef idx="1">
-                <a:schemeClr val="accent1"/>
-              </a:fillRef>
-              <a:effectRef idx="0">
-                <a:schemeClr val="accent1"/>
-              </a:effectRef>
-              <a:fontRef idx="minor">
-                <a:schemeClr val="lt1"/>
-              </a:fontRef>
-            </p:style>
-            <p:txBody>
-              <a:bodyPr rtlCol="0" anchor="ctr"/>
-              <a:lstStyle/>
-              <a:p>
-                <a:pPr algn="ctr"/>
-                <a:endParaRPr lang="de-DE"/>
-              </a:p>
-            </p:txBody>
-          </p:sp>
-          <p:sp>
-            <p:nvSpPr>
-              <p:cNvPr id="17" name="Rechteck 16">
-                <a:extLst>
-                  <a:ext uri="{FF2B5EF4-FFF2-40B4-BE49-F238E27FC236}">
-                    <a16:creationId xmlns:a16="http://schemas.microsoft.com/office/drawing/2014/main" id="{F2B04D9F-CF59-4E1D-9022-BF23CE8846F3}"/>
-                  </a:ext>
-                </a:extLst>
-              </p:cNvPr>
-              <p:cNvSpPr/>
-              <p:nvPr/>
-            </p:nvSpPr>
-            <p:spPr>
-              <a:xfrm>
-                <a:off x="3291840" y="3509554"/>
-                <a:ext cx="992777" cy="540000"/>
-              </a:xfrm>
-              <a:prstGeom prst="rect">
-                <a:avLst/>
-              </a:prstGeom>
-              <a:grpFill/>
-              <a:ln w="3175">
-                <a:noFill/>
-              </a:ln>
-              <a:sp3d/>
-            </p:spPr>
-            <p:style>
-              <a:lnRef idx="2">
-                <a:schemeClr val="accent1">
-                  <a:shade val="50000"/>
-                </a:schemeClr>
-              </a:lnRef>
-              <a:fillRef idx="1">
-                <a:schemeClr val="accent1"/>
-              </a:fillRef>
-              <a:effectRef idx="0">
-                <a:schemeClr val="accent1"/>
-              </a:effectRef>
-              <a:fontRef idx="minor">
-                <a:schemeClr val="lt1"/>
-              </a:fontRef>
-            </p:style>
-            <p:txBody>
-              <a:bodyPr rtlCol="0" anchor="ctr"/>
-              <a:lstStyle/>
-              <a:p>
-                <a:pPr algn="ctr"/>
-                <a:endParaRPr lang="de-DE" dirty="0"/>
-              </a:p>
-            </p:txBody>
-          </p:sp>
-          <p:sp>
-            <p:nvSpPr>
-              <p:cNvPr id="18" name="Parallelogramm 17">
-                <a:extLst>
-                  <a:ext uri="{FF2B5EF4-FFF2-40B4-BE49-F238E27FC236}">
-                    <a16:creationId xmlns:a16="http://schemas.microsoft.com/office/drawing/2014/main" id="{7E5AA452-97FE-4D2C-A5B0-078ADB735E35}"/>
-                  </a:ext>
-                </a:extLst>
-              </p:cNvPr>
-              <p:cNvSpPr/>
-              <p:nvPr/>
-            </p:nvSpPr>
-            <p:spPr>
-              <a:xfrm rot="10800000" flipV="1">
-                <a:off x="3291837" y="4061459"/>
-                <a:ext cx="792481" cy="52253"/>
-              </a:xfrm>
-              <a:prstGeom prst="parallelogram">
-                <a:avLst/>
-              </a:prstGeom>
-              <a:grpFill/>
-              <a:ln w="3175">
-                <a:noFill/>
-              </a:ln>
-              <a:sp3d/>
-            </p:spPr>
-            <p:style>
-              <a:lnRef idx="2">
-                <a:schemeClr val="accent1">
-                  <a:shade val="50000"/>
-                </a:schemeClr>
-              </a:lnRef>
-              <a:fillRef idx="1">
-                <a:schemeClr val="accent1"/>
-              </a:fillRef>
-              <a:effectRef idx="0">
-                <a:schemeClr val="accent1"/>
-              </a:effectRef>
-              <a:fontRef idx="minor">
-                <a:schemeClr val="lt1"/>
-              </a:fontRef>
-            </p:style>
-            <p:txBody>
-              <a:bodyPr rtlCol="0" anchor="ctr"/>
-              <a:lstStyle/>
-              <a:p>
-                <a:pPr algn="ctr"/>
-                <a:endParaRPr lang="de-DE"/>
-              </a:p>
-            </p:txBody>
-          </p:sp>
-          <p:sp>
-            <p:nvSpPr>
-              <p:cNvPr id="19" name="Rechteck 18">
-                <a:extLst>
-                  <a:ext uri="{FF2B5EF4-FFF2-40B4-BE49-F238E27FC236}">
-                    <a16:creationId xmlns:a16="http://schemas.microsoft.com/office/drawing/2014/main" id="{622BAA47-CD03-433E-8923-BAE5C40C9F05}"/>
-                  </a:ext>
-                </a:extLst>
-              </p:cNvPr>
-              <p:cNvSpPr/>
-              <p:nvPr/>
-            </p:nvSpPr>
-            <p:spPr>
-              <a:xfrm rot="16200000">
-                <a:off x="1840277" y="5640384"/>
-                <a:ext cx="4627425" cy="261257"/>
-              </a:xfrm>
-              <a:prstGeom prst="rect">
-                <a:avLst/>
-              </a:prstGeom>
-              <a:grpFill/>
-              <a:ln w="3175">
-                <a:noFill/>
-              </a:ln>
-              <a:sp3d/>
-            </p:spPr>
-            <p:style>
-              <a:lnRef idx="2">
-                <a:schemeClr val="accent1">
-                  <a:shade val="50000"/>
-                </a:schemeClr>
-              </a:lnRef>
-              <a:fillRef idx="1">
-                <a:schemeClr val="accent1"/>
-              </a:fillRef>
-              <a:effectRef idx="0">
-                <a:schemeClr val="accent1"/>
-              </a:effectRef>
-              <a:fontRef idx="minor">
-                <a:schemeClr val="lt1"/>
-              </a:fontRef>
-            </p:style>
-            <p:txBody>
-              <a:bodyPr rtlCol="0" anchor="ctr"/>
-              <a:lstStyle/>
-              <a:p>
-                <a:pPr algn="ctr"/>
-                <a:endParaRPr lang="de-DE" dirty="0"/>
-              </a:p>
-            </p:txBody>
-          </p:sp>
-          <p:sp>
-            <p:nvSpPr>
-              <p:cNvPr id="20" name="Parallelogramm 19">
-                <a:extLst>
-                  <a:ext uri="{FF2B5EF4-FFF2-40B4-BE49-F238E27FC236}">
-                    <a16:creationId xmlns:a16="http://schemas.microsoft.com/office/drawing/2014/main" id="{BD091E38-9034-44DD-B8D5-528695C48462}"/>
-                  </a:ext>
-                </a:extLst>
-              </p:cNvPr>
-              <p:cNvSpPr/>
-              <p:nvPr/>
-            </p:nvSpPr>
-            <p:spPr>
-              <a:xfrm rot="10800000" flipV="1">
-                <a:off x="4283387" y="4066970"/>
-                <a:ext cx="1095856" cy="52255"/>
-              </a:xfrm>
-              <a:prstGeom prst="parallelogram">
-                <a:avLst/>
-              </a:prstGeom>
-              <a:grpFill/>
-              <a:ln w="3175">
-                <a:noFill/>
-              </a:ln>
-              <a:sp3d/>
-            </p:spPr>
-            <p:style>
-              <a:lnRef idx="2">
-                <a:schemeClr val="accent1">
-                  <a:shade val="50000"/>
-                </a:schemeClr>
-              </a:lnRef>
-              <a:fillRef idx="1">
-                <a:schemeClr val="accent1"/>
-              </a:fillRef>
-              <a:effectRef idx="0">
-                <a:schemeClr val="accent1"/>
-              </a:effectRef>
-              <a:fontRef idx="minor">
-                <a:schemeClr val="lt1"/>
-              </a:fontRef>
-            </p:style>
-            <p:txBody>
-              <a:bodyPr rtlCol="0" anchor="ctr"/>
-              <a:lstStyle/>
-              <a:p>
-                <a:pPr algn="ctr"/>
-                <a:endParaRPr lang="de-DE"/>
-              </a:p>
-            </p:txBody>
-          </p:sp>
-          <p:cxnSp>
-            <p:nvCxnSpPr>
-              <p:cNvPr id="21" name="Gerader Verbinder 20">
-                <a:extLst>
-                  <a:ext uri="{FF2B5EF4-FFF2-40B4-BE49-F238E27FC236}">
-                    <a16:creationId xmlns:a16="http://schemas.microsoft.com/office/drawing/2014/main" id="{A1E2299F-2AE7-41E2-8D53-0341743EB59C}"/>
-                  </a:ext>
-                </a:extLst>
-              </p:cNvPr>
-              <p:cNvCxnSpPr>
-                <a:cxnSpLocks/>
-              </p:cNvCxnSpPr>
-              <p:nvPr/>
-            </p:nvCxnSpPr>
-            <p:spPr>
-              <a:xfrm>
-                <a:off x="4008387" y="4067809"/>
-                <a:ext cx="276226" cy="0"/>
-              </a:xfrm>
-              <a:prstGeom prst="line">
-                <a:avLst/>
-              </a:prstGeom>
-              <a:grpFill/>
-              <a:ln w="3175">
-                <a:noFill/>
-              </a:ln>
-              <a:sp3d/>
-            </p:spPr>
-            <p:style>
-              <a:lnRef idx="1">
-                <a:schemeClr val="accent1"/>
-              </a:lnRef>
-              <a:fillRef idx="0">
-                <a:schemeClr val="accent1"/>
-              </a:fillRef>
-              <a:effectRef idx="0">
-                <a:schemeClr val="accent1"/>
-              </a:effectRef>
-              <a:fontRef idx="minor">
-                <a:schemeClr val="tx1"/>
-              </a:fontRef>
-            </p:style>
-          </p:cxnSp>
-        </p:grpSp>
-      </p:grpSp>
-      <p:grpSp>
-        <p:nvGrpSpPr>
-          <p:cNvPr id="12" name="Gruppieren 11">
-            <a:extLst>
-              <a:ext uri="{FF2B5EF4-FFF2-40B4-BE49-F238E27FC236}">
-                <a16:creationId xmlns:a16="http://schemas.microsoft.com/office/drawing/2014/main" id="{E6ACACB6-B464-46AC-A7BB-CD95B03A9CF2}"/>
-              </a:ext>
-            </a:extLst>
-          </p:cNvPr>
-          <p:cNvGrpSpPr/>
-          <p:nvPr/>
-        </p:nvGrpSpPr>
-        <p:grpSpPr>
-          <a:xfrm>
-            <a:off x="1193727" y="117152"/>
-            <a:ext cx="360000" cy="360000"/>
-            <a:chOff x="4898952" y="2162175"/>
-            <a:chExt cx="2621673" cy="2520000"/>
-          </a:xfrm>
-        </p:grpSpPr>
-        <p:grpSp>
-          <p:nvGrpSpPr>
-            <p:cNvPr id="33" name="Gruppieren 32">
-              <a:extLst>
-                <a:ext uri="{FF2B5EF4-FFF2-40B4-BE49-F238E27FC236}">
-                  <a16:creationId xmlns:a16="http://schemas.microsoft.com/office/drawing/2014/main" id="{01B824E3-66FA-404B-9890-A40D9AFF3C56}"/>
-                </a:ext>
-              </a:extLst>
-            </p:cNvPr>
-            <p:cNvGrpSpPr/>
-            <p:nvPr/>
-          </p:nvGrpSpPr>
-          <p:grpSpPr>
-            <a:xfrm rot="2956014">
-              <a:off x="5450601" y="2231951"/>
-              <a:ext cx="1290798" cy="2394096"/>
-              <a:chOff x="1931114" y="712362"/>
-              <a:chExt cx="1290798" cy="2394096"/>
-            </a:xfrm>
-          </p:grpSpPr>
-          <p:sp>
-            <p:nvSpPr>
-              <p:cNvPr id="27" name="Diagonaler Streifen 26">
-                <a:extLst>
-                  <a:ext uri="{FF2B5EF4-FFF2-40B4-BE49-F238E27FC236}">
-                    <a16:creationId xmlns:a16="http://schemas.microsoft.com/office/drawing/2014/main" id="{0926E4F9-83B6-43F1-8B46-2A099E3234A9}"/>
-                  </a:ext>
-                </a:extLst>
-              </p:cNvPr>
-              <p:cNvSpPr/>
-              <p:nvPr/>
-            </p:nvSpPr>
-            <p:spPr>
-              <a:xfrm rot="2700783">
-                <a:off x="2122353" y="711892"/>
-                <a:ext cx="898791" cy="899731"/>
-              </a:xfrm>
-              <a:prstGeom prst="diagStripe">
-                <a:avLst>
-                  <a:gd name="adj" fmla="val 72097"/>
-                </a:avLst>
-              </a:prstGeom>
-              <a:solidFill>
-                <a:schemeClr val="accent3">
-                  <a:lumMod val="75000"/>
-                </a:schemeClr>
-              </a:solidFill>
-              <a:ln>
-                <a:solidFill>
-                  <a:schemeClr val="accent3">
-                    <a:lumMod val="75000"/>
-                  </a:schemeClr>
-                </a:solidFill>
-              </a:ln>
-            </p:spPr>
-            <p:style>
-              <a:lnRef idx="2">
-                <a:schemeClr val="accent1">
-                  <a:shade val="50000"/>
-                </a:schemeClr>
-              </a:lnRef>
-              <a:fillRef idx="1">
-                <a:schemeClr val="accent1"/>
-              </a:fillRef>
-              <a:effectRef idx="0">
-                <a:schemeClr val="accent1"/>
-              </a:effectRef>
-              <a:fontRef idx="minor">
-                <a:schemeClr val="lt1"/>
-              </a:fontRef>
-            </p:style>
-            <p:txBody>
-              <a:bodyPr rtlCol="0" anchor="ctr"/>
-              <a:lstStyle/>
-              <a:p>
-                <a:pPr algn="ctr"/>
-                <a:endParaRPr lang="de-DE">
-                  <a:solidFill>
-                    <a:schemeClr val="tx1"/>
-                  </a:solidFill>
-                </a:endParaRPr>
-              </a:p>
-            </p:txBody>
-          </p:sp>
-          <p:sp>
-            <p:nvSpPr>
-              <p:cNvPr id="28" name="Parallelogramm 27">
-                <a:extLst>
-                  <a:ext uri="{FF2B5EF4-FFF2-40B4-BE49-F238E27FC236}">
-                    <a16:creationId xmlns:a16="http://schemas.microsoft.com/office/drawing/2014/main" id="{B4E4CCB0-0DCB-4926-AF3F-7C086F3736D6}"/>
-                  </a:ext>
-                </a:extLst>
-              </p:cNvPr>
-              <p:cNvSpPr/>
-              <p:nvPr/>
-            </p:nvSpPr>
-            <p:spPr>
-              <a:xfrm flipV="1">
-                <a:off x="1931114" y="1161946"/>
-                <a:ext cx="593011" cy="45719"/>
-              </a:xfrm>
-              <a:prstGeom prst="parallelogram">
-                <a:avLst/>
-              </a:prstGeom>
-              <a:solidFill>
-                <a:schemeClr val="accent3">
-                  <a:lumMod val="50000"/>
-                </a:schemeClr>
-              </a:solidFill>
-              <a:ln>
-                <a:solidFill>
-                  <a:schemeClr val="accent3">
-                    <a:lumMod val="50000"/>
-                  </a:schemeClr>
-                </a:solidFill>
-              </a:ln>
-            </p:spPr>
-            <p:style>
-              <a:lnRef idx="2">
-                <a:schemeClr val="accent1">
-                  <a:shade val="50000"/>
-                </a:schemeClr>
-              </a:lnRef>
-              <a:fillRef idx="1">
-                <a:schemeClr val="accent1"/>
-              </a:fillRef>
-              <a:effectRef idx="0">
-                <a:schemeClr val="accent1"/>
-              </a:effectRef>
-              <a:fontRef idx="minor">
-                <a:schemeClr val="lt1"/>
-              </a:fontRef>
-            </p:style>
-            <p:txBody>
-              <a:bodyPr rtlCol="0" anchor="ctr"/>
-              <a:lstStyle/>
-              <a:p>
-                <a:pPr algn="ctr"/>
-                <a:endParaRPr lang="de-DE"/>
-              </a:p>
-            </p:txBody>
-          </p:sp>
-          <p:sp>
-            <p:nvSpPr>
-              <p:cNvPr id="29" name="Parallelogramm 28">
-                <a:extLst>
-                  <a:ext uri="{FF2B5EF4-FFF2-40B4-BE49-F238E27FC236}">
-                    <a16:creationId xmlns:a16="http://schemas.microsoft.com/office/drawing/2014/main" id="{73F3B3BC-9B81-49A9-A9FD-DDC5F885140C}"/>
-                  </a:ext>
-                </a:extLst>
-              </p:cNvPr>
-              <p:cNvSpPr/>
-              <p:nvPr/>
-            </p:nvSpPr>
-            <p:spPr>
-              <a:xfrm flipV="1">
-                <a:off x="2614614" y="1161945"/>
-                <a:ext cx="607298" cy="45719"/>
-              </a:xfrm>
-              <a:prstGeom prst="parallelogram">
-                <a:avLst/>
-              </a:prstGeom>
-              <a:solidFill>
-                <a:schemeClr val="accent3">
-                  <a:lumMod val="50000"/>
-                </a:schemeClr>
-              </a:solidFill>
-              <a:ln>
-                <a:solidFill>
-                  <a:schemeClr val="accent3">
-                    <a:lumMod val="50000"/>
-                  </a:schemeClr>
-                </a:solidFill>
-              </a:ln>
-            </p:spPr>
-            <p:style>
-              <a:lnRef idx="2">
-                <a:schemeClr val="accent1">
-                  <a:shade val="50000"/>
-                </a:schemeClr>
-              </a:lnRef>
-              <a:fillRef idx="1">
-                <a:schemeClr val="accent1"/>
-              </a:fillRef>
-              <a:effectRef idx="0">
-                <a:schemeClr val="accent1"/>
-              </a:effectRef>
-              <a:fontRef idx="minor">
-                <a:schemeClr val="lt1"/>
-              </a:fontRef>
-            </p:style>
-            <p:txBody>
-              <a:bodyPr rtlCol="0" anchor="ctr"/>
-              <a:lstStyle/>
-              <a:p>
-                <a:pPr algn="ctr"/>
-                <a:endParaRPr lang="de-DE"/>
-              </a:p>
-            </p:txBody>
-          </p:sp>
-          <p:sp>
-            <p:nvSpPr>
-              <p:cNvPr id="26" name="Rechteck 25">
-                <a:extLst>
-                  <a:ext uri="{FF2B5EF4-FFF2-40B4-BE49-F238E27FC236}">
-                    <a16:creationId xmlns:a16="http://schemas.microsoft.com/office/drawing/2014/main" id="{2682753C-351E-4A3F-943F-B78511320777}"/>
-                  </a:ext>
-                </a:extLst>
-              </p:cNvPr>
-              <p:cNvSpPr/>
-              <p:nvPr/>
-            </p:nvSpPr>
-            <p:spPr>
-              <a:xfrm>
-                <a:off x="2471737" y="962025"/>
-                <a:ext cx="174789" cy="2144433"/>
-              </a:xfrm>
-              <a:prstGeom prst="rect">
-                <a:avLst/>
-              </a:prstGeom>
-              <a:solidFill>
-                <a:schemeClr val="accent3">
-                  <a:lumMod val="75000"/>
-                </a:schemeClr>
-              </a:solidFill>
-              <a:ln>
-                <a:solidFill>
-                  <a:schemeClr val="accent3">
-                    <a:lumMod val="75000"/>
-                  </a:schemeClr>
-                </a:solidFill>
-              </a:ln>
-            </p:spPr>
-            <p:style>
-              <a:lnRef idx="2">
-                <a:schemeClr val="accent1">
-                  <a:shade val="50000"/>
-                </a:schemeClr>
-              </a:lnRef>
-              <a:fillRef idx="1">
-                <a:schemeClr val="accent1"/>
-              </a:fillRef>
-              <a:effectRef idx="0">
-                <a:schemeClr val="accent1"/>
-              </a:effectRef>
-              <a:fontRef idx="minor">
-                <a:schemeClr val="lt1"/>
-              </a:fontRef>
-            </p:style>
-            <p:txBody>
-              <a:bodyPr rtlCol="0" anchor="ctr"/>
-              <a:lstStyle/>
-              <a:p>
-                <a:pPr algn="ctr"/>
-                <a:endParaRPr lang="de-DE"/>
-              </a:p>
-            </p:txBody>
-          </p:sp>
-          <p:cxnSp>
-            <p:nvCxnSpPr>
-              <p:cNvPr id="31" name="Gerader Verbinder 30">
-                <a:extLst>
-                  <a:ext uri="{FF2B5EF4-FFF2-40B4-BE49-F238E27FC236}">
-                    <a16:creationId xmlns:a16="http://schemas.microsoft.com/office/drawing/2014/main" id="{2FB853E6-BFD2-497C-99EC-AE312019AEE6}"/>
-                  </a:ext>
-                </a:extLst>
-              </p:cNvPr>
-              <p:cNvCxnSpPr>
-                <a:cxnSpLocks/>
-              </p:cNvCxnSpPr>
-              <p:nvPr/>
-            </p:nvCxnSpPr>
-            <p:spPr>
-              <a:xfrm>
-                <a:off x="2460784" y="1161946"/>
-                <a:ext cx="220504" cy="0"/>
-              </a:xfrm>
-              <a:prstGeom prst="line">
-                <a:avLst/>
-              </a:prstGeom>
-              <a:ln w="12700">
-                <a:solidFill>
-                  <a:schemeClr val="accent3">
-                    <a:lumMod val="50000"/>
-                  </a:schemeClr>
-                </a:solidFill>
-              </a:ln>
-            </p:spPr>
-            <p:style>
-              <a:lnRef idx="1">
-                <a:schemeClr val="accent1"/>
-              </a:lnRef>
-              <a:fillRef idx="0">
-                <a:schemeClr val="accent1"/>
-              </a:fillRef>
-              <a:effectRef idx="0">
-                <a:schemeClr val="accent1"/>
-              </a:effectRef>
-              <a:fontRef idx="minor">
-                <a:schemeClr val="tx1"/>
-              </a:fontRef>
-            </p:style>
-          </p:cxnSp>
-        </p:grpSp>
-        <p:sp>
-          <p:nvSpPr>
-            <p:cNvPr id="34" name="Rechteck 33">
-              <a:extLst>
-                <a:ext uri="{FF2B5EF4-FFF2-40B4-BE49-F238E27FC236}">
-                  <a16:creationId xmlns:a16="http://schemas.microsoft.com/office/drawing/2014/main" id="{9E476763-9D3D-4954-99BF-0A17F7B784F7}"/>
+                  <a16:creationId xmlns:a16="http://schemas.microsoft.com/office/drawing/2014/main" id="{EE078E45-8C80-42CC-A7D4-F7F5DBE57FCC}"/>
                 </a:ext>
               </a:extLst>
             </p:cNvPr>
@@ -4402,14 +3372,14 @@
           </p:nvSpPr>
           <p:spPr>
             <a:xfrm>
-              <a:off x="5000625" y="2162175"/>
-              <a:ext cx="2520000" cy="2520000"/>
+              <a:off x="5048507" y="1545902"/>
+              <a:ext cx="360000" cy="360000"/>
             </a:xfrm>
             <a:prstGeom prst="rect">
               <a:avLst/>
             </a:prstGeom>
             <a:noFill/>
-            <a:ln>
+            <a:ln w="3175">
               <a:noFill/>
             </a:ln>
           </p:spPr>
@@ -4438,6 +3408,682 @@
             </a:p>
           </p:txBody>
         </p:sp>
+        <p:grpSp>
+          <p:nvGrpSpPr>
+            <p:cNvPr id="22" name="Gruppieren 21">
+              <a:extLst>
+                <a:ext uri="{FF2B5EF4-FFF2-40B4-BE49-F238E27FC236}">
+                  <a16:creationId xmlns:a16="http://schemas.microsoft.com/office/drawing/2014/main" id="{C873D325-2EBC-4866-886E-6B6381F19DA2}"/>
+                </a:ext>
+              </a:extLst>
+            </p:cNvPr>
+            <p:cNvGrpSpPr/>
+            <p:nvPr/>
+          </p:nvGrpSpPr>
+          <p:grpSpPr>
+            <a:xfrm>
+              <a:off x="5160133" y="1579598"/>
+              <a:ext cx="136632" cy="289018"/>
+              <a:chOff x="5056637" y="2219082"/>
+              <a:chExt cx="2190031" cy="4631759"/>
+            </a:xfrm>
+            <a:gradFill>
+              <a:gsLst>
+                <a:gs pos="0">
+                  <a:schemeClr val="accent4">
+                    <a:lumMod val="60000"/>
+                    <a:lumOff val="40000"/>
+                  </a:schemeClr>
+                </a:gs>
+                <a:gs pos="50000">
+                  <a:srgbClr val="FF9929"/>
+                </a:gs>
+                <a:gs pos="100000">
+                  <a:srgbClr val="FF0000"/>
+                </a:gs>
+              </a:gsLst>
+              <a:lin ang="2700000" scaled="1"/>
+            </a:gradFill>
+          </p:grpSpPr>
+          <p:grpSp>
+            <p:nvGrpSpPr>
+              <p:cNvPr id="13" name="Gruppieren 12">
+                <a:extLst>
+                  <a:ext uri="{FF2B5EF4-FFF2-40B4-BE49-F238E27FC236}">
+                    <a16:creationId xmlns:a16="http://schemas.microsoft.com/office/drawing/2014/main" id="{78239A09-A56D-44CD-9C79-369496711435}"/>
+                  </a:ext>
+                </a:extLst>
+              </p:cNvPr>
+              <p:cNvGrpSpPr/>
+              <p:nvPr/>
+            </p:nvGrpSpPr>
+            <p:grpSpPr>
+              <a:xfrm rot="19322438">
+                <a:off x="5056637" y="2223414"/>
+                <a:ext cx="2087405" cy="4627427"/>
+                <a:chOff x="3291837" y="3457300"/>
+                <a:chExt cx="2087406" cy="4627425"/>
+              </a:xfrm>
+              <a:grpFill/>
+            </p:grpSpPr>
+            <p:sp>
+              <p:nvSpPr>
+                <p:cNvPr id="6" name="Rechtwinkliges Dreieck 5">
+                  <a:extLst>
+                    <a:ext uri="{FF2B5EF4-FFF2-40B4-BE49-F238E27FC236}">
+                      <a16:creationId xmlns:a16="http://schemas.microsoft.com/office/drawing/2014/main" id="{EE25D2F5-F12D-4699-B791-D16AB40FB3F9}"/>
+                    </a:ext>
+                  </a:extLst>
+                </p:cNvPr>
+                <p:cNvSpPr/>
+                <p:nvPr/>
+              </p:nvSpPr>
+              <p:spPr>
+                <a:xfrm>
+                  <a:off x="4284617" y="3518262"/>
+                  <a:ext cx="1062446" cy="540000"/>
+                </a:xfrm>
+                <a:prstGeom prst="rtTriangle">
+                  <a:avLst/>
+                </a:prstGeom>
+                <a:grpFill/>
+                <a:ln w="3175">
+                  <a:noFill/>
+                </a:ln>
+              </p:spPr>
+              <p:style>
+                <a:lnRef idx="2">
+                  <a:schemeClr val="accent1">
+                    <a:shade val="50000"/>
+                  </a:schemeClr>
+                </a:lnRef>
+                <a:fillRef idx="1">
+                  <a:schemeClr val="accent1"/>
+                </a:fillRef>
+                <a:effectRef idx="0">
+                  <a:schemeClr val="accent1"/>
+                </a:effectRef>
+                <a:fontRef idx="minor">
+                  <a:schemeClr val="lt1"/>
+                </a:fontRef>
+              </p:style>
+              <p:txBody>
+                <a:bodyPr rtlCol="0" anchor="ctr"/>
+                <a:lstStyle/>
+                <a:p>
+                  <a:pPr algn="ctr"/>
+                  <a:endParaRPr lang="de-DE"/>
+                </a:p>
+              </p:txBody>
+            </p:sp>
+            <p:sp>
+              <p:nvSpPr>
+                <p:cNvPr id="7" name="Rechteck 6">
+                  <a:extLst>
+                    <a:ext uri="{FF2B5EF4-FFF2-40B4-BE49-F238E27FC236}">
+                      <a16:creationId xmlns:a16="http://schemas.microsoft.com/office/drawing/2014/main" id="{237A0FC4-B0AC-4EEE-B017-9CF64C518D47}"/>
+                    </a:ext>
+                  </a:extLst>
+                </p:cNvPr>
+                <p:cNvSpPr/>
+                <p:nvPr/>
+              </p:nvSpPr>
+              <p:spPr>
+                <a:xfrm>
+                  <a:off x="3291840" y="3509554"/>
+                  <a:ext cx="992777" cy="540000"/>
+                </a:xfrm>
+                <a:prstGeom prst="rect">
+                  <a:avLst/>
+                </a:prstGeom>
+                <a:grpFill/>
+                <a:ln w="3175">
+                  <a:noFill/>
+                </a:ln>
+              </p:spPr>
+              <p:style>
+                <a:lnRef idx="2">
+                  <a:schemeClr val="accent1">
+                    <a:shade val="50000"/>
+                  </a:schemeClr>
+                </a:lnRef>
+                <a:fillRef idx="1">
+                  <a:schemeClr val="accent1"/>
+                </a:fillRef>
+                <a:effectRef idx="0">
+                  <a:schemeClr val="accent1"/>
+                </a:effectRef>
+                <a:fontRef idx="minor">
+                  <a:schemeClr val="lt1"/>
+                </a:fontRef>
+              </p:style>
+              <p:txBody>
+                <a:bodyPr rtlCol="0" anchor="ctr"/>
+                <a:lstStyle/>
+                <a:p>
+                  <a:pPr algn="ctr"/>
+                  <a:endParaRPr lang="de-DE"/>
+                </a:p>
+              </p:txBody>
+            </p:sp>
+            <p:sp>
+              <p:nvSpPr>
+                <p:cNvPr id="8" name="Parallelogramm 7">
+                  <a:extLst>
+                    <a:ext uri="{FF2B5EF4-FFF2-40B4-BE49-F238E27FC236}">
+                      <a16:creationId xmlns:a16="http://schemas.microsoft.com/office/drawing/2014/main" id="{380891AC-3487-4C7B-B563-CD602DFCCD7A}"/>
+                    </a:ext>
+                  </a:extLst>
+                </p:cNvPr>
+                <p:cNvSpPr/>
+                <p:nvPr/>
+              </p:nvSpPr>
+              <p:spPr>
+                <a:xfrm rot="10800000" flipV="1">
+                  <a:off x="3291837" y="4061459"/>
+                  <a:ext cx="792481" cy="52253"/>
+                </a:xfrm>
+                <a:prstGeom prst="parallelogram">
+                  <a:avLst/>
+                </a:prstGeom>
+                <a:grpFill/>
+                <a:ln w="3175">
+                  <a:noFill/>
+                </a:ln>
+              </p:spPr>
+              <p:style>
+                <a:lnRef idx="2">
+                  <a:schemeClr val="accent1">
+                    <a:shade val="50000"/>
+                  </a:schemeClr>
+                </a:lnRef>
+                <a:fillRef idx="1">
+                  <a:schemeClr val="accent1"/>
+                </a:fillRef>
+                <a:effectRef idx="0">
+                  <a:schemeClr val="accent1"/>
+                </a:effectRef>
+                <a:fontRef idx="minor">
+                  <a:schemeClr val="lt1"/>
+                </a:fontRef>
+              </p:style>
+              <p:txBody>
+                <a:bodyPr rtlCol="0" anchor="ctr"/>
+                <a:lstStyle/>
+                <a:p>
+                  <a:pPr algn="ctr"/>
+                  <a:endParaRPr lang="de-DE"/>
+                </a:p>
+              </p:txBody>
+            </p:sp>
+            <p:sp>
+              <p:nvSpPr>
+                <p:cNvPr id="5" name="Rechteck 4">
+                  <a:extLst>
+                    <a:ext uri="{FF2B5EF4-FFF2-40B4-BE49-F238E27FC236}">
+                      <a16:creationId xmlns:a16="http://schemas.microsoft.com/office/drawing/2014/main" id="{61590AA3-52C7-41E8-AA93-47EACAC66BEF}"/>
+                    </a:ext>
+                  </a:extLst>
+                </p:cNvPr>
+                <p:cNvSpPr/>
+                <p:nvPr/>
+              </p:nvSpPr>
+              <p:spPr>
+                <a:xfrm rot="16200000">
+                  <a:off x="1840277" y="5640384"/>
+                  <a:ext cx="4627425" cy="261257"/>
+                </a:xfrm>
+                <a:prstGeom prst="rect">
+                  <a:avLst/>
+                </a:prstGeom>
+                <a:grpFill/>
+                <a:ln w="3175">
+                  <a:noFill/>
+                </a:ln>
+              </p:spPr>
+              <p:style>
+                <a:lnRef idx="2">
+                  <a:schemeClr val="accent1">
+                    <a:shade val="50000"/>
+                  </a:schemeClr>
+                </a:lnRef>
+                <a:fillRef idx="1">
+                  <a:schemeClr val="accent1"/>
+                </a:fillRef>
+                <a:effectRef idx="0">
+                  <a:schemeClr val="accent1"/>
+                </a:effectRef>
+                <a:fontRef idx="minor">
+                  <a:schemeClr val="lt1"/>
+                </a:fontRef>
+              </p:style>
+              <p:txBody>
+                <a:bodyPr rtlCol="0" anchor="ctr"/>
+                <a:lstStyle/>
+                <a:p>
+                  <a:pPr algn="ctr"/>
+                  <a:endParaRPr lang="de-DE"/>
+                </a:p>
+              </p:txBody>
+            </p:sp>
+            <p:sp>
+              <p:nvSpPr>
+                <p:cNvPr id="9" name="Parallelogramm 8">
+                  <a:extLst>
+                    <a:ext uri="{FF2B5EF4-FFF2-40B4-BE49-F238E27FC236}">
+                      <a16:creationId xmlns:a16="http://schemas.microsoft.com/office/drawing/2014/main" id="{F770B7F8-42FA-4219-92A4-914DB48781AB}"/>
+                    </a:ext>
+                  </a:extLst>
+                </p:cNvPr>
+                <p:cNvSpPr/>
+                <p:nvPr/>
+              </p:nvSpPr>
+              <p:spPr>
+                <a:xfrm rot="10800000" flipV="1">
+                  <a:off x="4283387" y="4066970"/>
+                  <a:ext cx="1095856" cy="52255"/>
+                </a:xfrm>
+                <a:prstGeom prst="parallelogram">
+                  <a:avLst/>
+                </a:prstGeom>
+                <a:grpFill/>
+                <a:ln w="3175">
+                  <a:noFill/>
+                </a:ln>
+              </p:spPr>
+              <p:style>
+                <a:lnRef idx="2">
+                  <a:schemeClr val="accent1">
+                    <a:shade val="50000"/>
+                  </a:schemeClr>
+                </a:lnRef>
+                <a:fillRef idx="1">
+                  <a:schemeClr val="accent1"/>
+                </a:fillRef>
+                <a:effectRef idx="0">
+                  <a:schemeClr val="accent1"/>
+                </a:effectRef>
+                <a:fontRef idx="minor">
+                  <a:schemeClr val="lt1"/>
+                </a:fontRef>
+              </p:style>
+              <p:txBody>
+                <a:bodyPr rtlCol="0" anchor="ctr"/>
+                <a:lstStyle/>
+                <a:p>
+                  <a:pPr algn="ctr"/>
+                  <a:endParaRPr lang="de-DE"/>
+                </a:p>
+              </p:txBody>
+            </p:sp>
+            <p:cxnSp>
+              <p:nvCxnSpPr>
+                <p:cNvPr id="11" name="Gerader Verbinder 10">
+                  <a:extLst>
+                    <a:ext uri="{FF2B5EF4-FFF2-40B4-BE49-F238E27FC236}">
+                      <a16:creationId xmlns:a16="http://schemas.microsoft.com/office/drawing/2014/main" id="{7B387B8C-F7D4-48AF-B6BE-0365A0EC8697}"/>
+                    </a:ext>
+                  </a:extLst>
+                </p:cNvPr>
+                <p:cNvCxnSpPr>
+                  <a:cxnSpLocks/>
+                </p:cNvCxnSpPr>
+                <p:nvPr/>
+              </p:nvCxnSpPr>
+              <p:spPr>
+                <a:xfrm>
+                  <a:off x="4008387" y="4067809"/>
+                  <a:ext cx="276226" cy="0"/>
+                </a:xfrm>
+                <a:prstGeom prst="line">
+                  <a:avLst/>
+                </a:prstGeom>
+                <a:grpFill/>
+                <a:ln w="3175">
+                  <a:noFill/>
+                </a:ln>
+              </p:spPr>
+              <p:style>
+                <a:lnRef idx="1">
+                  <a:schemeClr val="accent1"/>
+                </a:lnRef>
+                <a:fillRef idx="0">
+                  <a:schemeClr val="accent1"/>
+                </a:fillRef>
+                <a:effectRef idx="0">
+                  <a:schemeClr val="accent1"/>
+                </a:effectRef>
+                <a:fontRef idx="minor">
+                  <a:schemeClr val="tx1"/>
+                </a:fontRef>
+              </p:style>
+            </p:cxnSp>
+          </p:grpSp>
+          <p:grpSp>
+            <p:nvGrpSpPr>
+              <p:cNvPr id="15" name="Gruppieren 14">
+                <a:extLst>
+                  <a:ext uri="{FF2B5EF4-FFF2-40B4-BE49-F238E27FC236}">
+                    <a16:creationId xmlns:a16="http://schemas.microsoft.com/office/drawing/2014/main" id="{540D5A44-DC0B-4173-91C8-6E3E38BBD0FB}"/>
+                  </a:ext>
+                </a:extLst>
+              </p:cNvPr>
+              <p:cNvGrpSpPr/>
+              <p:nvPr/>
+            </p:nvGrpSpPr>
+            <p:grpSpPr>
+              <a:xfrm rot="2154885" flipH="1">
+                <a:off x="5238012" y="2219082"/>
+                <a:ext cx="2008656" cy="4627427"/>
+                <a:chOff x="3291837" y="3457300"/>
+                <a:chExt cx="2087406" cy="4627425"/>
+              </a:xfrm>
+              <a:grpFill/>
+              <a:scene3d>
+                <a:camera prst="obliqueTopRight"/>
+                <a:lightRig rig="threePt" dir="t"/>
+              </a:scene3d>
+            </p:grpSpPr>
+            <p:sp>
+              <p:nvSpPr>
+                <p:cNvPr id="16" name="Rechtwinkliges Dreieck 15">
+                  <a:extLst>
+                    <a:ext uri="{FF2B5EF4-FFF2-40B4-BE49-F238E27FC236}">
+                      <a16:creationId xmlns:a16="http://schemas.microsoft.com/office/drawing/2014/main" id="{D2C720BB-3087-422F-BC02-E0436048012C}"/>
+                    </a:ext>
+                  </a:extLst>
+                </p:cNvPr>
+                <p:cNvSpPr/>
+                <p:nvPr/>
+              </p:nvSpPr>
+              <p:spPr>
+                <a:xfrm>
+                  <a:off x="4284617" y="3518262"/>
+                  <a:ext cx="1062446" cy="540000"/>
+                </a:xfrm>
+                <a:prstGeom prst="rtTriangle">
+                  <a:avLst/>
+                </a:prstGeom>
+                <a:grpFill/>
+                <a:ln w="3175">
+                  <a:noFill/>
+                </a:ln>
+                <a:sp3d/>
+              </p:spPr>
+              <p:style>
+                <a:lnRef idx="2">
+                  <a:schemeClr val="accent1">
+                    <a:shade val="50000"/>
+                  </a:schemeClr>
+                </a:lnRef>
+                <a:fillRef idx="1">
+                  <a:schemeClr val="accent1"/>
+                </a:fillRef>
+                <a:effectRef idx="0">
+                  <a:schemeClr val="accent1"/>
+                </a:effectRef>
+                <a:fontRef idx="minor">
+                  <a:schemeClr val="lt1"/>
+                </a:fontRef>
+              </p:style>
+              <p:txBody>
+                <a:bodyPr rtlCol="0" anchor="ctr"/>
+                <a:lstStyle/>
+                <a:p>
+                  <a:pPr algn="ctr"/>
+                  <a:endParaRPr lang="de-DE"/>
+                </a:p>
+              </p:txBody>
+            </p:sp>
+            <p:sp>
+              <p:nvSpPr>
+                <p:cNvPr id="17" name="Rechteck 16">
+                  <a:extLst>
+                    <a:ext uri="{FF2B5EF4-FFF2-40B4-BE49-F238E27FC236}">
+                      <a16:creationId xmlns:a16="http://schemas.microsoft.com/office/drawing/2014/main" id="{F2B04D9F-CF59-4E1D-9022-BF23CE8846F3}"/>
+                    </a:ext>
+                  </a:extLst>
+                </p:cNvPr>
+                <p:cNvSpPr/>
+                <p:nvPr/>
+              </p:nvSpPr>
+              <p:spPr>
+                <a:xfrm>
+                  <a:off x="3291840" y="3509554"/>
+                  <a:ext cx="992777" cy="540000"/>
+                </a:xfrm>
+                <a:prstGeom prst="rect">
+                  <a:avLst/>
+                </a:prstGeom>
+                <a:grpFill/>
+                <a:ln w="3175">
+                  <a:noFill/>
+                </a:ln>
+                <a:sp3d/>
+              </p:spPr>
+              <p:style>
+                <a:lnRef idx="2">
+                  <a:schemeClr val="accent1">
+                    <a:shade val="50000"/>
+                  </a:schemeClr>
+                </a:lnRef>
+                <a:fillRef idx="1">
+                  <a:schemeClr val="accent1"/>
+                </a:fillRef>
+                <a:effectRef idx="0">
+                  <a:schemeClr val="accent1"/>
+                </a:effectRef>
+                <a:fontRef idx="minor">
+                  <a:schemeClr val="lt1"/>
+                </a:fontRef>
+              </p:style>
+              <p:txBody>
+                <a:bodyPr rtlCol="0" anchor="ctr"/>
+                <a:lstStyle/>
+                <a:p>
+                  <a:pPr algn="ctr"/>
+                  <a:endParaRPr lang="de-DE" dirty="0"/>
+                </a:p>
+              </p:txBody>
+            </p:sp>
+            <p:sp>
+              <p:nvSpPr>
+                <p:cNvPr id="18" name="Parallelogramm 17">
+                  <a:extLst>
+                    <a:ext uri="{FF2B5EF4-FFF2-40B4-BE49-F238E27FC236}">
+                      <a16:creationId xmlns:a16="http://schemas.microsoft.com/office/drawing/2014/main" id="{7E5AA452-97FE-4D2C-A5B0-078ADB735E35}"/>
+                    </a:ext>
+                  </a:extLst>
+                </p:cNvPr>
+                <p:cNvSpPr/>
+                <p:nvPr/>
+              </p:nvSpPr>
+              <p:spPr>
+                <a:xfrm rot="10800000" flipV="1">
+                  <a:off x="3291837" y="4061459"/>
+                  <a:ext cx="792481" cy="52253"/>
+                </a:xfrm>
+                <a:prstGeom prst="parallelogram">
+                  <a:avLst/>
+                </a:prstGeom>
+                <a:grpFill/>
+                <a:ln w="3175">
+                  <a:noFill/>
+                </a:ln>
+                <a:sp3d/>
+              </p:spPr>
+              <p:style>
+                <a:lnRef idx="2">
+                  <a:schemeClr val="accent1">
+                    <a:shade val="50000"/>
+                  </a:schemeClr>
+                </a:lnRef>
+                <a:fillRef idx="1">
+                  <a:schemeClr val="accent1"/>
+                </a:fillRef>
+                <a:effectRef idx="0">
+                  <a:schemeClr val="accent1"/>
+                </a:effectRef>
+                <a:fontRef idx="minor">
+                  <a:schemeClr val="lt1"/>
+                </a:fontRef>
+              </p:style>
+              <p:txBody>
+                <a:bodyPr rtlCol="0" anchor="ctr"/>
+                <a:lstStyle/>
+                <a:p>
+                  <a:pPr algn="ctr"/>
+                  <a:endParaRPr lang="de-DE"/>
+                </a:p>
+              </p:txBody>
+            </p:sp>
+            <p:sp>
+              <p:nvSpPr>
+                <p:cNvPr id="19" name="Rechteck 18">
+                  <a:extLst>
+                    <a:ext uri="{FF2B5EF4-FFF2-40B4-BE49-F238E27FC236}">
+                      <a16:creationId xmlns:a16="http://schemas.microsoft.com/office/drawing/2014/main" id="{622BAA47-CD03-433E-8923-BAE5C40C9F05}"/>
+                    </a:ext>
+                  </a:extLst>
+                </p:cNvPr>
+                <p:cNvSpPr/>
+                <p:nvPr/>
+              </p:nvSpPr>
+              <p:spPr>
+                <a:xfrm rot="16200000">
+                  <a:off x="1840277" y="5640384"/>
+                  <a:ext cx="4627425" cy="261257"/>
+                </a:xfrm>
+                <a:prstGeom prst="rect">
+                  <a:avLst/>
+                </a:prstGeom>
+                <a:grpFill/>
+                <a:ln w="3175">
+                  <a:noFill/>
+                </a:ln>
+                <a:sp3d/>
+              </p:spPr>
+              <p:style>
+                <a:lnRef idx="2">
+                  <a:schemeClr val="accent1">
+                    <a:shade val="50000"/>
+                  </a:schemeClr>
+                </a:lnRef>
+                <a:fillRef idx="1">
+                  <a:schemeClr val="accent1"/>
+                </a:fillRef>
+                <a:effectRef idx="0">
+                  <a:schemeClr val="accent1"/>
+                </a:effectRef>
+                <a:fontRef idx="minor">
+                  <a:schemeClr val="lt1"/>
+                </a:fontRef>
+              </p:style>
+              <p:txBody>
+                <a:bodyPr rtlCol="0" anchor="ctr"/>
+                <a:lstStyle/>
+                <a:p>
+                  <a:pPr algn="ctr"/>
+                  <a:endParaRPr lang="de-DE" dirty="0"/>
+                </a:p>
+              </p:txBody>
+            </p:sp>
+            <p:sp>
+              <p:nvSpPr>
+                <p:cNvPr id="20" name="Parallelogramm 19">
+                  <a:extLst>
+                    <a:ext uri="{FF2B5EF4-FFF2-40B4-BE49-F238E27FC236}">
+                      <a16:creationId xmlns:a16="http://schemas.microsoft.com/office/drawing/2014/main" id="{BD091E38-9034-44DD-B8D5-528695C48462}"/>
+                    </a:ext>
+                  </a:extLst>
+                </p:cNvPr>
+                <p:cNvSpPr/>
+                <p:nvPr/>
+              </p:nvSpPr>
+              <p:spPr>
+                <a:xfrm rot="10800000" flipV="1">
+                  <a:off x="4283387" y="4066970"/>
+                  <a:ext cx="1095856" cy="52255"/>
+                </a:xfrm>
+                <a:prstGeom prst="parallelogram">
+                  <a:avLst/>
+                </a:prstGeom>
+                <a:grpFill/>
+                <a:ln w="3175">
+                  <a:noFill/>
+                </a:ln>
+                <a:sp3d/>
+              </p:spPr>
+              <p:style>
+                <a:lnRef idx="2">
+                  <a:schemeClr val="accent1">
+                    <a:shade val="50000"/>
+                  </a:schemeClr>
+                </a:lnRef>
+                <a:fillRef idx="1">
+                  <a:schemeClr val="accent1"/>
+                </a:fillRef>
+                <a:effectRef idx="0">
+                  <a:schemeClr val="accent1"/>
+                </a:effectRef>
+                <a:fontRef idx="minor">
+                  <a:schemeClr val="lt1"/>
+                </a:fontRef>
+              </p:style>
+              <p:txBody>
+                <a:bodyPr rtlCol="0" anchor="ctr"/>
+                <a:lstStyle/>
+                <a:p>
+                  <a:pPr algn="ctr"/>
+                  <a:endParaRPr lang="de-DE"/>
+                </a:p>
+              </p:txBody>
+            </p:sp>
+            <p:cxnSp>
+              <p:nvCxnSpPr>
+                <p:cNvPr id="21" name="Gerader Verbinder 20">
+                  <a:extLst>
+                    <a:ext uri="{FF2B5EF4-FFF2-40B4-BE49-F238E27FC236}">
+                      <a16:creationId xmlns:a16="http://schemas.microsoft.com/office/drawing/2014/main" id="{A1E2299F-2AE7-41E2-8D53-0341743EB59C}"/>
+                    </a:ext>
+                  </a:extLst>
+                </p:cNvPr>
+                <p:cNvCxnSpPr>
+                  <a:cxnSpLocks/>
+                </p:cNvCxnSpPr>
+                <p:nvPr/>
+              </p:nvCxnSpPr>
+              <p:spPr>
+                <a:xfrm>
+                  <a:off x="4008387" y="4067809"/>
+                  <a:ext cx="276226" cy="0"/>
+                </a:xfrm>
+                <a:prstGeom prst="line">
+                  <a:avLst/>
+                </a:prstGeom>
+                <a:grpFill/>
+                <a:ln w="3175">
+                  <a:noFill/>
+                </a:ln>
+                <a:sp3d/>
+              </p:spPr>
+              <p:style>
+                <a:lnRef idx="1">
+                  <a:schemeClr val="accent1"/>
+                </a:lnRef>
+                <a:fillRef idx="0">
+                  <a:schemeClr val="accent1"/>
+                </a:fillRef>
+                <a:effectRef idx="0">
+                  <a:schemeClr val="accent1"/>
+                </a:effectRef>
+                <a:fontRef idx="minor">
+                  <a:schemeClr val="tx1"/>
+                </a:fontRef>
+              </p:style>
+            </p:cxnSp>
+          </p:grpSp>
+        </p:grpSp>
       </p:grpSp>
       <p:grpSp>
         <p:nvGrpSpPr>
@@ -4507,11 +4153,7 @@
                 </a:schemeClr>
               </a:solidFill>
               <a:ln>
-                <a:solidFill>
-                  <a:schemeClr val="accent3">
-                    <a:lumMod val="75000"/>
-                  </a:schemeClr>
-                </a:solidFill>
+                <a:noFill/>
               </a:ln>
             </p:spPr>
             <p:style>
@@ -4569,11 +4211,7 @@
                 </a:schemeClr>
               </a:solidFill>
               <a:ln>
-                <a:solidFill>
-                  <a:schemeClr val="accent3">
-                    <a:lumMod val="50000"/>
-                  </a:schemeClr>
-                </a:solidFill>
+                <a:noFill/>
               </a:ln>
             </p:spPr>
             <p:style>
@@ -4627,11 +4265,7 @@
                 </a:schemeClr>
               </a:solidFill>
               <a:ln>
-                <a:solidFill>
-                  <a:schemeClr val="accent3">
-                    <a:lumMod val="50000"/>
-                  </a:schemeClr>
-                </a:solidFill>
+                <a:noFill/>
               </a:ln>
             </p:spPr>
             <p:style>
@@ -4685,11 +4319,7 @@
                 </a:schemeClr>
               </a:solidFill>
               <a:ln>
-                <a:solidFill>
-                  <a:schemeClr val="accent3">
-                    <a:lumMod val="75000"/>
-                  </a:schemeClr>
-                </a:solidFill>
+                <a:noFill/>
               </a:ln>
             </p:spPr>
             <p:style>
@@ -4740,11 +4370,7 @@
                 <a:avLst/>
               </a:prstGeom>
               <a:ln w="12700">
-                <a:solidFill>
-                  <a:schemeClr val="accent3">
-                    <a:lumMod val="50000"/>
-                  </a:schemeClr>
-                </a:solidFill>
+                <a:noFill/>
               </a:ln>
             </p:spPr>
             <p:style>
@@ -5251,11 +4877,7 @@
               </a:avLst>
             </a:prstGeom>
             <a:ln>
-              <a:solidFill>
-                <a:schemeClr val="accent2">
-                  <a:lumMod val="75000"/>
-                </a:schemeClr>
-              </a:solidFill>
+              <a:noFill/>
             </a:ln>
           </p:spPr>
           <p:style>
@@ -5305,11 +4927,7 @@
               </a:avLst>
             </a:prstGeom>
             <a:ln>
-              <a:solidFill>
-                <a:schemeClr val="accent2">
-                  <a:lumMod val="75000"/>
-                </a:schemeClr>
-              </a:solidFill>
+              <a:noFill/>
             </a:ln>
           </p:spPr>
           <p:style>
@@ -5336,114 +4954,6209 @@
           </p:txBody>
         </p:sp>
       </p:grpSp>
-      <p:sp>
-        <p:nvSpPr>
-          <p:cNvPr id="46" name="Bogen 45">
+      <p:grpSp>
+        <p:nvGrpSpPr>
+          <p:cNvPr id="24" name="Gruppieren 23">
             <a:extLst>
               <a:ext uri="{FF2B5EF4-FFF2-40B4-BE49-F238E27FC236}">
-                <a16:creationId xmlns:a16="http://schemas.microsoft.com/office/drawing/2014/main" id="{73D1E4CE-AE35-4A91-AA7F-0BD655327016}"/>
+                <a16:creationId xmlns:a16="http://schemas.microsoft.com/office/drawing/2014/main" id="{B53F3D35-8282-409C-BC87-4770C5355D16}"/>
               </a:ext>
             </a:extLst>
           </p:cNvPr>
-          <p:cNvSpPr/>
+          <p:cNvGrpSpPr/>
           <p:nvPr/>
-        </p:nvSpPr>
-        <p:spPr>
-          <a:xfrm flipH="1">
-            <a:off x="9905099" y="2427870"/>
-            <a:ext cx="2044180" cy="783139"/>
+        </p:nvGrpSpPr>
+        <p:grpSpPr>
+          <a:xfrm>
+            <a:off x="3266727" y="95323"/>
+            <a:ext cx="396000" cy="396000"/>
+            <a:chOff x="5383762" y="1278294"/>
+            <a:chExt cx="3960000" cy="3960000"/>
           </a:xfrm>
-          <a:prstGeom prst="arc">
-            <a:avLst>
-              <a:gd name="adj1" fmla="val 20473317"/>
-              <a:gd name="adj2" fmla="val 125493"/>
-            </a:avLst>
-          </a:prstGeom>
-          <a:ln>
+        </p:grpSpPr>
+        <p:sp>
+          <p:nvSpPr>
+            <p:cNvPr id="23" name="Rechteck 22">
+              <a:extLst>
+                <a:ext uri="{FF2B5EF4-FFF2-40B4-BE49-F238E27FC236}">
+                  <a16:creationId xmlns:a16="http://schemas.microsoft.com/office/drawing/2014/main" id="{C972C63C-0CFB-4F25-A280-89F67E1E53A0}"/>
+                </a:ext>
+              </a:extLst>
+            </p:cNvPr>
+            <p:cNvSpPr/>
+            <p:nvPr/>
+          </p:nvSpPr>
+          <p:spPr>
+            <a:xfrm>
+              <a:off x="5383762" y="1278294"/>
+              <a:ext cx="3960000" cy="3960000"/>
+            </a:xfrm>
+            <a:prstGeom prst="rect">
+              <a:avLst/>
+            </a:prstGeom>
+            <a:solidFill>
+              <a:schemeClr val="bg1">
+                <a:lumMod val="65000"/>
+              </a:schemeClr>
+            </a:solidFill>
+            <a:ln>
+              <a:noFill/>
+            </a:ln>
+            <a:scene3d>
+              <a:camera prst="orthographicFront"/>
+              <a:lightRig rig="threePt" dir="t"/>
+            </a:scene3d>
+            <a:sp3d>
+              <a:bevelT prst="angle"/>
+            </a:sp3d>
+          </p:spPr>
+          <p:style>
+            <a:lnRef idx="2">
+              <a:schemeClr val="accent1">
+                <a:shade val="50000"/>
+              </a:schemeClr>
+            </a:lnRef>
+            <a:fillRef idx="1">
+              <a:schemeClr val="accent1"/>
+            </a:fillRef>
+            <a:effectRef idx="0">
+              <a:schemeClr val="accent1"/>
+            </a:effectRef>
+            <a:fontRef idx="minor">
+              <a:schemeClr val="lt1"/>
+            </a:fontRef>
+          </p:style>
+          <p:txBody>
+            <a:bodyPr rtlCol="0" anchor="ctr"/>
+            <a:lstStyle/>
+            <a:p>
+              <a:pPr algn="ctr"/>
+              <a:endParaRPr lang="de-DE"/>
+            </a:p>
+          </p:txBody>
+        </p:sp>
+        <p:sp>
+          <p:nvSpPr>
+            <p:cNvPr id="48" name="Rechteck 47">
+              <a:extLst>
+                <a:ext uri="{FF2B5EF4-FFF2-40B4-BE49-F238E27FC236}">
+                  <a16:creationId xmlns:a16="http://schemas.microsoft.com/office/drawing/2014/main" id="{514385D7-DDCF-4A50-BFE2-35EE41254C6E}"/>
+                </a:ext>
+              </a:extLst>
+            </p:cNvPr>
+            <p:cNvSpPr/>
+            <p:nvPr/>
+          </p:nvSpPr>
+          <p:spPr>
+            <a:xfrm>
+              <a:off x="5383762" y="1278294"/>
+              <a:ext cx="3960000" cy="3960000"/>
+            </a:xfrm>
+            <a:prstGeom prst="rect">
+              <a:avLst/>
+            </a:prstGeom>
+            <a:blipFill dpi="0" rotWithShape="1">
+              <a:blip r:embed="rId2"/>
+              <a:srcRect/>
+              <a:tile tx="0" ty="0" sx="100000" sy="100000" flip="none" algn="tl"/>
+            </a:blipFill>
+            <a:ln>
+              <a:noFill/>
+            </a:ln>
+            <a:scene3d>
+              <a:camera prst="orthographicFront"/>
+              <a:lightRig rig="threePt" dir="t"/>
+            </a:scene3d>
+            <a:sp3d>
+              <a:bevelT prst="angle"/>
+            </a:sp3d>
+          </p:spPr>
+          <p:style>
+            <a:lnRef idx="2">
+              <a:schemeClr val="accent1">
+                <a:shade val="50000"/>
+              </a:schemeClr>
+            </a:lnRef>
+            <a:fillRef idx="1">
+              <a:schemeClr val="accent1"/>
+            </a:fillRef>
+            <a:effectRef idx="0">
+              <a:schemeClr val="accent1"/>
+            </a:effectRef>
+            <a:fontRef idx="minor">
+              <a:schemeClr val="lt1"/>
+            </a:fontRef>
+          </p:style>
+          <p:txBody>
+            <a:bodyPr rtlCol="0" anchor="ctr"/>
+            <a:lstStyle/>
+            <a:p>
+              <a:pPr algn="ctr"/>
+              <a:endParaRPr lang="de-DE"/>
+            </a:p>
+          </p:txBody>
+        </p:sp>
+      </p:grpSp>
+      <p:grpSp>
+        <p:nvGrpSpPr>
+          <p:cNvPr id="61" name="Gruppieren 60">
+            <a:extLst>
+              <a:ext uri="{FF2B5EF4-FFF2-40B4-BE49-F238E27FC236}">
+                <a16:creationId xmlns:a16="http://schemas.microsoft.com/office/drawing/2014/main" id="{BC5D5FEB-387B-4DF1-97AA-C079F3933808}"/>
+              </a:ext>
+            </a:extLst>
+          </p:cNvPr>
+          <p:cNvGrpSpPr/>
+          <p:nvPr/>
+        </p:nvGrpSpPr>
+        <p:grpSpPr>
+          <a:xfrm>
+            <a:off x="4915701" y="98562"/>
+            <a:ext cx="401187" cy="396000"/>
+            <a:chOff x="7388423" y="2657290"/>
+            <a:chExt cx="401187" cy="396000"/>
+          </a:xfrm>
+        </p:grpSpPr>
+        <p:sp>
+          <p:nvSpPr>
+            <p:cNvPr id="59" name="Rechteck 58">
+              <a:extLst>
+                <a:ext uri="{FF2B5EF4-FFF2-40B4-BE49-F238E27FC236}">
+                  <a16:creationId xmlns:a16="http://schemas.microsoft.com/office/drawing/2014/main" id="{8E577421-F0CF-48EA-BD1E-A63EA9E75E68}"/>
+                </a:ext>
+              </a:extLst>
+            </p:cNvPr>
+            <p:cNvSpPr/>
+            <p:nvPr/>
+          </p:nvSpPr>
+          <p:spPr>
+            <a:xfrm>
+              <a:off x="7388423" y="2657290"/>
+              <a:ext cx="396000" cy="396000"/>
+            </a:xfrm>
+            <a:prstGeom prst="rect">
+              <a:avLst/>
+            </a:prstGeom>
+            <a:solidFill>
+              <a:srgbClr val="512507"/>
+            </a:solidFill>
+            <a:ln>
+              <a:noFill/>
+            </a:ln>
+            <a:scene3d>
+              <a:camera prst="orthographicFront"/>
+              <a:lightRig rig="threePt" dir="t"/>
+            </a:scene3d>
+            <a:sp3d>
+              <a:bevelT prst="angle"/>
+            </a:sp3d>
+          </p:spPr>
+          <p:style>
+            <a:lnRef idx="2">
+              <a:schemeClr val="accent1">
+                <a:shade val="50000"/>
+              </a:schemeClr>
+            </a:lnRef>
+            <a:fillRef idx="1">
+              <a:schemeClr val="accent1"/>
+            </a:fillRef>
+            <a:effectRef idx="0">
+              <a:schemeClr val="accent1"/>
+            </a:effectRef>
+            <a:fontRef idx="minor">
+              <a:schemeClr val="lt1"/>
+            </a:fontRef>
+          </p:style>
+          <p:txBody>
+            <a:bodyPr rtlCol="0" anchor="ctr"/>
+            <a:lstStyle/>
+            <a:p>
+              <a:pPr algn="ctr"/>
+              <a:endParaRPr lang="de-DE"/>
+            </a:p>
+          </p:txBody>
+        </p:sp>
+        <p:sp>
+          <p:nvSpPr>
+            <p:cNvPr id="60" name="Rechteck 59">
+              <a:extLst>
+                <a:ext uri="{FF2B5EF4-FFF2-40B4-BE49-F238E27FC236}">
+                  <a16:creationId xmlns:a16="http://schemas.microsoft.com/office/drawing/2014/main" id="{35516B01-C0A1-4488-9631-CE7009FB5DF7}"/>
+                </a:ext>
+              </a:extLst>
+            </p:cNvPr>
+            <p:cNvSpPr/>
+            <p:nvPr/>
+          </p:nvSpPr>
+          <p:spPr>
+            <a:xfrm>
+              <a:off x="7393610" y="2657290"/>
+              <a:ext cx="396000" cy="396000"/>
+            </a:xfrm>
+            <a:prstGeom prst="rect">
+              <a:avLst/>
+            </a:prstGeom>
+            <a:blipFill dpi="0" rotWithShape="1">
+              <a:blip r:embed="rId3">
+                <a:alphaModFix amt="84000"/>
+              </a:blip>
+              <a:srcRect/>
+              <a:tile tx="0" ty="0" sx="100000" sy="100000" flip="none" algn="tl"/>
+            </a:blipFill>
+            <a:ln>
+              <a:noFill/>
+            </a:ln>
+            <a:scene3d>
+              <a:camera prst="orthographicFront"/>
+              <a:lightRig rig="threePt" dir="t"/>
+            </a:scene3d>
+            <a:sp3d>
+              <a:bevelT prst="angle"/>
+            </a:sp3d>
+          </p:spPr>
+          <p:style>
+            <a:lnRef idx="2">
+              <a:schemeClr val="accent1">
+                <a:shade val="50000"/>
+              </a:schemeClr>
+            </a:lnRef>
+            <a:fillRef idx="1">
+              <a:schemeClr val="accent1"/>
+            </a:fillRef>
+            <a:effectRef idx="0">
+              <a:schemeClr val="accent1"/>
+            </a:effectRef>
+            <a:fontRef idx="minor">
+              <a:schemeClr val="lt1"/>
+            </a:fontRef>
+          </p:style>
+          <p:txBody>
+            <a:bodyPr rtlCol="0" anchor="ctr"/>
+            <a:lstStyle/>
+            <a:p>
+              <a:pPr algn="ctr"/>
+              <a:endParaRPr lang="de-DE" dirty="0"/>
+            </a:p>
+          </p:txBody>
+        </p:sp>
+      </p:grpSp>
+      <p:grpSp>
+        <p:nvGrpSpPr>
+          <p:cNvPr id="62" name="Gruppieren 61">
+            <a:extLst>
+              <a:ext uri="{FF2B5EF4-FFF2-40B4-BE49-F238E27FC236}">
+                <a16:creationId xmlns:a16="http://schemas.microsoft.com/office/drawing/2014/main" id="{B614907B-CE9E-4067-91A7-E1F65F3E5E9C}"/>
+              </a:ext>
+            </a:extLst>
+          </p:cNvPr>
+          <p:cNvGrpSpPr/>
+          <p:nvPr/>
+        </p:nvGrpSpPr>
+        <p:grpSpPr>
+          <a:xfrm>
+            <a:off x="5453386" y="98562"/>
+            <a:ext cx="399513" cy="396391"/>
+            <a:chOff x="7384910" y="2656899"/>
+            <a:chExt cx="399513" cy="396391"/>
+          </a:xfrm>
+        </p:grpSpPr>
+        <p:sp>
+          <p:nvSpPr>
+            <p:cNvPr id="63" name="Rechteck 62">
+              <a:extLst>
+                <a:ext uri="{FF2B5EF4-FFF2-40B4-BE49-F238E27FC236}">
+                  <a16:creationId xmlns:a16="http://schemas.microsoft.com/office/drawing/2014/main" id="{A582B07A-2D7A-4C39-88E4-7DEDF10F7A2E}"/>
+                </a:ext>
+              </a:extLst>
+            </p:cNvPr>
+            <p:cNvSpPr/>
+            <p:nvPr/>
+          </p:nvSpPr>
+          <p:spPr>
+            <a:xfrm>
+              <a:off x="7388423" y="2657290"/>
+              <a:ext cx="396000" cy="396000"/>
+            </a:xfrm>
+            <a:prstGeom prst="rect">
+              <a:avLst/>
+            </a:prstGeom>
+            <a:solidFill>
+              <a:srgbClr val="70330A"/>
+            </a:solidFill>
+            <a:ln>
+              <a:noFill/>
+            </a:ln>
+            <a:scene3d>
+              <a:camera prst="orthographicFront"/>
+              <a:lightRig rig="threePt" dir="t"/>
+            </a:scene3d>
+            <a:sp3d>
+              <a:bevelT prst="angle"/>
+            </a:sp3d>
+          </p:spPr>
+          <p:style>
+            <a:lnRef idx="2">
+              <a:schemeClr val="accent1">
+                <a:shade val="50000"/>
+              </a:schemeClr>
+            </a:lnRef>
+            <a:fillRef idx="1">
+              <a:schemeClr val="accent1"/>
+            </a:fillRef>
+            <a:effectRef idx="0">
+              <a:schemeClr val="accent1"/>
+            </a:effectRef>
+            <a:fontRef idx="minor">
+              <a:schemeClr val="lt1"/>
+            </a:fontRef>
+          </p:style>
+          <p:txBody>
+            <a:bodyPr rtlCol="0" anchor="ctr"/>
+            <a:lstStyle/>
+            <a:p>
+              <a:pPr algn="ctr"/>
+              <a:endParaRPr lang="de-DE"/>
+            </a:p>
+          </p:txBody>
+        </p:sp>
+        <p:sp>
+          <p:nvSpPr>
+            <p:cNvPr id="64" name="Rechteck 63">
+              <a:extLst>
+                <a:ext uri="{FF2B5EF4-FFF2-40B4-BE49-F238E27FC236}">
+                  <a16:creationId xmlns:a16="http://schemas.microsoft.com/office/drawing/2014/main" id="{1E619FF0-048B-4F0C-9A53-C3C6BD35802D}"/>
+                </a:ext>
+              </a:extLst>
+            </p:cNvPr>
+            <p:cNvSpPr/>
+            <p:nvPr/>
+          </p:nvSpPr>
+          <p:spPr>
+            <a:xfrm>
+              <a:off x="7384910" y="2656899"/>
+              <a:ext cx="396000" cy="396000"/>
+            </a:xfrm>
+            <a:prstGeom prst="rect">
+              <a:avLst/>
+            </a:prstGeom>
+            <a:blipFill dpi="0" rotWithShape="1">
+              <a:blip r:embed="rId4">
+                <a:alphaModFix amt="17000"/>
+              </a:blip>
+              <a:srcRect/>
+              <a:tile tx="0" ty="0" sx="100000" sy="100000" flip="none" algn="tl"/>
+            </a:blipFill>
+            <a:ln>
+              <a:noFill/>
+            </a:ln>
+            <a:scene3d>
+              <a:camera prst="orthographicFront"/>
+              <a:lightRig rig="threePt" dir="t"/>
+            </a:scene3d>
+            <a:sp3d>
+              <a:bevelT prst="angle"/>
+            </a:sp3d>
+          </p:spPr>
+          <p:style>
+            <a:lnRef idx="2">
+              <a:schemeClr val="accent1">
+                <a:shade val="50000"/>
+              </a:schemeClr>
+            </a:lnRef>
+            <a:fillRef idx="1">
+              <a:schemeClr val="accent1"/>
+            </a:fillRef>
+            <a:effectRef idx="0">
+              <a:schemeClr val="accent1"/>
+            </a:effectRef>
+            <a:fontRef idx="minor">
+              <a:schemeClr val="lt1"/>
+            </a:fontRef>
+          </p:style>
+          <p:txBody>
+            <a:bodyPr rtlCol="0" anchor="ctr"/>
+            <a:lstStyle/>
+            <a:p>
+              <a:pPr algn="ctr"/>
+              <a:endParaRPr lang="de-DE" dirty="0"/>
+            </a:p>
+          </p:txBody>
+        </p:sp>
+      </p:grpSp>
+      <p:grpSp>
+        <p:nvGrpSpPr>
+          <p:cNvPr id="65" name="Gruppieren 64">
+            <a:extLst>
+              <a:ext uri="{FF2B5EF4-FFF2-40B4-BE49-F238E27FC236}">
+                <a16:creationId xmlns:a16="http://schemas.microsoft.com/office/drawing/2014/main" id="{6D10C09D-A5B7-4C0E-8E8C-7FFF26ED63DF}"/>
+              </a:ext>
+            </a:extLst>
+          </p:cNvPr>
+          <p:cNvGrpSpPr/>
+          <p:nvPr/>
+        </p:nvGrpSpPr>
+        <p:grpSpPr>
+          <a:xfrm>
+            <a:off x="5943103" y="98953"/>
+            <a:ext cx="396000" cy="402102"/>
+            <a:chOff x="7388423" y="2657290"/>
+            <a:chExt cx="396000" cy="402102"/>
+          </a:xfrm>
+        </p:grpSpPr>
+        <p:sp>
+          <p:nvSpPr>
+            <p:cNvPr id="66" name="Rechteck 65">
+              <a:extLst>
+                <a:ext uri="{FF2B5EF4-FFF2-40B4-BE49-F238E27FC236}">
+                  <a16:creationId xmlns:a16="http://schemas.microsoft.com/office/drawing/2014/main" id="{775F5C36-4CFF-4A4E-9ACD-C7F83DA8AF26}"/>
+                </a:ext>
+              </a:extLst>
+            </p:cNvPr>
+            <p:cNvSpPr/>
+            <p:nvPr/>
+          </p:nvSpPr>
+          <p:spPr>
+            <a:xfrm>
+              <a:off x="7388423" y="2657290"/>
+              <a:ext cx="396000" cy="396000"/>
+            </a:xfrm>
+            <a:prstGeom prst="rect">
+              <a:avLst/>
+            </a:prstGeom>
+            <a:solidFill>
+              <a:srgbClr val="ABDD69"/>
+            </a:solidFill>
+            <a:ln>
+              <a:noFill/>
+            </a:ln>
+            <a:scene3d>
+              <a:camera prst="orthographicFront"/>
+              <a:lightRig rig="threePt" dir="t"/>
+            </a:scene3d>
+            <a:sp3d>
+              <a:bevelT prst="angle"/>
+            </a:sp3d>
+          </p:spPr>
+          <p:style>
+            <a:lnRef idx="2">
+              <a:schemeClr val="accent1">
+                <a:shade val="50000"/>
+              </a:schemeClr>
+            </a:lnRef>
+            <a:fillRef idx="1">
+              <a:schemeClr val="accent1"/>
+            </a:fillRef>
+            <a:effectRef idx="0">
+              <a:schemeClr val="accent1"/>
+            </a:effectRef>
+            <a:fontRef idx="minor">
+              <a:schemeClr val="lt1"/>
+            </a:fontRef>
+          </p:style>
+          <p:txBody>
+            <a:bodyPr rtlCol="0" anchor="ctr"/>
+            <a:lstStyle/>
+            <a:p>
+              <a:pPr algn="ctr"/>
+              <a:endParaRPr lang="de-DE"/>
+            </a:p>
+          </p:txBody>
+        </p:sp>
+        <p:sp>
+          <p:nvSpPr>
+            <p:cNvPr id="67" name="Rechteck 66">
+              <a:extLst>
+                <a:ext uri="{FF2B5EF4-FFF2-40B4-BE49-F238E27FC236}">
+                  <a16:creationId xmlns:a16="http://schemas.microsoft.com/office/drawing/2014/main" id="{5191A649-4EC4-45E2-BCF8-D00682D52424}"/>
+                </a:ext>
+              </a:extLst>
+            </p:cNvPr>
+            <p:cNvSpPr/>
+            <p:nvPr/>
+          </p:nvSpPr>
+          <p:spPr>
+            <a:xfrm>
+              <a:off x="7388423" y="2663392"/>
+              <a:ext cx="396000" cy="396000"/>
+            </a:xfrm>
+            <a:prstGeom prst="rect">
+              <a:avLst/>
+            </a:prstGeom>
+            <a:blipFill dpi="0" rotWithShape="1">
+              <a:blip r:embed="rId5">
+                <a:alphaModFix amt="36000"/>
+              </a:blip>
+              <a:srcRect/>
+              <a:tile tx="0" ty="0" sx="100000" sy="100000" flip="none" algn="tl"/>
+            </a:blipFill>
+            <a:ln>
+              <a:noFill/>
+            </a:ln>
+            <a:scene3d>
+              <a:camera prst="orthographicFront"/>
+              <a:lightRig rig="threePt" dir="t"/>
+            </a:scene3d>
+            <a:sp3d>
+              <a:bevelT prst="angle"/>
+            </a:sp3d>
+          </p:spPr>
+          <p:style>
+            <a:lnRef idx="2">
+              <a:schemeClr val="accent1">
+                <a:shade val="50000"/>
+              </a:schemeClr>
+            </a:lnRef>
+            <a:fillRef idx="1">
+              <a:schemeClr val="accent1"/>
+            </a:fillRef>
+            <a:effectRef idx="0">
+              <a:schemeClr val="accent1"/>
+            </a:effectRef>
+            <a:fontRef idx="minor">
+              <a:schemeClr val="lt1"/>
+            </a:fontRef>
+          </p:style>
+          <p:txBody>
+            <a:bodyPr rtlCol="0" anchor="ctr"/>
+            <a:lstStyle/>
+            <a:p>
+              <a:pPr algn="ctr"/>
+              <a:endParaRPr lang="de-DE" dirty="0"/>
+            </a:p>
+          </p:txBody>
+        </p:sp>
+      </p:grpSp>
+      <p:grpSp>
+        <p:nvGrpSpPr>
+          <p:cNvPr id="83" name="Gruppieren 82">
+            <a:extLst>
+              <a:ext uri="{FF2B5EF4-FFF2-40B4-BE49-F238E27FC236}">
+                <a16:creationId xmlns:a16="http://schemas.microsoft.com/office/drawing/2014/main" id="{A3AFCD0A-4EDC-4ABA-95CC-35B0AA63F570}"/>
+              </a:ext>
+            </a:extLst>
+          </p:cNvPr>
+          <p:cNvGrpSpPr/>
+          <p:nvPr/>
+        </p:nvGrpSpPr>
+        <p:grpSpPr>
+          <a:xfrm>
+            <a:off x="6455581" y="98953"/>
+            <a:ext cx="396000" cy="396000"/>
+            <a:chOff x="6339103" y="1081933"/>
+            <a:chExt cx="3960000" cy="3960000"/>
+          </a:xfrm>
+        </p:grpSpPr>
+        <p:sp>
+          <p:nvSpPr>
+            <p:cNvPr id="69" name="Rechteck 68">
+              <a:extLst>
+                <a:ext uri="{FF2B5EF4-FFF2-40B4-BE49-F238E27FC236}">
+                  <a16:creationId xmlns:a16="http://schemas.microsoft.com/office/drawing/2014/main" id="{66D9E450-E87F-4414-ACED-86B8E7DF5193}"/>
+                </a:ext>
+              </a:extLst>
+            </p:cNvPr>
+            <p:cNvSpPr/>
+            <p:nvPr/>
+          </p:nvSpPr>
+          <p:spPr>
+            <a:xfrm>
+              <a:off x="6339103" y="1081933"/>
+              <a:ext cx="3960000" cy="3960000"/>
+            </a:xfrm>
+            <a:prstGeom prst="rect">
+              <a:avLst/>
+            </a:prstGeom>
+            <a:solidFill>
+              <a:schemeClr val="bg1">
+                <a:lumMod val="85000"/>
+              </a:schemeClr>
+            </a:solidFill>
+            <a:ln>
+              <a:noFill/>
+            </a:ln>
+            <a:scene3d>
+              <a:camera prst="orthographicFront"/>
+              <a:lightRig rig="threePt" dir="t"/>
+            </a:scene3d>
+            <a:sp3d>
+              <a:bevelT prst="angle"/>
+            </a:sp3d>
+          </p:spPr>
+          <p:style>
+            <a:lnRef idx="2">
+              <a:schemeClr val="accent1">
+                <a:shade val="50000"/>
+              </a:schemeClr>
+            </a:lnRef>
+            <a:fillRef idx="1">
+              <a:schemeClr val="accent1"/>
+            </a:fillRef>
+            <a:effectRef idx="0">
+              <a:schemeClr val="accent1"/>
+            </a:effectRef>
+            <a:fontRef idx="minor">
+              <a:schemeClr val="lt1"/>
+            </a:fontRef>
+          </p:style>
+          <p:txBody>
+            <a:bodyPr rtlCol="0" anchor="ctr"/>
+            <a:lstStyle/>
+            <a:p>
+              <a:pPr algn="ctr"/>
+              <a:endParaRPr lang="de-DE"/>
+            </a:p>
+          </p:txBody>
+        </p:sp>
+        <p:sp>
+          <p:nvSpPr>
+            <p:cNvPr id="76" name="Rechteck 75">
+              <a:extLst>
+                <a:ext uri="{FF2B5EF4-FFF2-40B4-BE49-F238E27FC236}">
+                  <a16:creationId xmlns:a16="http://schemas.microsoft.com/office/drawing/2014/main" id="{F9EEBA9E-2564-434F-AC3D-87699F51BE8C}"/>
+                </a:ext>
+              </a:extLst>
+            </p:cNvPr>
+            <p:cNvSpPr/>
+            <p:nvPr/>
+          </p:nvSpPr>
+          <p:spPr>
+            <a:xfrm>
+              <a:off x="9141883" y="1272540"/>
+              <a:ext cx="617220" cy="1203960"/>
+            </a:xfrm>
+            <a:prstGeom prst="rect">
+              <a:avLst/>
+            </a:prstGeom>
+            <a:gradFill flip="none" rotWithShape="1">
+              <a:gsLst>
+                <a:gs pos="0">
+                  <a:schemeClr val="tx1">
+                    <a:lumMod val="75000"/>
+                    <a:lumOff val="25000"/>
+                  </a:schemeClr>
+                </a:gs>
+                <a:gs pos="50000">
+                  <a:schemeClr val="tx1">
+                    <a:lumMod val="65000"/>
+                    <a:lumOff val="35000"/>
+                  </a:schemeClr>
+                </a:gs>
+                <a:gs pos="100000">
+                  <a:schemeClr val="tx1">
+                    <a:lumMod val="50000"/>
+                    <a:lumOff val="50000"/>
+                  </a:schemeClr>
+                </a:gs>
+              </a:gsLst>
+              <a:lin ang="5400000" scaled="1"/>
+              <a:tileRect/>
+            </a:gradFill>
+            <a:ln>
+              <a:noFill/>
+            </a:ln>
+            <a:scene3d>
+              <a:camera prst="orthographicFront"/>
+              <a:lightRig rig="threePt" dir="t"/>
+            </a:scene3d>
+            <a:sp3d>
+              <a:bevelT w="165100" prst="coolSlant"/>
+            </a:sp3d>
+          </p:spPr>
+          <p:style>
+            <a:lnRef idx="2">
+              <a:schemeClr val="accent1">
+                <a:shade val="50000"/>
+              </a:schemeClr>
+            </a:lnRef>
+            <a:fillRef idx="1">
+              <a:schemeClr val="accent1"/>
+            </a:fillRef>
+            <a:effectRef idx="0">
+              <a:schemeClr val="accent1"/>
+            </a:effectRef>
+            <a:fontRef idx="minor">
+              <a:schemeClr val="lt1"/>
+            </a:fontRef>
+          </p:style>
+          <p:txBody>
+            <a:bodyPr rot="0" spcFirstLastPara="0" vertOverflow="overflow" horzOverflow="overflow" vert="horz" wrap="square" lIns="91440" tIns="45720" rIns="91440" bIns="45720" numCol="1" spcCol="0" rtlCol="0" fromWordArt="0" anchor="ctr" anchorCtr="0" forceAA="0" compatLnSpc="1">
+              <a:prstTxWarp prst="textNoShape">
+                <a:avLst/>
+              </a:prstTxWarp>
+              <a:noAutofit/>
+            </a:bodyPr>
+            <a:lstStyle/>
+            <a:p>
+              <a:pPr algn="ctr"/>
+              <a:endParaRPr lang="de-DE"/>
+            </a:p>
+          </p:txBody>
+        </p:sp>
+        <p:sp>
+          <p:nvSpPr>
+            <p:cNvPr id="75" name="Rechteck 74">
+              <a:extLst>
+                <a:ext uri="{FF2B5EF4-FFF2-40B4-BE49-F238E27FC236}">
+                  <a16:creationId xmlns:a16="http://schemas.microsoft.com/office/drawing/2014/main" id="{F37C4AD5-319E-4014-8CFE-DEA464179ECC}"/>
+                </a:ext>
+              </a:extLst>
+            </p:cNvPr>
+            <p:cNvSpPr/>
+            <p:nvPr/>
+          </p:nvSpPr>
+          <p:spPr>
+            <a:xfrm>
+              <a:off x="6879103" y="1272540"/>
+              <a:ext cx="617220" cy="1203960"/>
+            </a:xfrm>
+            <a:prstGeom prst="rect">
+              <a:avLst/>
+            </a:prstGeom>
+            <a:gradFill flip="none" rotWithShape="1">
+              <a:gsLst>
+                <a:gs pos="0">
+                  <a:schemeClr val="tx1">
+                    <a:lumMod val="75000"/>
+                    <a:lumOff val="25000"/>
+                  </a:schemeClr>
+                </a:gs>
+                <a:gs pos="50000">
+                  <a:schemeClr val="tx1">
+                    <a:lumMod val="65000"/>
+                    <a:lumOff val="35000"/>
+                  </a:schemeClr>
+                </a:gs>
+                <a:gs pos="100000">
+                  <a:schemeClr val="tx1">
+                    <a:lumMod val="50000"/>
+                    <a:lumOff val="50000"/>
+                  </a:schemeClr>
+                </a:gs>
+              </a:gsLst>
+              <a:lin ang="5400000" scaled="1"/>
+              <a:tileRect/>
+            </a:gradFill>
+            <a:ln>
+              <a:noFill/>
+            </a:ln>
+            <a:scene3d>
+              <a:camera prst="orthographicFront"/>
+              <a:lightRig rig="threePt" dir="t"/>
+            </a:scene3d>
+            <a:sp3d>
+              <a:bevelT w="165100" prst="coolSlant"/>
+            </a:sp3d>
+          </p:spPr>
+          <p:style>
+            <a:lnRef idx="2">
+              <a:schemeClr val="accent1">
+                <a:shade val="50000"/>
+              </a:schemeClr>
+            </a:lnRef>
+            <a:fillRef idx="1">
+              <a:schemeClr val="accent1"/>
+            </a:fillRef>
+            <a:effectRef idx="0">
+              <a:schemeClr val="accent1"/>
+            </a:effectRef>
+            <a:fontRef idx="minor">
+              <a:schemeClr val="lt1"/>
+            </a:fontRef>
+          </p:style>
+          <p:txBody>
+            <a:bodyPr rot="0" spcFirstLastPara="0" vertOverflow="overflow" horzOverflow="overflow" vert="horz" wrap="square" lIns="91440" tIns="45720" rIns="91440" bIns="45720" numCol="1" spcCol="0" rtlCol="0" fromWordArt="0" anchor="ctr" anchorCtr="0" forceAA="0" compatLnSpc="1">
+              <a:prstTxWarp prst="textNoShape">
+                <a:avLst/>
+              </a:prstTxWarp>
+              <a:noAutofit/>
+            </a:bodyPr>
+            <a:lstStyle/>
+            <a:p>
+              <a:pPr algn="ctr"/>
+              <a:endParaRPr lang="de-DE"/>
+            </a:p>
+          </p:txBody>
+        </p:sp>
+        <p:sp>
+          <p:nvSpPr>
+            <p:cNvPr id="71" name="Rechteck 70">
+              <a:extLst>
+                <a:ext uri="{FF2B5EF4-FFF2-40B4-BE49-F238E27FC236}">
+                  <a16:creationId xmlns:a16="http://schemas.microsoft.com/office/drawing/2014/main" id="{30F309D2-5023-4202-999D-61E901E05A64}"/>
+                </a:ext>
+              </a:extLst>
+            </p:cNvPr>
+            <p:cNvSpPr/>
+            <p:nvPr/>
+          </p:nvSpPr>
+          <p:spPr>
+            <a:xfrm>
+              <a:off x="6879103" y="2019300"/>
+              <a:ext cx="2880000" cy="2780940"/>
+            </a:xfrm>
+            <a:prstGeom prst="rect">
+              <a:avLst/>
+            </a:prstGeom>
+            <a:gradFill flip="none" rotWithShape="1">
+              <a:gsLst>
+                <a:gs pos="0">
+                  <a:schemeClr val="tx1">
+                    <a:lumMod val="75000"/>
+                    <a:lumOff val="25000"/>
+                  </a:schemeClr>
+                </a:gs>
+                <a:gs pos="50000">
+                  <a:schemeClr val="tx1">
+                    <a:lumMod val="65000"/>
+                    <a:lumOff val="35000"/>
+                  </a:schemeClr>
+                </a:gs>
+                <a:gs pos="100000">
+                  <a:schemeClr val="tx1">
+                    <a:lumMod val="50000"/>
+                    <a:lumOff val="50000"/>
+                  </a:schemeClr>
+                </a:gs>
+              </a:gsLst>
+              <a:lin ang="5400000" scaled="1"/>
+              <a:tileRect/>
+            </a:gradFill>
+            <a:ln>
+              <a:noFill/>
+            </a:ln>
+            <a:scene3d>
+              <a:camera prst="orthographicFront"/>
+              <a:lightRig rig="threePt" dir="t"/>
+            </a:scene3d>
+            <a:sp3d>
+              <a:bevelT prst="coolSlant"/>
+            </a:sp3d>
+          </p:spPr>
+          <p:style>
+            <a:lnRef idx="2">
+              <a:schemeClr val="accent1">
+                <a:shade val="50000"/>
+              </a:schemeClr>
+            </a:lnRef>
+            <a:fillRef idx="1">
+              <a:schemeClr val="accent1"/>
+            </a:fillRef>
+            <a:effectRef idx="0">
+              <a:schemeClr val="accent1"/>
+            </a:effectRef>
+            <a:fontRef idx="minor">
+              <a:schemeClr val="lt1"/>
+            </a:fontRef>
+          </p:style>
+          <p:txBody>
+            <a:bodyPr rtlCol="0" anchor="ctr"/>
+            <a:lstStyle/>
+            <a:p>
+              <a:pPr algn="ctr"/>
+              <a:endParaRPr lang="de-DE"/>
+            </a:p>
+          </p:txBody>
+        </p:sp>
+        <p:sp>
+          <p:nvSpPr>
+            <p:cNvPr id="73" name="Rechteck: obere Ecken abgerundet 72">
+              <a:extLst>
+                <a:ext uri="{FF2B5EF4-FFF2-40B4-BE49-F238E27FC236}">
+                  <a16:creationId xmlns:a16="http://schemas.microsoft.com/office/drawing/2014/main" id="{25A66CC2-21D1-470D-AEA2-CAA1DC648355}"/>
+                </a:ext>
+              </a:extLst>
+            </p:cNvPr>
+            <p:cNvSpPr/>
+            <p:nvPr/>
+          </p:nvSpPr>
+          <p:spPr>
+            <a:xfrm>
+              <a:off x="7770463" y="3429000"/>
+              <a:ext cx="1097280" cy="1348740"/>
+            </a:xfrm>
+            <a:prstGeom prst="round2SameRect">
+              <a:avLst>
+                <a:gd name="adj1" fmla="val 47223"/>
+                <a:gd name="adj2" fmla="val 0"/>
+              </a:avLst>
+            </a:prstGeom>
+            <a:solidFill>
+              <a:schemeClr val="tx1"/>
+            </a:solidFill>
+            <a:ln>
+              <a:noFill/>
+            </a:ln>
+          </p:spPr>
+          <p:style>
+            <a:lnRef idx="2">
+              <a:schemeClr val="accent1">
+                <a:shade val="50000"/>
+              </a:schemeClr>
+            </a:lnRef>
+            <a:fillRef idx="1">
+              <a:schemeClr val="accent1"/>
+            </a:fillRef>
+            <a:effectRef idx="0">
+              <a:schemeClr val="accent1"/>
+            </a:effectRef>
+            <a:fontRef idx="minor">
+              <a:schemeClr val="lt1"/>
+            </a:fontRef>
+          </p:style>
+          <p:txBody>
+            <a:bodyPr rtlCol="0" anchor="ctr"/>
+            <a:lstStyle/>
+            <a:p>
+              <a:pPr algn="ctr"/>
+              <a:endParaRPr lang="de-DE"/>
+            </a:p>
+          </p:txBody>
+        </p:sp>
+        <p:sp>
+          <p:nvSpPr>
+            <p:cNvPr id="72" name="Gleichschenkliges Dreieck 71">
+              <a:extLst>
+                <a:ext uri="{FF2B5EF4-FFF2-40B4-BE49-F238E27FC236}">
+                  <a16:creationId xmlns:a16="http://schemas.microsoft.com/office/drawing/2014/main" id="{CB54D236-1C42-4275-ADCB-8188A7B21000}"/>
+                </a:ext>
+              </a:extLst>
+            </p:cNvPr>
+            <p:cNvSpPr/>
+            <p:nvPr/>
+          </p:nvSpPr>
+          <p:spPr>
+            <a:xfrm>
+              <a:off x="6661753" y="1386723"/>
+              <a:ext cx="3314700" cy="967740"/>
+            </a:xfrm>
+            <a:prstGeom prst="triangle">
+              <a:avLst/>
+            </a:prstGeom>
+            <a:solidFill>
+              <a:srgbClr val="960000"/>
+            </a:solidFill>
+            <a:ln>
+              <a:noFill/>
+            </a:ln>
+            <a:scene3d>
+              <a:camera prst="orthographicFront"/>
+              <a:lightRig rig="threePt" dir="t"/>
+            </a:scene3d>
+            <a:sp3d>
+              <a:bevelT w="12700" prst="angle"/>
+            </a:sp3d>
+          </p:spPr>
+          <p:style>
+            <a:lnRef idx="2">
+              <a:schemeClr val="accent1">
+                <a:shade val="50000"/>
+              </a:schemeClr>
+            </a:lnRef>
+            <a:fillRef idx="1">
+              <a:schemeClr val="accent1"/>
+            </a:fillRef>
+            <a:effectRef idx="0">
+              <a:schemeClr val="accent1"/>
+            </a:effectRef>
+            <a:fontRef idx="minor">
+              <a:schemeClr val="lt1"/>
+            </a:fontRef>
+          </p:style>
+          <p:txBody>
+            <a:bodyPr rtlCol="0" anchor="ctr"/>
+            <a:lstStyle/>
+            <a:p>
+              <a:pPr algn="ctr"/>
+              <a:endParaRPr lang="de-DE"/>
+            </a:p>
+          </p:txBody>
+        </p:sp>
+        <p:sp>
+          <p:nvSpPr>
+            <p:cNvPr id="77" name="Rechteck 76">
+              <a:extLst>
+                <a:ext uri="{FF2B5EF4-FFF2-40B4-BE49-F238E27FC236}">
+                  <a16:creationId xmlns:a16="http://schemas.microsoft.com/office/drawing/2014/main" id="{CBB1D666-5478-427E-A509-B8F772EEE9B3}"/>
+                </a:ext>
+              </a:extLst>
+            </p:cNvPr>
+            <p:cNvSpPr/>
+            <p:nvPr/>
+          </p:nvSpPr>
+          <p:spPr>
+            <a:xfrm>
+              <a:off x="9243060" y="1240536"/>
+              <a:ext cx="99060" cy="122027"/>
+            </a:xfrm>
+            <a:prstGeom prst="rect">
+              <a:avLst/>
+            </a:prstGeom>
+            <a:solidFill>
+              <a:schemeClr val="bg1">
+                <a:lumMod val="85000"/>
+              </a:schemeClr>
+            </a:solidFill>
+            <a:ln>
+              <a:noFill/>
+            </a:ln>
+          </p:spPr>
+          <p:style>
+            <a:lnRef idx="2">
+              <a:schemeClr val="accent1">
+                <a:shade val="50000"/>
+              </a:schemeClr>
+            </a:lnRef>
+            <a:fillRef idx="1">
+              <a:schemeClr val="accent1"/>
+            </a:fillRef>
+            <a:effectRef idx="0">
+              <a:schemeClr val="accent1"/>
+            </a:effectRef>
+            <a:fontRef idx="minor">
+              <a:schemeClr val="lt1"/>
+            </a:fontRef>
+          </p:style>
+          <p:txBody>
+            <a:bodyPr rot="0" spcFirstLastPara="0" vertOverflow="overflow" horzOverflow="overflow" vert="horz" wrap="square" lIns="91440" tIns="45720" rIns="91440" bIns="45720" numCol="1" spcCol="0" rtlCol="0" fromWordArt="0" anchor="ctr" anchorCtr="0" forceAA="0" compatLnSpc="1">
+              <a:prstTxWarp prst="textNoShape">
+                <a:avLst/>
+              </a:prstTxWarp>
+              <a:noAutofit/>
+            </a:bodyPr>
+            <a:lstStyle/>
+            <a:p>
+              <a:pPr algn="ctr"/>
+              <a:endParaRPr lang="de-DE"/>
+            </a:p>
+          </p:txBody>
+        </p:sp>
+        <p:sp>
+          <p:nvSpPr>
+            <p:cNvPr id="78" name="Rechteck 77">
+              <a:extLst>
+                <a:ext uri="{FF2B5EF4-FFF2-40B4-BE49-F238E27FC236}">
+                  <a16:creationId xmlns:a16="http://schemas.microsoft.com/office/drawing/2014/main" id="{2CF9BBAA-8D36-4868-AD36-C17A412503E1}"/>
+                </a:ext>
+              </a:extLst>
+            </p:cNvPr>
+            <p:cNvSpPr/>
+            <p:nvPr/>
+          </p:nvSpPr>
+          <p:spPr>
+            <a:xfrm>
+              <a:off x="9401265" y="1240536"/>
+              <a:ext cx="99060" cy="122027"/>
+            </a:xfrm>
+            <a:prstGeom prst="rect">
+              <a:avLst/>
+            </a:prstGeom>
+            <a:solidFill>
+              <a:schemeClr val="bg1">
+                <a:lumMod val="85000"/>
+              </a:schemeClr>
+            </a:solidFill>
+            <a:ln>
+              <a:noFill/>
+            </a:ln>
+          </p:spPr>
+          <p:style>
+            <a:lnRef idx="2">
+              <a:schemeClr val="accent1">
+                <a:shade val="50000"/>
+              </a:schemeClr>
+            </a:lnRef>
+            <a:fillRef idx="1">
+              <a:schemeClr val="accent1"/>
+            </a:fillRef>
+            <a:effectRef idx="0">
+              <a:schemeClr val="accent1"/>
+            </a:effectRef>
+            <a:fontRef idx="minor">
+              <a:schemeClr val="lt1"/>
+            </a:fontRef>
+          </p:style>
+          <p:txBody>
+            <a:bodyPr rot="0" spcFirstLastPara="0" vertOverflow="overflow" horzOverflow="overflow" vert="horz" wrap="square" lIns="91440" tIns="45720" rIns="91440" bIns="45720" numCol="1" spcCol="0" rtlCol="0" fromWordArt="0" anchor="ctr" anchorCtr="0" forceAA="0" compatLnSpc="1">
+              <a:prstTxWarp prst="textNoShape">
+                <a:avLst/>
+              </a:prstTxWarp>
+              <a:noAutofit/>
+            </a:bodyPr>
+            <a:lstStyle/>
+            <a:p>
+              <a:pPr algn="ctr"/>
+              <a:endParaRPr lang="de-DE"/>
+            </a:p>
+          </p:txBody>
+        </p:sp>
+        <p:sp>
+          <p:nvSpPr>
+            <p:cNvPr id="79" name="Rechteck 78">
+              <a:extLst>
+                <a:ext uri="{FF2B5EF4-FFF2-40B4-BE49-F238E27FC236}">
+                  <a16:creationId xmlns:a16="http://schemas.microsoft.com/office/drawing/2014/main" id="{51D803A9-3C4B-468A-B4B1-7656277B4FEB}"/>
+                </a:ext>
+              </a:extLst>
+            </p:cNvPr>
+            <p:cNvSpPr/>
+            <p:nvPr/>
+          </p:nvSpPr>
+          <p:spPr>
+            <a:xfrm>
+              <a:off x="9565710" y="1249680"/>
+              <a:ext cx="99060" cy="122027"/>
+            </a:xfrm>
+            <a:prstGeom prst="rect">
+              <a:avLst/>
+            </a:prstGeom>
+            <a:solidFill>
+              <a:schemeClr val="bg1">
+                <a:lumMod val="85000"/>
+              </a:schemeClr>
+            </a:solidFill>
+            <a:ln>
+              <a:noFill/>
+            </a:ln>
+          </p:spPr>
+          <p:style>
+            <a:lnRef idx="2">
+              <a:schemeClr val="accent1">
+                <a:shade val="50000"/>
+              </a:schemeClr>
+            </a:lnRef>
+            <a:fillRef idx="1">
+              <a:schemeClr val="accent1"/>
+            </a:fillRef>
+            <a:effectRef idx="0">
+              <a:schemeClr val="accent1"/>
+            </a:effectRef>
+            <a:fontRef idx="minor">
+              <a:schemeClr val="lt1"/>
+            </a:fontRef>
+          </p:style>
+          <p:txBody>
+            <a:bodyPr rot="0" spcFirstLastPara="0" vertOverflow="overflow" horzOverflow="overflow" vert="horz" wrap="square" lIns="91440" tIns="45720" rIns="91440" bIns="45720" numCol="1" spcCol="0" rtlCol="0" fromWordArt="0" anchor="ctr" anchorCtr="0" forceAA="0" compatLnSpc="1">
+              <a:prstTxWarp prst="textNoShape">
+                <a:avLst/>
+              </a:prstTxWarp>
+              <a:noAutofit/>
+            </a:bodyPr>
+            <a:lstStyle/>
+            <a:p>
+              <a:pPr algn="ctr"/>
+              <a:endParaRPr lang="de-DE"/>
+            </a:p>
+          </p:txBody>
+        </p:sp>
+        <p:sp>
+          <p:nvSpPr>
+            <p:cNvPr id="80" name="Rechteck 79">
+              <a:extLst>
+                <a:ext uri="{FF2B5EF4-FFF2-40B4-BE49-F238E27FC236}">
+                  <a16:creationId xmlns:a16="http://schemas.microsoft.com/office/drawing/2014/main" id="{73496D38-8767-4F85-A166-6C4C9350E7B0}"/>
+                </a:ext>
+              </a:extLst>
+            </p:cNvPr>
+            <p:cNvSpPr/>
+            <p:nvPr/>
+          </p:nvSpPr>
+          <p:spPr>
+            <a:xfrm>
+              <a:off x="6977936" y="1255776"/>
+              <a:ext cx="99060" cy="122027"/>
+            </a:xfrm>
+            <a:prstGeom prst="rect">
+              <a:avLst/>
+            </a:prstGeom>
+            <a:solidFill>
+              <a:schemeClr val="bg1">
+                <a:lumMod val="85000"/>
+              </a:schemeClr>
+            </a:solidFill>
+            <a:ln>
+              <a:noFill/>
+            </a:ln>
+          </p:spPr>
+          <p:style>
+            <a:lnRef idx="2">
+              <a:schemeClr val="accent1">
+                <a:shade val="50000"/>
+              </a:schemeClr>
+            </a:lnRef>
+            <a:fillRef idx="1">
+              <a:schemeClr val="accent1"/>
+            </a:fillRef>
+            <a:effectRef idx="0">
+              <a:schemeClr val="accent1"/>
+            </a:effectRef>
+            <a:fontRef idx="minor">
+              <a:schemeClr val="lt1"/>
+            </a:fontRef>
+          </p:style>
+          <p:txBody>
+            <a:bodyPr rot="0" spcFirstLastPara="0" vertOverflow="overflow" horzOverflow="overflow" vert="horz" wrap="square" lIns="91440" tIns="45720" rIns="91440" bIns="45720" numCol="1" spcCol="0" rtlCol="0" fromWordArt="0" anchor="ctr" anchorCtr="0" forceAA="0" compatLnSpc="1">
+              <a:prstTxWarp prst="textNoShape">
+                <a:avLst/>
+              </a:prstTxWarp>
+              <a:noAutofit/>
+            </a:bodyPr>
+            <a:lstStyle/>
+            <a:p>
+              <a:pPr algn="ctr"/>
+              <a:endParaRPr lang="de-DE"/>
+            </a:p>
+          </p:txBody>
+        </p:sp>
+        <p:sp>
+          <p:nvSpPr>
+            <p:cNvPr id="81" name="Rechteck 80">
+              <a:extLst>
+                <a:ext uri="{FF2B5EF4-FFF2-40B4-BE49-F238E27FC236}">
+                  <a16:creationId xmlns:a16="http://schemas.microsoft.com/office/drawing/2014/main" id="{4096DE0B-085A-47D9-B7C2-C50CD5C3F810}"/>
+                </a:ext>
+              </a:extLst>
+            </p:cNvPr>
+            <p:cNvSpPr/>
+            <p:nvPr/>
+          </p:nvSpPr>
+          <p:spPr>
+            <a:xfrm>
+              <a:off x="7136141" y="1255776"/>
+              <a:ext cx="99060" cy="122027"/>
+            </a:xfrm>
+            <a:prstGeom prst="rect">
+              <a:avLst/>
+            </a:prstGeom>
+            <a:solidFill>
+              <a:schemeClr val="bg1">
+                <a:lumMod val="85000"/>
+              </a:schemeClr>
+            </a:solidFill>
+            <a:ln>
+              <a:noFill/>
+            </a:ln>
+          </p:spPr>
+          <p:style>
+            <a:lnRef idx="2">
+              <a:schemeClr val="accent1">
+                <a:shade val="50000"/>
+              </a:schemeClr>
+            </a:lnRef>
+            <a:fillRef idx="1">
+              <a:schemeClr val="accent1"/>
+            </a:fillRef>
+            <a:effectRef idx="0">
+              <a:schemeClr val="accent1"/>
+            </a:effectRef>
+            <a:fontRef idx="minor">
+              <a:schemeClr val="lt1"/>
+            </a:fontRef>
+          </p:style>
+          <p:txBody>
+            <a:bodyPr rot="0" spcFirstLastPara="0" vertOverflow="overflow" horzOverflow="overflow" vert="horz" wrap="square" lIns="91440" tIns="45720" rIns="91440" bIns="45720" numCol="1" spcCol="0" rtlCol="0" fromWordArt="0" anchor="ctr" anchorCtr="0" forceAA="0" compatLnSpc="1">
+              <a:prstTxWarp prst="textNoShape">
+                <a:avLst/>
+              </a:prstTxWarp>
+              <a:noAutofit/>
+            </a:bodyPr>
+            <a:lstStyle/>
+            <a:p>
+              <a:pPr algn="ctr"/>
+              <a:endParaRPr lang="de-DE"/>
+            </a:p>
+          </p:txBody>
+        </p:sp>
+        <p:sp>
+          <p:nvSpPr>
+            <p:cNvPr id="82" name="Rechteck 81">
+              <a:extLst>
+                <a:ext uri="{FF2B5EF4-FFF2-40B4-BE49-F238E27FC236}">
+                  <a16:creationId xmlns:a16="http://schemas.microsoft.com/office/drawing/2014/main" id="{CA8CEAD3-107D-4EF6-881C-48E6E65C393F}"/>
+                </a:ext>
+              </a:extLst>
+            </p:cNvPr>
+            <p:cNvSpPr/>
+            <p:nvPr/>
+          </p:nvSpPr>
+          <p:spPr>
+            <a:xfrm>
+              <a:off x="7300586" y="1264920"/>
+              <a:ext cx="99060" cy="122027"/>
+            </a:xfrm>
+            <a:prstGeom prst="rect">
+              <a:avLst/>
+            </a:prstGeom>
+            <a:solidFill>
+              <a:schemeClr val="bg1">
+                <a:lumMod val="85000"/>
+              </a:schemeClr>
+            </a:solidFill>
+            <a:ln>
+              <a:noFill/>
+            </a:ln>
+          </p:spPr>
+          <p:style>
+            <a:lnRef idx="2">
+              <a:schemeClr val="accent1">
+                <a:shade val="50000"/>
+              </a:schemeClr>
+            </a:lnRef>
+            <a:fillRef idx="1">
+              <a:schemeClr val="accent1"/>
+            </a:fillRef>
+            <a:effectRef idx="0">
+              <a:schemeClr val="accent1"/>
+            </a:effectRef>
+            <a:fontRef idx="minor">
+              <a:schemeClr val="lt1"/>
+            </a:fontRef>
+          </p:style>
+          <p:txBody>
+            <a:bodyPr rot="0" spcFirstLastPara="0" vertOverflow="overflow" horzOverflow="overflow" vert="horz" wrap="square" lIns="91440" tIns="45720" rIns="91440" bIns="45720" numCol="1" spcCol="0" rtlCol="0" fromWordArt="0" anchor="ctr" anchorCtr="0" forceAA="0" compatLnSpc="1">
+              <a:prstTxWarp prst="textNoShape">
+                <a:avLst/>
+              </a:prstTxWarp>
+              <a:noAutofit/>
+            </a:bodyPr>
+            <a:lstStyle/>
+            <a:p>
+              <a:pPr algn="ctr"/>
+              <a:endParaRPr lang="de-DE"/>
+            </a:p>
+          </p:txBody>
+        </p:sp>
+      </p:grpSp>
+      <p:grpSp>
+        <p:nvGrpSpPr>
+          <p:cNvPr id="84" name="Gruppieren 83">
+            <a:extLst>
+              <a:ext uri="{FF2B5EF4-FFF2-40B4-BE49-F238E27FC236}">
+                <a16:creationId xmlns:a16="http://schemas.microsoft.com/office/drawing/2014/main" id="{0954AEF2-44A1-4CBE-B3A3-3C1E53979D4F}"/>
+              </a:ext>
+            </a:extLst>
+          </p:cNvPr>
+          <p:cNvGrpSpPr/>
+          <p:nvPr/>
+        </p:nvGrpSpPr>
+        <p:grpSpPr>
+          <a:xfrm>
+            <a:off x="2721027" y="1660083"/>
+            <a:ext cx="396000" cy="400345"/>
+            <a:chOff x="5383762" y="1234844"/>
+            <a:chExt cx="3960000" cy="4003450"/>
+          </a:xfrm>
+        </p:grpSpPr>
+        <p:sp>
+          <p:nvSpPr>
+            <p:cNvPr id="85" name="Rechteck 84">
+              <a:extLst>
+                <a:ext uri="{FF2B5EF4-FFF2-40B4-BE49-F238E27FC236}">
+                  <a16:creationId xmlns:a16="http://schemas.microsoft.com/office/drawing/2014/main" id="{B057CF42-0403-492F-868B-53B305D3C61F}"/>
+                </a:ext>
+              </a:extLst>
+            </p:cNvPr>
+            <p:cNvSpPr/>
+            <p:nvPr/>
+          </p:nvSpPr>
+          <p:spPr>
+            <a:xfrm>
+              <a:off x="5383762" y="1278294"/>
+              <a:ext cx="3960000" cy="3960000"/>
+            </a:xfrm>
+            <a:prstGeom prst="rect">
+              <a:avLst/>
+            </a:prstGeom>
+            <a:solidFill>
+              <a:schemeClr val="bg1">
+                <a:lumMod val="95000"/>
+              </a:schemeClr>
+            </a:solidFill>
+            <a:ln>
+              <a:noFill/>
+            </a:ln>
+            <a:scene3d>
+              <a:camera prst="orthographicFront"/>
+              <a:lightRig rig="threePt" dir="t"/>
+            </a:scene3d>
+            <a:sp3d>
+              <a:bevelT prst="angle"/>
+            </a:sp3d>
+          </p:spPr>
+          <p:style>
+            <a:lnRef idx="2">
+              <a:schemeClr val="accent1">
+                <a:shade val="50000"/>
+              </a:schemeClr>
+            </a:lnRef>
+            <a:fillRef idx="1">
+              <a:schemeClr val="accent1"/>
+            </a:fillRef>
+            <a:effectRef idx="0">
+              <a:schemeClr val="accent1"/>
+            </a:effectRef>
+            <a:fontRef idx="minor">
+              <a:schemeClr val="lt1"/>
+            </a:fontRef>
+          </p:style>
+          <p:txBody>
+            <a:bodyPr rtlCol="0" anchor="ctr"/>
+            <a:lstStyle/>
+            <a:p>
+              <a:pPr algn="ctr"/>
+              <a:endParaRPr lang="de-DE"/>
+            </a:p>
+          </p:txBody>
+        </p:sp>
+        <p:sp>
+          <p:nvSpPr>
+            <p:cNvPr id="86" name="Rechteck 85">
+              <a:extLst>
+                <a:ext uri="{FF2B5EF4-FFF2-40B4-BE49-F238E27FC236}">
+                  <a16:creationId xmlns:a16="http://schemas.microsoft.com/office/drawing/2014/main" id="{A9D20A63-7DCC-4EEC-95A9-DC4C5F93BCE9}"/>
+                </a:ext>
+              </a:extLst>
+            </p:cNvPr>
+            <p:cNvSpPr/>
+            <p:nvPr/>
+          </p:nvSpPr>
+          <p:spPr>
+            <a:xfrm>
+              <a:off x="5383762" y="1234844"/>
+              <a:ext cx="3960000" cy="3960000"/>
+            </a:xfrm>
+            <a:prstGeom prst="rect">
+              <a:avLst/>
+            </a:prstGeom>
+            <a:blipFill dpi="0" rotWithShape="1">
+              <a:blip r:embed="rId2">
+                <a:alphaModFix amt="36000"/>
+              </a:blip>
+              <a:srcRect/>
+              <a:tile tx="0" ty="0" sx="100000" sy="100000" flip="none" algn="tl"/>
+            </a:blipFill>
+            <a:ln>
+              <a:noFill/>
+            </a:ln>
+            <a:scene3d>
+              <a:camera prst="orthographicFront"/>
+              <a:lightRig rig="threePt" dir="t"/>
+            </a:scene3d>
+            <a:sp3d>
+              <a:bevelT prst="angle"/>
+            </a:sp3d>
+          </p:spPr>
+          <p:style>
+            <a:lnRef idx="2">
+              <a:schemeClr val="accent1">
+                <a:shade val="50000"/>
+              </a:schemeClr>
+            </a:lnRef>
+            <a:fillRef idx="1">
+              <a:schemeClr val="accent1"/>
+            </a:fillRef>
+            <a:effectRef idx="0">
+              <a:schemeClr val="accent1"/>
+            </a:effectRef>
+            <a:fontRef idx="minor">
+              <a:schemeClr val="lt1"/>
+            </a:fontRef>
+          </p:style>
+          <p:txBody>
+            <a:bodyPr rtlCol="0" anchor="ctr"/>
+            <a:lstStyle/>
+            <a:p>
+              <a:pPr algn="ctr"/>
+              <a:endParaRPr lang="de-DE"/>
+            </a:p>
+          </p:txBody>
+        </p:sp>
+      </p:grpSp>
+      <p:grpSp>
+        <p:nvGrpSpPr>
+          <p:cNvPr id="90" name="Gruppieren 89">
+            <a:extLst>
+              <a:ext uri="{FF2B5EF4-FFF2-40B4-BE49-F238E27FC236}">
+                <a16:creationId xmlns:a16="http://schemas.microsoft.com/office/drawing/2014/main" id="{B83955FC-8E30-432D-A4C4-473566162E4F}"/>
+              </a:ext>
+            </a:extLst>
+          </p:cNvPr>
+          <p:cNvGrpSpPr/>
+          <p:nvPr/>
+        </p:nvGrpSpPr>
+        <p:grpSpPr>
+          <a:xfrm>
+            <a:off x="3799403" y="1685646"/>
+            <a:ext cx="404097" cy="396856"/>
+            <a:chOff x="7887875" y="2437443"/>
+            <a:chExt cx="404097" cy="396856"/>
+          </a:xfrm>
+        </p:grpSpPr>
+        <p:sp>
+          <p:nvSpPr>
+            <p:cNvPr id="91" name="Rechteck 90">
+              <a:extLst>
+                <a:ext uri="{FF2B5EF4-FFF2-40B4-BE49-F238E27FC236}">
+                  <a16:creationId xmlns:a16="http://schemas.microsoft.com/office/drawing/2014/main" id="{CE37C33A-1353-4527-86F3-457553211EBA}"/>
+                </a:ext>
+              </a:extLst>
+            </p:cNvPr>
+            <p:cNvSpPr/>
+            <p:nvPr/>
+          </p:nvSpPr>
+          <p:spPr>
+            <a:xfrm>
+              <a:off x="7887875" y="2438299"/>
+              <a:ext cx="396000" cy="396000"/>
+            </a:xfrm>
+            <a:prstGeom prst="rect">
+              <a:avLst/>
+            </a:prstGeom>
+            <a:solidFill>
+              <a:schemeClr val="bg1">
+                <a:lumMod val="85000"/>
+              </a:schemeClr>
+            </a:solidFill>
+            <a:ln>
+              <a:noFill/>
+            </a:ln>
+            <a:scene3d>
+              <a:camera prst="orthographicFront"/>
+              <a:lightRig rig="threePt" dir="t"/>
+            </a:scene3d>
+            <a:sp3d>
+              <a:bevelT prst="angle"/>
+            </a:sp3d>
+          </p:spPr>
+          <p:style>
+            <a:lnRef idx="2">
+              <a:schemeClr val="accent1">
+                <a:shade val="50000"/>
+              </a:schemeClr>
+            </a:lnRef>
+            <a:fillRef idx="1">
+              <a:schemeClr val="accent1"/>
+            </a:fillRef>
+            <a:effectRef idx="0">
+              <a:schemeClr val="accent1"/>
+            </a:effectRef>
+            <a:fontRef idx="minor">
+              <a:schemeClr val="lt1"/>
+            </a:fontRef>
+          </p:style>
+          <p:txBody>
+            <a:bodyPr rtlCol="0" anchor="ctr"/>
+            <a:lstStyle/>
+            <a:p>
+              <a:pPr algn="ctr"/>
+              <a:endParaRPr lang="de-DE"/>
+            </a:p>
+          </p:txBody>
+        </p:sp>
+        <p:sp>
+          <p:nvSpPr>
+            <p:cNvPr id="92" name="Rechteck 91">
+              <a:extLst>
+                <a:ext uri="{FF2B5EF4-FFF2-40B4-BE49-F238E27FC236}">
+                  <a16:creationId xmlns:a16="http://schemas.microsoft.com/office/drawing/2014/main" id="{05C4EF4A-D7C6-4FF2-8031-913D1E3A92D1}"/>
+                </a:ext>
+              </a:extLst>
+            </p:cNvPr>
+            <p:cNvSpPr/>
+            <p:nvPr/>
+          </p:nvSpPr>
+          <p:spPr>
+            <a:xfrm>
+              <a:off x="7895972" y="2437443"/>
+              <a:ext cx="396000" cy="396000"/>
+            </a:xfrm>
+            <a:prstGeom prst="rect">
+              <a:avLst/>
+            </a:prstGeom>
+            <a:blipFill>
+              <a:blip r:embed="rId6">
+                <a:alphaModFix amt="64000"/>
+              </a:blip>
+              <a:stretch>
+                <a:fillRect/>
+              </a:stretch>
+            </a:blipFill>
+            <a:ln>
+              <a:noFill/>
+            </a:ln>
+            <a:scene3d>
+              <a:camera prst="orthographicFront"/>
+              <a:lightRig rig="threePt" dir="t"/>
+            </a:scene3d>
+            <a:sp3d>
+              <a:bevelT prst="angle"/>
+            </a:sp3d>
+          </p:spPr>
+          <p:style>
+            <a:lnRef idx="2">
+              <a:schemeClr val="accent1">
+                <a:shade val="50000"/>
+              </a:schemeClr>
+            </a:lnRef>
+            <a:fillRef idx="1">
+              <a:schemeClr val="accent1"/>
+            </a:fillRef>
+            <a:effectRef idx="0">
+              <a:schemeClr val="accent1"/>
+            </a:effectRef>
+            <a:fontRef idx="minor">
+              <a:schemeClr val="lt1"/>
+            </a:fontRef>
+          </p:style>
+          <p:txBody>
+            <a:bodyPr rtlCol="0" anchor="ctr"/>
+            <a:lstStyle/>
+            <a:p>
+              <a:pPr algn="ctr"/>
+              <a:endParaRPr lang="de-DE" dirty="0"/>
+            </a:p>
+          </p:txBody>
+        </p:sp>
+      </p:grpSp>
+      <p:grpSp>
+        <p:nvGrpSpPr>
+          <p:cNvPr id="93" name="Gruppieren 92">
+            <a:extLst>
+              <a:ext uri="{FF2B5EF4-FFF2-40B4-BE49-F238E27FC236}">
+                <a16:creationId xmlns:a16="http://schemas.microsoft.com/office/drawing/2014/main" id="{889D67ED-4CC3-472C-913B-0513FF281858}"/>
+              </a:ext>
+            </a:extLst>
+          </p:cNvPr>
+          <p:cNvGrpSpPr/>
+          <p:nvPr/>
+        </p:nvGrpSpPr>
+        <p:grpSpPr>
+          <a:xfrm>
+            <a:off x="4332052" y="1683222"/>
+            <a:ext cx="402539" cy="399280"/>
+            <a:chOff x="7381884" y="2654010"/>
+            <a:chExt cx="402539" cy="399280"/>
+          </a:xfrm>
+        </p:grpSpPr>
+        <p:sp>
+          <p:nvSpPr>
+            <p:cNvPr id="94" name="Rechteck 93">
+              <a:extLst>
+                <a:ext uri="{FF2B5EF4-FFF2-40B4-BE49-F238E27FC236}">
+                  <a16:creationId xmlns:a16="http://schemas.microsoft.com/office/drawing/2014/main" id="{3E4153A3-A0AA-4F0F-940C-E8D7CF58DDFD}"/>
+                </a:ext>
+              </a:extLst>
+            </p:cNvPr>
+            <p:cNvSpPr/>
+            <p:nvPr/>
+          </p:nvSpPr>
+          <p:spPr>
+            <a:xfrm>
+              <a:off x="7388423" y="2657290"/>
+              <a:ext cx="396000" cy="396000"/>
+            </a:xfrm>
+            <a:prstGeom prst="rect">
+              <a:avLst/>
+            </a:prstGeom>
             <a:solidFill>
               <a:schemeClr val="accent2">
                 <a:lumMod val="75000"/>
               </a:schemeClr>
             </a:solidFill>
-          </a:ln>
-        </p:spPr>
-        <p:style>
-          <a:lnRef idx="1">
-            <a:schemeClr val="accent1"/>
-          </a:lnRef>
-          <a:fillRef idx="0">
-            <a:schemeClr val="accent1"/>
-          </a:fillRef>
-          <a:effectRef idx="0">
-            <a:schemeClr val="accent1"/>
-          </a:effectRef>
-          <a:fontRef idx="minor">
-            <a:schemeClr val="tx1"/>
-          </a:fontRef>
-        </p:style>
-        <p:txBody>
-          <a:bodyPr rtlCol="0" anchor="ctr"/>
-          <a:lstStyle/>
-          <a:p>
-            <a:pPr algn="ctr"/>
-            <a:endParaRPr lang="de-DE"/>
-          </a:p>
-        </p:txBody>
-      </p:sp>
-      <p:sp>
-        <p:nvSpPr>
-          <p:cNvPr id="47" name="Bogen 46">
+            <a:ln>
+              <a:noFill/>
+            </a:ln>
+            <a:scene3d>
+              <a:camera prst="orthographicFront"/>
+              <a:lightRig rig="threePt" dir="t"/>
+            </a:scene3d>
+            <a:sp3d>
+              <a:bevelT prst="angle"/>
+            </a:sp3d>
+          </p:spPr>
+          <p:style>
+            <a:lnRef idx="2">
+              <a:schemeClr val="accent1">
+                <a:shade val="50000"/>
+              </a:schemeClr>
+            </a:lnRef>
+            <a:fillRef idx="1">
+              <a:schemeClr val="accent1"/>
+            </a:fillRef>
+            <a:effectRef idx="0">
+              <a:schemeClr val="accent1"/>
+            </a:effectRef>
+            <a:fontRef idx="minor">
+              <a:schemeClr val="lt1"/>
+            </a:fontRef>
+          </p:style>
+          <p:txBody>
+            <a:bodyPr rtlCol="0" anchor="ctr"/>
+            <a:lstStyle/>
+            <a:p>
+              <a:pPr algn="ctr"/>
+              <a:endParaRPr lang="de-DE"/>
+            </a:p>
+          </p:txBody>
+        </p:sp>
+        <p:sp>
+          <p:nvSpPr>
+            <p:cNvPr id="95" name="Rechteck 94">
+              <a:extLst>
+                <a:ext uri="{FF2B5EF4-FFF2-40B4-BE49-F238E27FC236}">
+                  <a16:creationId xmlns:a16="http://schemas.microsoft.com/office/drawing/2014/main" id="{CC779757-D3E6-4E05-B0FF-C3E2A0734BE1}"/>
+                </a:ext>
+              </a:extLst>
+            </p:cNvPr>
+            <p:cNvSpPr/>
+            <p:nvPr/>
+          </p:nvSpPr>
+          <p:spPr>
+            <a:xfrm>
+              <a:off x="7381884" y="2654010"/>
+              <a:ext cx="396000" cy="396000"/>
+            </a:xfrm>
+            <a:prstGeom prst="rect">
+              <a:avLst/>
+            </a:prstGeom>
+            <a:blipFill dpi="0" rotWithShape="1">
+              <a:blip r:embed="rId3">
+                <a:alphaModFix amt="57000"/>
+              </a:blip>
+              <a:srcRect/>
+              <a:tile tx="0" ty="0" sx="100000" sy="100000" flip="none" algn="tl"/>
+            </a:blipFill>
+            <a:ln>
+              <a:noFill/>
+            </a:ln>
+            <a:scene3d>
+              <a:camera prst="orthographicFront"/>
+              <a:lightRig rig="threePt" dir="t"/>
+            </a:scene3d>
+            <a:sp3d>
+              <a:bevelT prst="angle"/>
+            </a:sp3d>
+          </p:spPr>
+          <p:style>
+            <a:lnRef idx="2">
+              <a:schemeClr val="accent1">
+                <a:shade val="50000"/>
+              </a:schemeClr>
+            </a:lnRef>
+            <a:fillRef idx="1">
+              <a:schemeClr val="accent1"/>
+            </a:fillRef>
+            <a:effectRef idx="0">
+              <a:schemeClr val="accent1"/>
+            </a:effectRef>
+            <a:fontRef idx="minor">
+              <a:schemeClr val="lt1"/>
+            </a:fontRef>
+          </p:style>
+          <p:txBody>
+            <a:bodyPr rtlCol="0" anchor="ctr"/>
+            <a:lstStyle/>
+            <a:p>
+              <a:pPr algn="ctr"/>
+              <a:endParaRPr lang="de-DE" dirty="0"/>
+            </a:p>
+          </p:txBody>
+        </p:sp>
+      </p:grpSp>
+      <p:grpSp>
+        <p:nvGrpSpPr>
+          <p:cNvPr id="96" name="Gruppieren 95">
             <a:extLst>
               <a:ext uri="{FF2B5EF4-FFF2-40B4-BE49-F238E27FC236}">
-                <a16:creationId xmlns:a16="http://schemas.microsoft.com/office/drawing/2014/main" id="{4DC3914C-E83C-42FA-B592-DCE65BAFECB5}"/>
+                <a16:creationId xmlns:a16="http://schemas.microsoft.com/office/drawing/2014/main" id="{C72E73FF-C6DC-419A-939C-D6C6321BA18E}"/>
               </a:ext>
             </a:extLst>
           </p:cNvPr>
-          <p:cNvSpPr/>
+          <p:cNvGrpSpPr/>
           <p:nvPr/>
-        </p:nvSpPr>
-        <p:spPr>
-          <a:xfrm flipH="1">
-            <a:off x="9907263" y="2183316"/>
-            <a:ext cx="2044180" cy="1137748"/>
+        </p:nvGrpSpPr>
+        <p:grpSpPr>
+          <a:xfrm>
+            <a:off x="4877779" y="1693917"/>
+            <a:ext cx="400717" cy="398188"/>
+            <a:chOff x="7388423" y="2655102"/>
+            <a:chExt cx="400717" cy="398188"/>
           </a:xfrm>
-          <a:prstGeom prst="arc">
-            <a:avLst>
-              <a:gd name="adj1" fmla="val 20473317"/>
-              <a:gd name="adj2" fmla="val 125493"/>
-            </a:avLst>
-          </a:prstGeom>
-          <a:ln>
+        </p:grpSpPr>
+        <p:sp>
+          <p:nvSpPr>
+            <p:cNvPr id="97" name="Rechteck 96">
+              <a:extLst>
+                <a:ext uri="{FF2B5EF4-FFF2-40B4-BE49-F238E27FC236}">
+                  <a16:creationId xmlns:a16="http://schemas.microsoft.com/office/drawing/2014/main" id="{5F59AD0D-7C8F-4163-B22C-EA0B7F6BA8DB}"/>
+                </a:ext>
+              </a:extLst>
+            </p:cNvPr>
+            <p:cNvSpPr/>
+            <p:nvPr/>
+          </p:nvSpPr>
+          <p:spPr>
+            <a:xfrm>
+              <a:off x="7388423" y="2657290"/>
+              <a:ext cx="396000" cy="396000"/>
+            </a:xfrm>
+            <a:prstGeom prst="rect">
+              <a:avLst/>
+            </a:prstGeom>
             <a:solidFill>
               <a:schemeClr val="accent2">
-                <a:lumMod val="75000"/>
+                <a:lumMod val="60000"/>
+                <a:lumOff val="40000"/>
               </a:schemeClr>
             </a:solidFill>
-          </a:ln>
-        </p:spPr>
-        <p:style>
-          <a:lnRef idx="1">
-            <a:schemeClr val="accent1"/>
-          </a:lnRef>
-          <a:fillRef idx="0">
-            <a:schemeClr val="accent1"/>
-          </a:fillRef>
-          <a:effectRef idx="0">
-            <a:schemeClr val="accent1"/>
-          </a:effectRef>
-          <a:fontRef idx="minor">
-            <a:schemeClr val="tx1"/>
-          </a:fontRef>
-        </p:style>
-        <p:txBody>
-          <a:bodyPr rtlCol="0" anchor="ctr"/>
-          <a:lstStyle/>
-          <a:p>
-            <a:pPr algn="ctr"/>
-            <a:endParaRPr lang="de-DE"/>
-          </a:p>
-        </p:txBody>
-      </p:sp>
+            <a:ln>
+              <a:noFill/>
+            </a:ln>
+            <a:scene3d>
+              <a:camera prst="orthographicFront"/>
+              <a:lightRig rig="threePt" dir="t"/>
+            </a:scene3d>
+            <a:sp3d>
+              <a:bevelT prst="angle"/>
+            </a:sp3d>
+          </p:spPr>
+          <p:style>
+            <a:lnRef idx="2">
+              <a:schemeClr val="accent1">
+                <a:shade val="50000"/>
+              </a:schemeClr>
+            </a:lnRef>
+            <a:fillRef idx="1">
+              <a:schemeClr val="accent1"/>
+            </a:fillRef>
+            <a:effectRef idx="0">
+              <a:schemeClr val="accent1"/>
+            </a:effectRef>
+            <a:fontRef idx="minor">
+              <a:schemeClr val="lt1"/>
+            </a:fontRef>
+          </p:style>
+          <p:txBody>
+            <a:bodyPr rtlCol="0" anchor="ctr"/>
+            <a:lstStyle/>
+            <a:p>
+              <a:pPr algn="ctr"/>
+              <a:endParaRPr lang="de-DE"/>
+            </a:p>
+          </p:txBody>
+        </p:sp>
+        <p:sp>
+          <p:nvSpPr>
+            <p:cNvPr id="98" name="Rechteck 97">
+              <a:extLst>
+                <a:ext uri="{FF2B5EF4-FFF2-40B4-BE49-F238E27FC236}">
+                  <a16:creationId xmlns:a16="http://schemas.microsoft.com/office/drawing/2014/main" id="{6C28FAE5-A98E-415F-ACC1-C1EBB236697E}"/>
+                </a:ext>
+              </a:extLst>
+            </p:cNvPr>
+            <p:cNvSpPr/>
+            <p:nvPr/>
+          </p:nvSpPr>
+          <p:spPr>
+            <a:xfrm>
+              <a:off x="7393140" y="2655102"/>
+              <a:ext cx="396000" cy="396000"/>
+            </a:xfrm>
+            <a:prstGeom prst="rect">
+              <a:avLst/>
+            </a:prstGeom>
+            <a:blipFill dpi="0" rotWithShape="1">
+              <a:blip r:embed="rId4">
+                <a:alphaModFix amt="57000"/>
+              </a:blip>
+              <a:srcRect/>
+              <a:tile tx="0" ty="0" sx="100000" sy="100000" flip="none" algn="tl"/>
+            </a:blipFill>
+            <a:ln>
+              <a:noFill/>
+            </a:ln>
+            <a:scene3d>
+              <a:camera prst="orthographicFront"/>
+              <a:lightRig rig="threePt" dir="t"/>
+            </a:scene3d>
+            <a:sp3d>
+              <a:bevelT prst="angle"/>
+            </a:sp3d>
+          </p:spPr>
+          <p:style>
+            <a:lnRef idx="2">
+              <a:schemeClr val="accent1">
+                <a:shade val="50000"/>
+              </a:schemeClr>
+            </a:lnRef>
+            <a:fillRef idx="1">
+              <a:schemeClr val="accent1"/>
+            </a:fillRef>
+            <a:effectRef idx="0">
+              <a:schemeClr val="accent1"/>
+            </a:effectRef>
+            <a:fontRef idx="minor">
+              <a:schemeClr val="lt1"/>
+            </a:fontRef>
+          </p:style>
+          <p:txBody>
+            <a:bodyPr rtlCol="0" anchor="ctr"/>
+            <a:lstStyle/>
+            <a:p>
+              <a:pPr algn="ctr"/>
+              <a:endParaRPr lang="de-DE" dirty="0"/>
+            </a:p>
+          </p:txBody>
+        </p:sp>
+      </p:grpSp>
+      <p:grpSp>
+        <p:nvGrpSpPr>
+          <p:cNvPr id="99" name="Gruppieren 98">
+            <a:extLst>
+              <a:ext uri="{FF2B5EF4-FFF2-40B4-BE49-F238E27FC236}">
+                <a16:creationId xmlns:a16="http://schemas.microsoft.com/office/drawing/2014/main" id="{E3F9AF47-04B2-4CF9-861D-211CDDAC220B}"/>
+              </a:ext>
+            </a:extLst>
+          </p:cNvPr>
+          <p:cNvGrpSpPr/>
+          <p:nvPr/>
+        </p:nvGrpSpPr>
+        <p:grpSpPr>
+          <a:xfrm>
+            <a:off x="5383328" y="1693917"/>
+            <a:ext cx="396228" cy="396000"/>
+            <a:chOff x="7388423" y="2657290"/>
+            <a:chExt cx="396228" cy="396000"/>
+          </a:xfrm>
+        </p:grpSpPr>
+        <p:sp>
+          <p:nvSpPr>
+            <p:cNvPr id="100" name="Rechteck 99">
+              <a:extLst>
+                <a:ext uri="{FF2B5EF4-FFF2-40B4-BE49-F238E27FC236}">
+                  <a16:creationId xmlns:a16="http://schemas.microsoft.com/office/drawing/2014/main" id="{DAF1A018-53CF-476A-A5F1-E35D3D9B717E}"/>
+                </a:ext>
+              </a:extLst>
+            </p:cNvPr>
+            <p:cNvSpPr/>
+            <p:nvPr/>
+          </p:nvSpPr>
+          <p:spPr>
+            <a:xfrm>
+              <a:off x="7388423" y="2657290"/>
+              <a:ext cx="396000" cy="396000"/>
+            </a:xfrm>
+            <a:prstGeom prst="rect">
+              <a:avLst/>
+            </a:prstGeom>
+            <a:solidFill>
+              <a:srgbClr val="66FF33"/>
+            </a:solidFill>
+            <a:ln>
+              <a:noFill/>
+            </a:ln>
+            <a:scene3d>
+              <a:camera prst="orthographicFront"/>
+              <a:lightRig rig="threePt" dir="t"/>
+            </a:scene3d>
+            <a:sp3d>
+              <a:bevelT prst="angle"/>
+            </a:sp3d>
+          </p:spPr>
+          <p:style>
+            <a:lnRef idx="2">
+              <a:schemeClr val="accent1">
+                <a:shade val="50000"/>
+              </a:schemeClr>
+            </a:lnRef>
+            <a:fillRef idx="1">
+              <a:schemeClr val="accent1"/>
+            </a:fillRef>
+            <a:effectRef idx="0">
+              <a:schemeClr val="accent1"/>
+            </a:effectRef>
+            <a:fontRef idx="minor">
+              <a:schemeClr val="lt1"/>
+            </a:fontRef>
+          </p:style>
+          <p:txBody>
+            <a:bodyPr rtlCol="0" anchor="ctr"/>
+            <a:lstStyle/>
+            <a:p>
+              <a:pPr algn="ctr"/>
+              <a:endParaRPr lang="de-DE"/>
+            </a:p>
+          </p:txBody>
+        </p:sp>
+        <p:sp>
+          <p:nvSpPr>
+            <p:cNvPr id="101" name="Rechteck 100">
+              <a:extLst>
+                <a:ext uri="{FF2B5EF4-FFF2-40B4-BE49-F238E27FC236}">
+                  <a16:creationId xmlns:a16="http://schemas.microsoft.com/office/drawing/2014/main" id="{95AA051F-018E-4E35-86FD-B28E914B36C7}"/>
+                </a:ext>
+              </a:extLst>
+            </p:cNvPr>
+            <p:cNvSpPr/>
+            <p:nvPr/>
+          </p:nvSpPr>
+          <p:spPr>
+            <a:xfrm>
+              <a:off x="7388651" y="2657290"/>
+              <a:ext cx="396000" cy="396000"/>
+            </a:xfrm>
+            <a:prstGeom prst="rect">
+              <a:avLst/>
+            </a:prstGeom>
+            <a:blipFill dpi="0" rotWithShape="1">
+              <a:blip r:embed="rId5">
+                <a:alphaModFix amt="13000"/>
+              </a:blip>
+              <a:srcRect/>
+              <a:tile tx="0" ty="0" sx="100000" sy="100000" flip="none" algn="tl"/>
+            </a:blipFill>
+            <a:ln>
+              <a:noFill/>
+            </a:ln>
+            <a:scene3d>
+              <a:camera prst="orthographicFront"/>
+              <a:lightRig rig="threePt" dir="t"/>
+            </a:scene3d>
+            <a:sp3d>
+              <a:bevelT prst="angle"/>
+            </a:sp3d>
+          </p:spPr>
+          <p:style>
+            <a:lnRef idx="2">
+              <a:schemeClr val="accent1">
+                <a:shade val="50000"/>
+              </a:schemeClr>
+            </a:lnRef>
+            <a:fillRef idx="1">
+              <a:schemeClr val="accent1"/>
+            </a:fillRef>
+            <a:effectRef idx="0">
+              <a:schemeClr val="accent1"/>
+            </a:effectRef>
+            <a:fontRef idx="minor">
+              <a:schemeClr val="lt1"/>
+            </a:fontRef>
+          </p:style>
+          <p:txBody>
+            <a:bodyPr rtlCol="0" anchor="ctr"/>
+            <a:lstStyle/>
+            <a:p>
+              <a:pPr algn="ctr"/>
+              <a:endParaRPr lang="de-DE" dirty="0"/>
+            </a:p>
+          </p:txBody>
+        </p:sp>
+      </p:grpSp>
+      <p:grpSp>
+        <p:nvGrpSpPr>
+          <p:cNvPr id="102" name="Gruppieren 101">
+            <a:extLst>
+              <a:ext uri="{FF2B5EF4-FFF2-40B4-BE49-F238E27FC236}">
+                <a16:creationId xmlns:a16="http://schemas.microsoft.com/office/drawing/2014/main" id="{7A72CBBE-A3C1-4861-9885-38AC89139879}"/>
+              </a:ext>
+            </a:extLst>
+          </p:cNvPr>
+          <p:cNvGrpSpPr/>
+          <p:nvPr/>
+        </p:nvGrpSpPr>
+        <p:grpSpPr>
+          <a:xfrm>
+            <a:off x="5898000" y="1686502"/>
+            <a:ext cx="396000" cy="396000"/>
+            <a:chOff x="6339103" y="1081933"/>
+            <a:chExt cx="3960000" cy="3960000"/>
+          </a:xfrm>
+        </p:grpSpPr>
+        <p:sp>
+          <p:nvSpPr>
+            <p:cNvPr id="103" name="Rechteck 102">
+              <a:extLst>
+                <a:ext uri="{FF2B5EF4-FFF2-40B4-BE49-F238E27FC236}">
+                  <a16:creationId xmlns:a16="http://schemas.microsoft.com/office/drawing/2014/main" id="{BCACAAAF-5B33-4929-9D49-1BC1AA1DA117}"/>
+                </a:ext>
+              </a:extLst>
+            </p:cNvPr>
+            <p:cNvSpPr/>
+            <p:nvPr/>
+          </p:nvSpPr>
+          <p:spPr>
+            <a:xfrm>
+              <a:off x="6339103" y="1081933"/>
+              <a:ext cx="3960000" cy="3960000"/>
+            </a:xfrm>
+            <a:prstGeom prst="rect">
+              <a:avLst/>
+            </a:prstGeom>
+            <a:solidFill>
+              <a:srgbClr val="CCFFCC"/>
+            </a:solidFill>
+            <a:ln>
+              <a:noFill/>
+            </a:ln>
+            <a:scene3d>
+              <a:camera prst="orthographicFront"/>
+              <a:lightRig rig="threePt" dir="t"/>
+            </a:scene3d>
+            <a:sp3d>
+              <a:bevelT prst="angle"/>
+            </a:sp3d>
+          </p:spPr>
+          <p:style>
+            <a:lnRef idx="2">
+              <a:schemeClr val="accent1">
+                <a:shade val="50000"/>
+              </a:schemeClr>
+            </a:lnRef>
+            <a:fillRef idx="1">
+              <a:schemeClr val="accent1"/>
+            </a:fillRef>
+            <a:effectRef idx="0">
+              <a:schemeClr val="accent1"/>
+            </a:effectRef>
+            <a:fontRef idx="minor">
+              <a:schemeClr val="lt1"/>
+            </a:fontRef>
+          </p:style>
+          <p:txBody>
+            <a:bodyPr rtlCol="0" anchor="ctr"/>
+            <a:lstStyle/>
+            <a:p>
+              <a:pPr algn="ctr"/>
+              <a:endParaRPr lang="de-DE"/>
+            </a:p>
+          </p:txBody>
+        </p:sp>
+        <p:sp>
+          <p:nvSpPr>
+            <p:cNvPr id="104" name="Rechteck 103">
+              <a:extLst>
+                <a:ext uri="{FF2B5EF4-FFF2-40B4-BE49-F238E27FC236}">
+                  <a16:creationId xmlns:a16="http://schemas.microsoft.com/office/drawing/2014/main" id="{3719188A-B34F-402E-ADB9-3AEB35DFBA9D}"/>
+                </a:ext>
+              </a:extLst>
+            </p:cNvPr>
+            <p:cNvSpPr/>
+            <p:nvPr/>
+          </p:nvSpPr>
+          <p:spPr>
+            <a:xfrm>
+              <a:off x="9141883" y="1272540"/>
+              <a:ext cx="617220" cy="1203960"/>
+            </a:xfrm>
+            <a:prstGeom prst="rect">
+              <a:avLst/>
+            </a:prstGeom>
+            <a:gradFill flip="none" rotWithShape="1">
+              <a:gsLst>
+                <a:gs pos="0">
+                  <a:schemeClr val="tx1">
+                    <a:lumMod val="75000"/>
+                    <a:lumOff val="25000"/>
+                  </a:schemeClr>
+                </a:gs>
+                <a:gs pos="50000">
+                  <a:schemeClr val="tx1">
+                    <a:lumMod val="65000"/>
+                    <a:lumOff val="35000"/>
+                  </a:schemeClr>
+                </a:gs>
+                <a:gs pos="100000">
+                  <a:schemeClr val="tx1">
+                    <a:lumMod val="50000"/>
+                    <a:lumOff val="50000"/>
+                  </a:schemeClr>
+                </a:gs>
+              </a:gsLst>
+              <a:lin ang="5400000" scaled="1"/>
+              <a:tileRect/>
+            </a:gradFill>
+            <a:ln>
+              <a:noFill/>
+            </a:ln>
+            <a:scene3d>
+              <a:camera prst="orthographicFront"/>
+              <a:lightRig rig="threePt" dir="t"/>
+            </a:scene3d>
+            <a:sp3d>
+              <a:bevelT w="165100" prst="coolSlant"/>
+            </a:sp3d>
+          </p:spPr>
+          <p:style>
+            <a:lnRef idx="2">
+              <a:schemeClr val="accent1">
+                <a:shade val="50000"/>
+              </a:schemeClr>
+            </a:lnRef>
+            <a:fillRef idx="1">
+              <a:schemeClr val="accent1"/>
+            </a:fillRef>
+            <a:effectRef idx="0">
+              <a:schemeClr val="accent1"/>
+            </a:effectRef>
+            <a:fontRef idx="minor">
+              <a:schemeClr val="lt1"/>
+            </a:fontRef>
+          </p:style>
+          <p:txBody>
+            <a:bodyPr rot="0" spcFirstLastPara="0" vertOverflow="overflow" horzOverflow="overflow" vert="horz" wrap="square" lIns="91440" tIns="45720" rIns="91440" bIns="45720" numCol="1" spcCol="0" rtlCol="0" fromWordArt="0" anchor="ctr" anchorCtr="0" forceAA="0" compatLnSpc="1">
+              <a:prstTxWarp prst="textNoShape">
+                <a:avLst/>
+              </a:prstTxWarp>
+              <a:noAutofit/>
+            </a:bodyPr>
+            <a:lstStyle/>
+            <a:p>
+              <a:pPr algn="ctr"/>
+              <a:endParaRPr lang="de-DE"/>
+            </a:p>
+          </p:txBody>
+        </p:sp>
+        <p:sp>
+          <p:nvSpPr>
+            <p:cNvPr id="105" name="Rechteck 104">
+              <a:extLst>
+                <a:ext uri="{FF2B5EF4-FFF2-40B4-BE49-F238E27FC236}">
+                  <a16:creationId xmlns:a16="http://schemas.microsoft.com/office/drawing/2014/main" id="{7E77BA19-8CE5-43F0-8CFC-A87CDF8E808F}"/>
+                </a:ext>
+              </a:extLst>
+            </p:cNvPr>
+            <p:cNvSpPr/>
+            <p:nvPr/>
+          </p:nvSpPr>
+          <p:spPr>
+            <a:xfrm>
+              <a:off x="6879103" y="1272540"/>
+              <a:ext cx="617220" cy="1203960"/>
+            </a:xfrm>
+            <a:prstGeom prst="rect">
+              <a:avLst/>
+            </a:prstGeom>
+            <a:gradFill flip="none" rotWithShape="1">
+              <a:gsLst>
+                <a:gs pos="0">
+                  <a:schemeClr val="tx1">
+                    <a:lumMod val="75000"/>
+                    <a:lumOff val="25000"/>
+                  </a:schemeClr>
+                </a:gs>
+                <a:gs pos="50000">
+                  <a:schemeClr val="tx1">
+                    <a:lumMod val="65000"/>
+                    <a:lumOff val="35000"/>
+                  </a:schemeClr>
+                </a:gs>
+                <a:gs pos="100000">
+                  <a:schemeClr val="tx1">
+                    <a:lumMod val="50000"/>
+                    <a:lumOff val="50000"/>
+                  </a:schemeClr>
+                </a:gs>
+              </a:gsLst>
+              <a:lin ang="5400000" scaled="1"/>
+              <a:tileRect/>
+            </a:gradFill>
+            <a:ln>
+              <a:noFill/>
+            </a:ln>
+            <a:scene3d>
+              <a:camera prst="orthographicFront"/>
+              <a:lightRig rig="threePt" dir="t"/>
+            </a:scene3d>
+            <a:sp3d>
+              <a:bevelT w="165100" prst="coolSlant"/>
+            </a:sp3d>
+          </p:spPr>
+          <p:style>
+            <a:lnRef idx="2">
+              <a:schemeClr val="accent1">
+                <a:shade val="50000"/>
+              </a:schemeClr>
+            </a:lnRef>
+            <a:fillRef idx="1">
+              <a:schemeClr val="accent1"/>
+            </a:fillRef>
+            <a:effectRef idx="0">
+              <a:schemeClr val="accent1"/>
+            </a:effectRef>
+            <a:fontRef idx="minor">
+              <a:schemeClr val="lt1"/>
+            </a:fontRef>
+          </p:style>
+          <p:txBody>
+            <a:bodyPr rot="0" spcFirstLastPara="0" vertOverflow="overflow" horzOverflow="overflow" vert="horz" wrap="square" lIns="91440" tIns="45720" rIns="91440" bIns="45720" numCol="1" spcCol="0" rtlCol="0" fromWordArt="0" anchor="ctr" anchorCtr="0" forceAA="0" compatLnSpc="1">
+              <a:prstTxWarp prst="textNoShape">
+                <a:avLst/>
+              </a:prstTxWarp>
+              <a:noAutofit/>
+            </a:bodyPr>
+            <a:lstStyle/>
+            <a:p>
+              <a:pPr algn="ctr"/>
+              <a:endParaRPr lang="de-DE"/>
+            </a:p>
+          </p:txBody>
+        </p:sp>
+        <p:sp>
+          <p:nvSpPr>
+            <p:cNvPr id="106" name="Rechteck 105">
+              <a:extLst>
+                <a:ext uri="{FF2B5EF4-FFF2-40B4-BE49-F238E27FC236}">
+                  <a16:creationId xmlns:a16="http://schemas.microsoft.com/office/drawing/2014/main" id="{DB9C839F-B578-4AD3-851B-57361B09273C}"/>
+                </a:ext>
+              </a:extLst>
+            </p:cNvPr>
+            <p:cNvSpPr/>
+            <p:nvPr/>
+          </p:nvSpPr>
+          <p:spPr>
+            <a:xfrm>
+              <a:off x="6879103" y="2019300"/>
+              <a:ext cx="2880000" cy="2780940"/>
+            </a:xfrm>
+            <a:prstGeom prst="rect">
+              <a:avLst/>
+            </a:prstGeom>
+            <a:gradFill flip="none" rotWithShape="1">
+              <a:gsLst>
+                <a:gs pos="0">
+                  <a:schemeClr val="tx1">
+                    <a:lumMod val="75000"/>
+                    <a:lumOff val="25000"/>
+                  </a:schemeClr>
+                </a:gs>
+                <a:gs pos="50000">
+                  <a:schemeClr val="tx1">
+                    <a:lumMod val="65000"/>
+                    <a:lumOff val="35000"/>
+                  </a:schemeClr>
+                </a:gs>
+                <a:gs pos="100000">
+                  <a:schemeClr val="tx1">
+                    <a:lumMod val="50000"/>
+                    <a:lumOff val="50000"/>
+                  </a:schemeClr>
+                </a:gs>
+              </a:gsLst>
+              <a:lin ang="5400000" scaled="1"/>
+              <a:tileRect/>
+            </a:gradFill>
+            <a:ln>
+              <a:noFill/>
+            </a:ln>
+            <a:scene3d>
+              <a:camera prst="orthographicFront"/>
+              <a:lightRig rig="threePt" dir="t"/>
+            </a:scene3d>
+            <a:sp3d>
+              <a:bevelT prst="coolSlant"/>
+            </a:sp3d>
+          </p:spPr>
+          <p:style>
+            <a:lnRef idx="2">
+              <a:schemeClr val="accent1">
+                <a:shade val="50000"/>
+              </a:schemeClr>
+            </a:lnRef>
+            <a:fillRef idx="1">
+              <a:schemeClr val="accent1"/>
+            </a:fillRef>
+            <a:effectRef idx="0">
+              <a:schemeClr val="accent1"/>
+            </a:effectRef>
+            <a:fontRef idx="minor">
+              <a:schemeClr val="lt1"/>
+            </a:fontRef>
+          </p:style>
+          <p:txBody>
+            <a:bodyPr rtlCol="0" anchor="ctr"/>
+            <a:lstStyle/>
+            <a:p>
+              <a:pPr algn="ctr"/>
+              <a:endParaRPr lang="de-DE"/>
+            </a:p>
+          </p:txBody>
+        </p:sp>
+        <p:sp>
+          <p:nvSpPr>
+            <p:cNvPr id="107" name="Rechteck: obere Ecken abgerundet 106">
+              <a:extLst>
+                <a:ext uri="{FF2B5EF4-FFF2-40B4-BE49-F238E27FC236}">
+                  <a16:creationId xmlns:a16="http://schemas.microsoft.com/office/drawing/2014/main" id="{BF599079-AAF8-4759-842B-4B2D4AA4C689}"/>
+                </a:ext>
+              </a:extLst>
+            </p:cNvPr>
+            <p:cNvSpPr/>
+            <p:nvPr/>
+          </p:nvSpPr>
+          <p:spPr>
+            <a:xfrm>
+              <a:off x="7770463" y="3429000"/>
+              <a:ext cx="1097280" cy="1348740"/>
+            </a:xfrm>
+            <a:prstGeom prst="round2SameRect">
+              <a:avLst>
+                <a:gd name="adj1" fmla="val 47223"/>
+                <a:gd name="adj2" fmla="val 0"/>
+              </a:avLst>
+            </a:prstGeom>
+            <a:solidFill>
+              <a:schemeClr val="tx1"/>
+            </a:solidFill>
+            <a:ln>
+              <a:noFill/>
+            </a:ln>
+          </p:spPr>
+          <p:style>
+            <a:lnRef idx="2">
+              <a:schemeClr val="accent1">
+                <a:shade val="50000"/>
+              </a:schemeClr>
+            </a:lnRef>
+            <a:fillRef idx="1">
+              <a:schemeClr val="accent1"/>
+            </a:fillRef>
+            <a:effectRef idx="0">
+              <a:schemeClr val="accent1"/>
+            </a:effectRef>
+            <a:fontRef idx="minor">
+              <a:schemeClr val="lt1"/>
+            </a:fontRef>
+          </p:style>
+          <p:txBody>
+            <a:bodyPr rtlCol="0" anchor="ctr"/>
+            <a:lstStyle/>
+            <a:p>
+              <a:pPr algn="ctr"/>
+              <a:endParaRPr lang="de-DE"/>
+            </a:p>
+          </p:txBody>
+        </p:sp>
+        <p:sp>
+          <p:nvSpPr>
+            <p:cNvPr id="108" name="Gleichschenkliges Dreieck 107">
+              <a:extLst>
+                <a:ext uri="{FF2B5EF4-FFF2-40B4-BE49-F238E27FC236}">
+                  <a16:creationId xmlns:a16="http://schemas.microsoft.com/office/drawing/2014/main" id="{9E62B56E-FDCF-4297-ABD9-C3C8B2E796E9}"/>
+                </a:ext>
+              </a:extLst>
+            </p:cNvPr>
+            <p:cNvSpPr/>
+            <p:nvPr/>
+          </p:nvSpPr>
+          <p:spPr>
+            <a:xfrm>
+              <a:off x="6661753" y="1386723"/>
+              <a:ext cx="3314700" cy="967740"/>
+            </a:xfrm>
+            <a:prstGeom prst="triangle">
+              <a:avLst/>
+            </a:prstGeom>
+            <a:solidFill>
+              <a:srgbClr val="960000"/>
+            </a:solidFill>
+            <a:ln>
+              <a:noFill/>
+            </a:ln>
+            <a:scene3d>
+              <a:camera prst="orthographicFront"/>
+              <a:lightRig rig="threePt" dir="t"/>
+            </a:scene3d>
+            <a:sp3d>
+              <a:bevelT w="12700" prst="angle"/>
+            </a:sp3d>
+          </p:spPr>
+          <p:style>
+            <a:lnRef idx="2">
+              <a:schemeClr val="accent1">
+                <a:shade val="50000"/>
+              </a:schemeClr>
+            </a:lnRef>
+            <a:fillRef idx="1">
+              <a:schemeClr val="accent1"/>
+            </a:fillRef>
+            <a:effectRef idx="0">
+              <a:schemeClr val="accent1"/>
+            </a:effectRef>
+            <a:fontRef idx="minor">
+              <a:schemeClr val="lt1"/>
+            </a:fontRef>
+          </p:style>
+          <p:txBody>
+            <a:bodyPr rtlCol="0" anchor="ctr"/>
+            <a:lstStyle/>
+            <a:p>
+              <a:pPr algn="ctr"/>
+              <a:endParaRPr lang="de-DE"/>
+            </a:p>
+          </p:txBody>
+        </p:sp>
+        <p:sp>
+          <p:nvSpPr>
+            <p:cNvPr id="109" name="Rechteck 108">
+              <a:extLst>
+                <a:ext uri="{FF2B5EF4-FFF2-40B4-BE49-F238E27FC236}">
+                  <a16:creationId xmlns:a16="http://schemas.microsoft.com/office/drawing/2014/main" id="{4F04E09F-10F4-402D-88D1-FDC168373B9F}"/>
+                </a:ext>
+              </a:extLst>
+            </p:cNvPr>
+            <p:cNvSpPr/>
+            <p:nvPr/>
+          </p:nvSpPr>
+          <p:spPr>
+            <a:xfrm>
+              <a:off x="9243060" y="1240536"/>
+              <a:ext cx="99060" cy="122027"/>
+            </a:xfrm>
+            <a:prstGeom prst="rect">
+              <a:avLst/>
+            </a:prstGeom>
+            <a:solidFill>
+              <a:schemeClr val="bg1">
+                <a:lumMod val="85000"/>
+              </a:schemeClr>
+            </a:solidFill>
+            <a:ln>
+              <a:noFill/>
+            </a:ln>
+          </p:spPr>
+          <p:style>
+            <a:lnRef idx="2">
+              <a:schemeClr val="accent1">
+                <a:shade val="50000"/>
+              </a:schemeClr>
+            </a:lnRef>
+            <a:fillRef idx="1">
+              <a:schemeClr val="accent1"/>
+            </a:fillRef>
+            <a:effectRef idx="0">
+              <a:schemeClr val="accent1"/>
+            </a:effectRef>
+            <a:fontRef idx="minor">
+              <a:schemeClr val="lt1"/>
+            </a:fontRef>
+          </p:style>
+          <p:txBody>
+            <a:bodyPr rot="0" spcFirstLastPara="0" vertOverflow="overflow" horzOverflow="overflow" vert="horz" wrap="square" lIns="91440" tIns="45720" rIns="91440" bIns="45720" numCol="1" spcCol="0" rtlCol="0" fromWordArt="0" anchor="ctr" anchorCtr="0" forceAA="0" compatLnSpc="1">
+              <a:prstTxWarp prst="textNoShape">
+                <a:avLst/>
+              </a:prstTxWarp>
+              <a:noAutofit/>
+            </a:bodyPr>
+            <a:lstStyle/>
+            <a:p>
+              <a:pPr algn="ctr"/>
+              <a:endParaRPr lang="de-DE"/>
+            </a:p>
+          </p:txBody>
+        </p:sp>
+        <p:sp>
+          <p:nvSpPr>
+            <p:cNvPr id="110" name="Rechteck 109">
+              <a:extLst>
+                <a:ext uri="{FF2B5EF4-FFF2-40B4-BE49-F238E27FC236}">
+                  <a16:creationId xmlns:a16="http://schemas.microsoft.com/office/drawing/2014/main" id="{F3E0E390-7901-456F-B875-D71A42E8C2AE}"/>
+                </a:ext>
+              </a:extLst>
+            </p:cNvPr>
+            <p:cNvSpPr/>
+            <p:nvPr/>
+          </p:nvSpPr>
+          <p:spPr>
+            <a:xfrm>
+              <a:off x="9401265" y="1240536"/>
+              <a:ext cx="99060" cy="122027"/>
+            </a:xfrm>
+            <a:prstGeom prst="rect">
+              <a:avLst/>
+            </a:prstGeom>
+            <a:solidFill>
+              <a:schemeClr val="bg1">
+                <a:lumMod val="85000"/>
+              </a:schemeClr>
+            </a:solidFill>
+            <a:ln>
+              <a:noFill/>
+            </a:ln>
+          </p:spPr>
+          <p:style>
+            <a:lnRef idx="2">
+              <a:schemeClr val="accent1">
+                <a:shade val="50000"/>
+              </a:schemeClr>
+            </a:lnRef>
+            <a:fillRef idx="1">
+              <a:schemeClr val="accent1"/>
+            </a:fillRef>
+            <a:effectRef idx="0">
+              <a:schemeClr val="accent1"/>
+            </a:effectRef>
+            <a:fontRef idx="minor">
+              <a:schemeClr val="lt1"/>
+            </a:fontRef>
+          </p:style>
+          <p:txBody>
+            <a:bodyPr rot="0" spcFirstLastPara="0" vertOverflow="overflow" horzOverflow="overflow" vert="horz" wrap="square" lIns="91440" tIns="45720" rIns="91440" bIns="45720" numCol="1" spcCol="0" rtlCol="0" fromWordArt="0" anchor="ctr" anchorCtr="0" forceAA="0" compatLnSpc="1">
+              <a:prstTxWarp prst="textNoShape">
+                <a:avLst/>
+              </a:prstTxWarp>
+              <a:noAutofit/>
+            </a:bodyPr>
+            <a:lstStyle/>
+            <a:p>
+              <a:pPr algn="ctr"/>
+              <a:endParaRPr lang="de-DE"/>
+            </a:p>
+          </p:txBody>
+        </p:sp>
+        <p:sp>
+          <p:nvSpPr>
+            <p:cNvPr id="111" name="Rechteck 110">
+              <a:extLst>
+                <a:ext uri="{FF2B5EF4-FFF2-40B4-BE49-F238E27FC236}">
+                  <a16:creationId xmlns:a16="http://schemas.microsoft.com/office/drawing/2014/main" id="{95D01566-40BC-43E5-A538-15CE91755A6E}"/>
+                </a:ext>
+              </a:extLst>
+            </p:cNvPr>
+            <p:cNvSpPr/>
+            <p:nvPr/>
+          </p:nvSpPr>
+          <p:spPr>
+            <a:xfrm>
+              <a:off x="9565710" y="1249680"/>
+              <a:ext cx="99060" cy="122027"/>
+            </a:xfrm>
+            <a:prstGeom prst="rect">
+              <a:avLst/>
+            </a:prstGeom>
+            <a:solidFill>
+              <a:schemeClr val="bg1">
+                <a:lumMod val="85000"/>
+              </a:schemeClr>
+            </a:solidFill>
+            <a:ln>
+              <a:noFill/>
+            </a:ln>
+          </p:spPr>
+          <p:style>
+            <a:lnRef idx="2">
+              <a:schemeClr val="accent1">
+                <a:shade val="50000"/>
+              </a:schemeClr>
+            </a:lnRef>
+            <a:fillRef idx="1">
+              <a:schemeClr val="accent1"/>
+            </a:fillRef>
+            <a:effectRef idx="0">
+              <a:schemeClr val="accent1"/>
+            </a:effectRef>
+            <a:fontRef idx="minor">
+              <a:schemeClr val="lt1"/>
+            </a:fontRef>
+          </p:style>
+          <p:txBody>
+            <a:bodyPr rot="0" spcFirstLastPara="0" vertOverflow="overflow" horzOverflow="overflow" vert="horz" wrap="square" lIns="91440" tIns="45720" rIns="91440" bIns="45720" numCol="1" spcCol="0" rtlCol="0" fromWordArt="0" anchor="ctr" anchorCtr="0" forceAA="0" compatLnSpc="1">
+              <a:prstTxWarp prst="textNoShape">
+                <a:avLst/>
+              </a:prstTxWarp>
+              <a:noAutofit/>
+            </a:bodyPr>
+            <a:lstStyle/>
+            <a:p>
+              <a:pPr algn="ctr"/>
+              <a:endParaRPr lang="de-DE"/>
+            </a:p>
+          </p:txBody>
+        </p:sp>
+        <p:sp>
+          <p:nvSpPr>
+            <p:cNvPr id="112" name="Rechteck 111">
+              <a:extLst>
+                <a:ext uri="{FF2B5EF4-FFF2-40B4-BE49-F238E27FC236}">
+                  <a16:creationId xmlns:a16="http://schemas.microsoft.com/office/drawing/2014/main" id="{BF346823-E1F8-4B11-BABA-F799273216C2}"/>
+                </a:ext>
+              </a:extLst>
+            </p:cNvPr>
+            <p:cNvSpPr/>
+            <p:nvPr/>
+          </p:nvSpPr>
+          <p:spPr>
+            <a:xfrm>
+              <a:off x="6977936" y="1255776"/>
+              <a:ext cx="99060" cy="122027"/>
+            </a:xfrm>
+            <a:prstGeom prst="rect">
+              <a:avLst/>
+            </a:prstGeom>
+            <a:solidFill>
+              <a:schemeClr val="bg1">
+                <a:lumMod val="85000"/>
+              </a:schemeClr>
+            </a:solidFill>
+            <a:ln>
+              <a:noFill/>
+            </a:ln>
+          </p:spPr>
+          <p:style>
+            <a:lnRef idx="2">
+              <a:schemeClr val="accent1">
+                <a:shade val="50000"/>
+              </a:schemeClr>
+            </a:lnRef>
+            <a:fillRef idx="1">
+              <a:schemeClr val="accent1"/>
+            </a:fillRef>
+            <a:effectRef idx="0">
+              <a:schemeClr val="accent1"/>
+            </a:effectRef>
+            <a:fontRef idx="minor">
+              <a:schemeClr val="lt1"/>
+            </a:fontRef>
+          </p:style>
+          <p:txBody>
+            <a:bodyPr rot="0" spcFirstLastPara="0" vertOverflow="overflow" horzOverflow="overflow" vert="horz" wrap="square" lIns="91440" tIns="45720" rIns="91440" bIns="45720" numCol="1" spcCol="0" rtlCol="0" fromWordArt="0" anchor="ctr" anchorCtr="0" forceAA="0" compatLnSpc="1">
+              <a:prstTxWarp prst="textNoShape">
+                <a:avLst/>
+              </a:prstTxWarp>
+              <a:noAutofit/>
+            </a:bodyPr>
+            <a:lstStyle/>
+            <a:p>
+              <a:pPr algn="ctr"/>
+              <a:endParaRPr lang="de-DE"/>
+            </a:p>
+          </p:txBody>
+        </p:sp>
+        <p:sp>
+          <p:nvSpPr>
+            <p:cNvPr id="113" name="Rechteck 112">
+              <a:extLst>
+                <a:ext uri="{FF2B5EF4-FFF2-40B4-BE49-F238E27FC236}">
+                  <a16:creationId xmlns:a16="http://schemas.microsoft.com/office/drawing/2014/main" id="{ADBBF99A-E725-4251-884D-6779C8770CB9}"/>
+                </a:ext>
+              </a:extLst>
+            </p:cNvPr>
+            <p:cNvSpPr/>
+            <p:nvPr/>
+          </p:nvSpPr>
+          <p:spPr>
+            <a:xfrm>
+              <a:off x="7136141" y="1255776"/>
+              <a:ext cx="99060" cy="122027"/>
+            </a:xfrm>
+            <a:prstGeom prst="rect">
+              <a:avLst/>
+            </a:prstGeom>
+            <a:solidFill>
+              <a:schemeClr val="bg1">
+                <a:lumMod val="85000"/>
+              </a:schemeClr>
+            </a:solidFill>
+            <a:ln>
+              <a:noFill/>
+            </a:ln>
+          </p:spPr>
+          <p:style>
+            <a:lnRef idx="2">
+              <a:schemeClr val="accent1">
+                <a:shade val="50000"/>
+              </a:schemeClr>
+            </a:lnRef>
+            <a:fillRef idx="1">
+              <a:schemeClr val="accent1"/>
+            </a:fillRef>
+            <a:effectRef idx="0">
+              <a:schemeClr val="accent1"/>
+            </a:effectRef>
+            <a:fontRef idx="minor">
+              <a:schemeClr val="lt1"/>
+            </a:fontRef>
+          </p:style>
+          <p:txBody>
+            <a:bodyPr rot="0" spcFirstLastPara="0" vertOverflow="overflow" horzOverflow="overflow" vert="horz" wrap="square" lIns="91440" tIns="45720" rIns="91440" bIns="45720" numCol="1" spcCol="0" rtlCol="0" fromWordArt="0" anchor="ctr" anchorCtr="0" forceAA="0" compatLnSpc="1">
+              <a:prstTxWarp prst="textNoShape">
+                <a:avLst/>
+              </a:prstTxWarp>
+              <a:noAutofit/>
+            </a:bodyPr>
+            <a:lstStyle/>
+            <a:p>
+              <a:pPr algn="ctr"/>
+              <a:endParaRPr lang="de-DE"/>
+            </a:p>
+          </p:txBody>
+        </p:sp>
+        <p:sp>
+          <p:nvSpPr>
+            <p:cNvPr id="114" name="Rechteck 113">
+              <a:extLst>
+                <a:ext uri="{FF2B5EF4-FFF2-40B4-BE49-F238E27FC236}">
+                  <a16:creationId xmlns:a16="http://schemas.microsoft.com/office/drawing/2014/main" id="{36EB0A4F-E146-4700-AEE7-46014CFFDC8A}"/>
+                </a:ext>
+              </a:extLst>
+            </p:cNvPr>
+            <p:cNvSpPr/>
+            <p:nvPr/>
+          </p:nvSpPr>
+          <p:spPr>
+            <a:xfrm>
+              <a:off x="7300586" y="1264920"/>
+              <a:ext cx="99060" cy="122027"/>
+            </a:xfrm>
+            <a:prstGeom prst="rect">
+              <a:avLst/>
+            </a:prstGeom>
+            <a:solidFill>
+              <a:schemeClr val="bg1">
+                <a:lumMod val="85000"/>
+              </a:schemeClr>
+            </a:solidFill>
+            <a:ln>
+              <a:noFill/>
+            </a:ln>
+          </p:spPr>
+          <p:style>
+            <a:lnRef idx="2">
+              <a:schemeClr val="accent1">
+                <a:shade val="50000"/>
+              </a:schemeClr>
+            </a:lnRef>
+            <a:fillRef idx="1">
+              <a:schemeClr val="accent1"/>
+            </a:fillRef>
+            <a:effectRef idx="0">
+              <a:schemeClr val="accent1"/>
+            </a:effectRef>
+            <a:fontRef idx="minor">
+              <a:schemeClr val="lt1"/>
+            </a:fontRef>
+          </p:style>
+          <p:txBody>
+            <a:bodyPr rot="0" spcFirstLastPara="0" vertOverflow="overflow" horzOverflow="overflow" vert="horz" wrap="square" lIns="91440" tIns="45720" rIns="91440" bIns="45720" numCol="1" spcCol="0" rtlCol="0" fromWordArt="0" anchor="ctr" anchorCtr="0" forceAA="0" compatLnSpc="1">
+              <a:prstTxWarp prst="textNoShape">
+                <a:avLst/>
+              </a:prstTxWarp>
+              <a:noAutofit/>
+            </a:bodyPr>
+            <a:lstStyle/>
+            <a:p>
+              <a:pPr algn="ctr"/>
+              <a:endParaRPr lang="de-DE"/>
+            </a:p>
+          </p:txBody>
+        </p:sp>
+      </p:grpSp>
+      <p:grpSp>
+        <p:nvGrpSpPr>
+          <p:cNvPr id="163" name="Gruppieren 162">
+            <a:extLst>
+              <a:ext uri="{FF2B5EF4-FFF2-40B4-BE49-F238E27FC236}">
+                <a16:creationId xmlns:a16="http://schemas.microsoft.com/office/drawing/2014/main" id="{7D200E75-9D1F-4E2E-B61B-4DC486200F24}"/>
+              </a:ext>
+            </a:extLst>
+          </p:cNvPr>
+          <p:cNvGrpSpPr/>
+          <p:nvPr/>
+        </p:nvGrpSpPr>
+        <p:grpSpPr>
+          <a:xfrm>
+            <a:off x="3839335" y="89350"/>
+            <a:ext cx="396000" cy="396000"/>
+            <a:chOff x="3839335" y="89350"/>
+            <a:chExt cx="396000" cy="396000"/>
+          </a:xfrm>
+        </p:grpSpPr>
+        <p:grpSp>
+          <p:nvGrpSpPr>
+            <p:cNvPr id="25" name="Gruppieren 24">
+              <a:extLst>
+                <a:ext uri="{FF2B5EF4-FFF2-40B4-BE49-F238E27FC236}">
+                  <a16:creationId xmlns:a16="http://schemas.microsoft.com/office/drawing/2014/main" id="{7FF40038-D9CE-4D91-9C4A-314E70B55EF7}"/>
+                </a:ext>
+              </a:extLst>
+            </p:cNvPr>
+            <p:cNvGrpSpPr/>
+            <p:nvPr/>
+          </p:nvGrpSpPr>
+          <p:grpSpPr>
+            <a:xfrm>
+              <a:off x="3839335" y="89350"/>
+              <a:ext cx="396000" cy="396000"/>
+              <a:chOff x="5546100" y="1677600"/>
+              <a:chExt cx="3960000" cy="3960000"/>
+            </a:xfrm>
+          </p:grpSpPr>
+          <p:sp>
+            <p:nvSpPr>
+              <p:cNvPr id="50" name="Rechteck 49">
+                <a:extLst>
+                  <a:ext uri="{FF2B5EF4-FFF2-40B4-BE49-F238E27FC236}">
+                    <a16:creationId xmlns:a16="http://schemas.microsoft.com/office/drawing/2014/main" id="{7CB1230F-47E8-4877-B003-FEF3D202F564}"/>
+                  </a:ext>
+                </a:extLst>
+              </p:cNvPr>
+              <p:cNvSpPr/>
+              <p:nvPr/>
+            </p:nvSpPr>
+            <p:spPr>
+              <a:xfrm>
+                <a:off x="5546100" y="1677600"/>
+                <a:ext cx="3960000" cy="3960000"/>
+              </a:xfrm>
+              <a:prstGeom prst="rect">
+                <a:avLst/>
+              </a:prstGeom>
+              <a:solidFill>
+                <a:schemeClr val="accent4">
+                  <a:lumMod val="75000"/>
+                </a:schemeClr>
+              </a:solidFill>
+              <a:ln>
+                <a:noFill/>
+              </a:ln>
+              <a:scene3d>
+                <a:camera prst="orthographicFront"/>
+                <a:lightRig rig="threePt" dir="t"/>
+              </a:scene3d>
+              <a:sp3d>
+                <a:bevelT prst="angle"/>
+              </a:sp3d>
+            </p:spPr>
+            <p:style>
+              <a:lnRef idx="2">
+                <a:schemeClr val="accent1">
+                  <a:shade val="50000"/>
+                </a:schemeClr>
+              </a:lnRef>
+              <a:fillRef idx="1">
+                <a:schemeClr val="accent1"/>
+              </a:fillRef>
+              <a:effectRef idx="0">
+                <a:schemeClr val="accent1"/>
+              </a:effectRef>
+              <a:fontRef idx="minor">
+                <a:schemeClr val="lt1"/>
+              </a:fontRef>
+            </p:style>
+            <p:txBody>
+              <a:bodyPr rtlCol="0" anchor="ctr"/>
+              <a:lstStyle/>
+              <a:p>
+                <a:pPr algn="ctr"/>
+                <a:endParaRPr lang="de-DE"/>
+              </a:p>
+            </p:txBody>
+          </p:sp>
+          <p:sp>
+            <p:nvSpPr>
+              <p:cNvPr id="51" name="Rechteck 50">
+                <a:extLst>
+                  <a:ext uri="{FF2B5EF4-FFF2-40B4-BE49-F238E27FC236}">
+                    <a16:creationId xmlns:a16="http://schemas.microsoft.com/office/drawing/2014/main" id="{88689B1A-52C0-4F7C-BE61-1C2F89A2E9C2}"/>
+                  </a:ext>
+                </a:extLst>
+              </p:cNvPr>
+              <p:cNvSpPr/>
+              <p:nvPr/>
+            </p:nvSpPr>
+            <p:spPr>
+              <a:xfrm>
+                <a:off x="5546100" y="1677600"/>
+                <a:ext cx="3960000" cy="3960000"/>
+              </a:xfrm>
+              <a:prstGeom prst="rect">
+                <a:avLst/>
+              </a:prstGeom>
+              <a:blipFill dpi="0" rotWithShape="1">
+                <a:blip r:embed="rId4">
+                  <a:alphaModFix amt="57000"/>
+                </a:blip>
+                <a:srcRect/>
+                <a:tile tx="0" ty="0" sx="100000" sy="100000" flip="none" algn="tl"/>
+              </a:blipFill>
+              <a:ln>
+                <a:noFill/>
+              </a:ln>
+              <a:scene3d>
+                <a:camera prst="orthographicFront"/>
+                <a:lightRig rig="threePt" dir="t"/>
+              </a:scene3d>
+              <a:sp3d>
+                <a:bevelT prst="angle"/>
+              </a:sp3d>
+            </p:spPr>
+            <p:style>
+              <a:lnRef idx="2">
+                <a:schemeClr val="accent1">
+                  <a:shade val="50000"/>
+                </a:schemeClr>
+              </a:lnRef>
+              <a:fillRef idx="1">
+                <a:schemeClr val="accent1"/>
+              </a:fillRef>
+              <a:effectRef idx="0">
+                <a:schemeClr val="accent1"/>
+              </a:effectRef>
+              <a:fontRef idx="minor">
+                <a:schemeClr val="lt1"/>
+              </a:fontRef>
+            </p:style>
+            <p:txBody>
+              <a:bodyPr rtlCol="0" anchor="ctr"/>
+              <a:lstStyle/>
+              <a:p>
+                <a:pPr algn="ctr"/>
+                <a:endParaRPr lang="de-DE"/>
+              </a:p>
+            </p:txBody>
+          </p:sp>
+        </p:grpSp>
+        <p:grpSp>
+          <p:nvGrpSpPr>
+            <p:cNvPr id="12" name="Gruppieren 11">
+              <a:extLst>
+                <a:ext uri="{FF2B5EF4-FFF2-40B4-BE49-F238E27FC236}">
+                  <a16:creationId xmlns:a16="http://schemas.microsoft.com/office/drawing/2014/main" id="{E6ACACB6-B464-46AC-A7BB-CD95B03A9CF2}"/>
+                </a:ext>
+              </a:extLst>
+            </p:cNvPr>
+            <p:cNvGrpSpPr/>
+            <p:nvPr/>
+          </p:nvGrpSpPr>
+          <p:grpSpPr>
+            <a:xfrm>
+              <a:off x="3919169" y="165579"/>
+              <a:ext cx="252000" cy="252000"/>
+              <a:chOff x="4898952" y="2162175"/>
+              <a:chExt cx="2621673" cy="2520000"/>
+            </a:xfrm>
+          </p:grpSpPr>
+          <p:grpSp>
+            <p:nvGrpSpPr>
+              <p:cNvPr id="33" name="Gruppieren 32">
+                <a:extLst>
+                  <a:ext uri="{FF2B5EF4-FFF2-40B4-BE49-F238E27FC236}">
+                    <a16:creationId xmlns:a16="http://schemas.microsoft.com/office/drawing/2014/main" id="{01B824E3-66FA-404B-9890-A40D9AFF3C56}"/>
+                  </a:ext>
+                </a:extLst>
+              </p:cNvPr>
+              <p:cNvGrpSpPr/>
+              <p:nvPr/>
+            </p:nvGrpSpPr>
+            <p:grpSpPr>
+              <a:xfrm rot="2956014">
+                <a:off x="5450601" y="2231951"/>
+                <a:ext cx="1290798" cy="2394096"/>
+                <a:chOff x="1931114" y="712362"/>
+                <a:chExt cx="1290798" cy="2394096"/>
+              </a:xfrm>
+            </p:grpSpPr>
+            <p:sp>
+              <p:nvSpPr>
+                <p:cNvPr id="27" name="Diagonaler Streifen 26">
+                  <a:extLst>
+                    <a:ext uri="{FF2B5EF4-FFF2-40B4-BE49-F238E27FC236}">
+                      <a16:creationId xmlns:a16="http://schemas.microsoft.com/office/drawing/2014/main" id="{0926E4F9-83B6-43F1-8B46-2A099E3234A9}"/>
+                    </a:ext>
+                  </a:extLst>
+                </p:cNvPr>
+                <p:cNvSpPr/>
+                <p:nvPr/>
+              </p:nvSpPr>
+              <p:spPr>
+                <a:xfrm rot="2700783">
+                  <a:off x="2122353" y="711892"/>
+                  <a:ext cx="898791" cy="899731"/>
+                </a:xfrm>
+                <a:prstGeom prst="diagStripe">
+                  <a:avLst>
+                    <a:gd name="adj" fmla="val 72097"/>
+                  </a:avLst>
+                </a:prstGeom>
+                <a:solidFill>
+                  <a:schemeClr val="accent3">
+                    <a:lumMod val="75000"/>
+                  </a:schemeClr>
+                </a:solidFill>
+                <a:ln>
+                  <a:noFill/>
+                </a:ln>
+              </p:spPr>
+              <p:style>
+                <a:lnRef idx="2">
+                  <a:schemeClr val="accent1">
+                    <a:shade val="50000"/>
+                  </a:schemeClr>
+                </a:lnRef>
+                <a:fillRef idx="1">
+                  <a:schemeClr val="accent1"/>
+                </a:fillRef>
+                <a:effectRef idx="0">
+                  <a:schemeClr val="accent1"/>
+                </a:effectRef>
+                <a:fontRef idx="minor">
+                  <a:schemeClr val="lt1"/>
+                </a:fontRef>
+              </p:style>
+              <p:txBody>
+                <a:bodyPr rtlCol="0" anchor="ctr"/>
+                <a:lstStyle/>
+                <a:p>
+                  <a:pPr algn="ctr"/>
+                  <a:endParaRPr lang="de-DE">
+                    <a:solidFill>
+                      <a:schemeClr val="tx1"/>
+                    </a:solidFill>
+                  </a:endParaRPr>
+                </a:p>
+              </p:txBody>
+            </p:sp>
+            <p:sp>
+              <p:nvSpPr>
+                <p:cNvPr id="28" name="Parallelogramm 27">
+                  <a:extLst>
+                    <a:ext uri="{FF2B5EF4-FFF2-40B4-BE49-F238E27FC236}">
+                      <a16:creationId xmlns:a16="http://schemas.microsoft.com/office/drawing/2014/main" id="{B4E4CCB0-0DCB-4926-AF3F-7C086F3736D6}"/>
+                    </a:ext>
+                  </a:extLst>
+                </p:cNvPr>
+                <p:cNvSpPr/>
+                <p:nvPr/>
+              </p:nvSpPr>
+              <p:spPr>
+                <a:xfrm flipV="1">
+                  <a:off x="1931114" y="1161946"/>
+                  <a:ext cx="593011" cy="45719"/>
+                </a:xfrm>
+                <a:prstGeom prst="parallelogram">
+                  <a:avLst/>
+                </a:prstGeom>
+                <a:solidFill>
+                  <a:schemeClr val="accent3">
+                    <a:lumMod val="50000"/>
+                  </a:schemeClr>
+                </a:solidFill>
+                <a:ln>
+                  <a:noFill/>
+                </a:ln>
+              </p:spPr>
+              <p:style>
+                <a:lnRef idx="2">
+                  <a:schemeClr val="accent1">
+                    <a:shade val="50000"/>
+                  </a:schemeClr>
+                </a:lnRef>
+                <a:fillRef idx="1">
+                  <a:schemeClr val="accent1"/>
+                </a:fillRef>
+                <a:effectRef idx="0">
+                  <a:schemeClr val="accent1"/>
+                </a:effectRef>
+                <a:fontRef idx="minor">
+                  <a:schemeClr val="lt1"/>
+                </a:fontRef>
+              </p:style>
+              <p:txBody>
+                <a:bodyPr rtlCol="0" anchor="ctr"/>
+                <a:lstStyle/>
+                <a:p>
+                  <a:pPr algn="ctr"/>
+                  <a:endParaRPr lang="de-DE"/>
+                </a:p>
+              </p:txBody>
+            </p:sp>
+            <p:sp>
+              <p:nvSpPr>
+                <p:cNvPr id="29" name="Parallelogramm 28">
+                  <a:extLst>
+                    <a:ext uri="{FF2B5EF4-FFF2-40B4-BE49-F238E27FC236}">
+                      <a16:creationId xmlns:a16="http://schemas.microsoft.com/office/drawing/2014/main" id="{73F3B3BC-9B81-49A9-A9FD-DDC5F885140C}"/>
+                    </a:ext>
+                  </a:extLst>
+                </p:cNvPr>
+                <p:cNvSpPr/>
+                <p:nvPr/>
+              </p:nvSpPr>
+              <p:spPr>
+                <a:xfrm flipV="1">
+                  <a:off x="2614614" y="1161945"/>
+                  <a:ext cx="607298" cy="45719"/>
+                </a:xfrm>
+                <a:prstGeom prst="parallelogram">
+                  <a:avLst/>
+                </a:prstGeom>
+                <a:solidFill>
+                  <a:schemeClr val="accent3">
+                    <a:lumMod val="50000"/>
+                  </a:schemeClr>
+                </a:solidFill>
+                <a:ln>
+                  <a:noFill/>
+                </a:ln>
+              </p:spPr>
+              <p:style>
+                <a:lnRef idx="2">
+                  <a:schemeClr val="accent1">
+                    <a:shade val="50000"/>
+                  </a:schemeClr>
+                </a:lnRef>
+                <a:fillRef idx="1">
+                  <a:schemeClr val="accent1"/>
+                </a:fillRef>
+                <a:effectRef idx="0">
+                  <a:schemeClr val="accent1"/>
+                </a:effectRef>
+                <a:fontRef idx="minor">
+                  <a:schemeClr val="lt1"/>
+                </a:fontRef>
+              </p:style>
+              <p:txBody>
+                <a:bodyPr rtlCol="0" anchor="ctr"/>
+                <a:lstStyle/>
+                <a:p>
+                  <a:pPr algn="ctr"/>
+                  <a:endParaRPr lang="de-DE"/>
+                </a:p>
+              </p:txBody>
+            </p:sp>
+            <p:sp>
+              <p:nvSpPr>
+                <p:cNvPr id="26" name="Rechteck 25">
+                  <a:extLst>
+                    <a:ext uri="{FF2B5EF4-FFF2-40B4-BE49-F238E27FC236}">
+                      <a16:creationId xmlns:a16="http://schemas.microsoft.com/office/drawing/2014/main" id="{2682753C-351E-4A3F-943F-B78511320777}"/>
+                    </a:ext>
+                  </a:extLst>
+                </p:cNvPr>
+                <p:cNvSpPr/>
+                <p:nvPr/>
+              </p:nvSpPr>
+              <p:spPr>
+                <a:xfrm>
+                  <a:off x="2471737" y="962025"/>
+                  <a:ext cx="174789" cy="2144433"/>
+                </a:xfrm>
+                <a:prstGeom prst="rect">
+                  <a:avLst/>
+                </a:prstGeom>
+                <a:solidFill>
+                  <a:schemeClr val="accent3">
+                    <a:lumMod val="75000"/>
+                  </a:schemeClr>
+                </a:solidFill>
+                <a:ln>
+                  <a:noFill/>
+                </a:ln>
+              </p:spPr>
+              <p:style>
+                <a:lnRef idx="2">
+                  <a:schemeClr val="accent1">
+                    <a:shade val="50000"/>
+                  </a:schemeClr>
+                </a:lnRef>
+                <a:fillRef idx="1">
+                  <a:schemeClr val="accent1"/>
+                </a:fillRef>
+                <a:effectRef idx="0">
+                  <a:schemeClr val="accent1"/>
+                </a:effectRef>
+                <a:fontRef idx="minor">
+                  <a:schemeClr val="lt1"/>
+                </a:fontRef>
+              </p:style>
+              <p:txBody>
+                <a:bodyPr rtlCol="0" anchor="ctr"/>
+                <a:lstStyle/>
+                <a:p>
+                  <a:pPr algn="ctr"/>
+                  <a:endParaRPr lang="de-DE"/>
+                </a:p>
+              </p:txBody>
+            </p:sp>
+            <p:cxnSp>
+              <p:nvCxnSpPr>
+                <p:cNvPr id="31" name="Gerader Verbinder 30">
+                  <a:extLst>
+                    <a:ext uri="{FF2B5EF4-FFF2-40B4-BE49-F238E27FC236}">
+                      <a16:creationId xmlns:a16="http://schemas.microsoft.com/office/drawing/2014/main" id="{2FB853E6-BFD2-497C-99EC-AE312019AEE6}"/>
+                    </a:ext>
+                  </a:extLst>
+                </p:cNvPr>
+                <p:cNvCxnSpPr>
+                  <a:cxnSpLocks/>
+                </p:cNvCxnSpPr>
+                <p:nvPr/>
+              </p:nvCxnSpPr>
+              <p:spPr>
+                <a:xfrm>
+                  <a:off x="2460784" y="1161946"/>
+                  <a:ext cx="220504" cy="0"/>
+                </a:xfrm>
+                <a:prstGeom prst="line">
+                  <a:avLst/>
+                </a:prstGeom>
+                <a:ln w="12700">
+                  <a:noFill/>
+                </a:ln>
+              </p:spPr>
+              <p:style>
+                <a:lnRef idx="1">
+                  <a:schemeClr val="accent1"/>
+                </a:lnRef>
+                <a:fillRef idx="0">
+                  <a:schemeClr val="accent1"/>
+                </a:fillRef>
+                <a:effectRef idx="0">
+                  <a:schemeClr val="accent1"/>
+                </a:effectRef>
+                <a:fontRef idx="minor">
+                  <a:schemeClr val="tx1"/>
+                </a:fontRef>
+              </p:style>
+            </p:cxnSp>
+          </p:grpSp>
+          <p:sp>
+            <p:nvSpPr>
+              <p:cNvPr id="34" name="Rechteck 33">
+                <a:extLst>
+                  <a:ext uri="{FF2B5EF4-FFF2-40B4-BE49-F238E27FC236}">
+                    <a16:creationId xmlns:a16="http://schemas.microsoft.com/office/drawing/2014/main" id="{9E476763-9D3D-4954-99BF-0A17F7B784F7}"/>
+                  </a:ext>
+                </a:extLst>
+              </p:cNvPr>
+              <p:cNvSpPr/>
+              <p:nvPr/>
+            </p:nvSpPr>
+            <p:spPr>
+              <a:xfrm>
+                <a:off x="5000625" y="2162175"/>
+                <a:ext cx="2520000" cy="2520000"/>
+              </a:xfrm>
+              <a:prstGeom prst="rect">
+                <a:avLst/>
+              </a:prstGeom>
+              <a:noFill/>
+              <a:ln>
+                <a:noFill/>
+              </a:ln>
+            </p:spPr>
+            <p:style>
+              <a:lnRef idx="2">
+                <a:schemeClr val="accent1">
+                  <a:shade val="50000"/>
+                </a:schemeClr>
+              </a:lnRef>
+              <a:fillRef idx="1">
+                <a:schemeClr val="accent1"/>
+              </a:fillRef>
+              <a:effectRef idx="0">
+                <a:schemeClr val="accent1"/>
+              </a:effectRef>
+              <a:fontRef idx="minor">
+                <a:schemeClr val="lt1"/>
+              </a:fontRef>
+            </p:style>
+            <p:txBody>
+              <a:bodyPr rtlCol="0" anchor="ctr"/>
+              <a:lstStyle/>
+              <a:p>
+                <a:pPr algn="ctr"/>
+                <a:endParaRPr lang="de-DE"/>
+              </a:p>
+            </p:txBody>
+          </p:sp>
+        </p:grpSp>
+      </p:grpSp>
+      <p:grpSp>
+        <p:nvGrpSpPr>
+          <p:cNvPr id="115" name="Gruppieren 114">
+            <a:extLst>
+              <a:ext uri="{FF2B5EF4-FFF2-40B4-BE49-F238E27FC236}">
+                <a16:creationId xmlns:a16="http://schemas.microsoft.com/office/drawing/2014/main" id="{9B7A2FFC-7777-47F1-8731-A46714C869B7}"/>
+              </a:ext>
+            </a:extLst>
+          </p:cNvPr>
+          <p:cNvGrpSpPr/>
+          <p:nvPr/>
+        </p:nvGrpSpPr>
+        <p:grpSpPr>
+          <a:xfrm>
+            <a:off x="1535178" y="156128"/>
+            <a:ext cx="252000" cy="252000"/>
+            <a:chOff x="4898952" y="2162175"/>
+            <a:chExt cx="2621673" cy="2520000"/>
+          </a:xfrm>
+        </p:grpSpPr>
+        <p:grpSp>
+          <p:nvGrpSpPr>
+            <p:cNvPr id="116" name="Gruppieren 115">
+              <a:extLst>
+                <a:ext uri="{FF2B5EF4-FFF2-40B4-BE49-F238E27FC236}">
+                  <a16:creationId xmlns:a16="http://schemas.microsoft.com/office/drawing/2014/main" id="{62B07E63-C749-4CC3-AB08-C952295DB79B}"/>
+                </a:ext>
+              </a:extLst>
+            </p:cNvPr>
+            <p:cNvGrpSpPr/>
+            <p:nvPr/>
+          </p:nvGrpSpPr>
+          <p:grpSpPr>
+            <a:xfrm rot="2956014">
+              <a:off x="5450601" y="2231951"/>
+              <a:ext cx="1290798" cy="2394096"/>
+              <a:chOff x="1931114" y="712362"/>
+              <a:chExt cx="1290798" cy="2394096"/>
+            </a:xfrm>
+          </p:grpSpPr>
+          <p:sp>
+            <p:nvSpPr>
+              <p:cNvPr id="118" name="Diagonaler Streifen 117">
+                <a:extLst>
+                  <a:ext uri="{FF2B5EF4-FFF2-40B4-BE49-F238E27FC236}">
+                    <a16:creationId xmlns:a16="http://schemas.microsoft.com/office/drawing/2014/main" id="{22DA78CC-0721-4DEF-8998-3076F9B50ADE}"/>
+                  </a:ext>
+                </a:extLst>
+              </p:cNvPr>
+              <p:cNvSpPr/>
+              <p:nvPr/>
+            </p:nvSpPr>
+            <p:spPr>
+              <a:xfrm rot="2700783">
+                <a:off x="2122353" y="711892"/>
+                <a:ext cx="898791" cy="899731"/>
+              </a:xfrm>
+              <a:prstGeom prst="diagStripe">
+                <a:avLst>
+                  <a:gd name="adj" fmla="val 72097"/>
+                </a:avLst>
+              </a:prstGeom>
+              <a:solidFill>
+                <a:schemeClr val="accent3">
+                  <a:lumMod val="75000"/>
+                </a:schemeClr>
+              </a:solidFill>
+              <a:ln>
+                <a:noFill/>
+              </a:ln>
+            </p:spPr>
+            <p:style>
+              <a:lnRef idx="2">
+                <a:schemeClr val="accent1">
+                  <a:shade val="50000"/>
+                </a:schemeClr>
+              </a:lnRef>
+              <a:fillRef idx="1">
+                <a:schemeClr val="accent1"/>
+              </a:fillRef>
+              <a:effectRef idx="0">
+                <a:schemeClr val="accent1"/>
+              </a:effectRef>
+              <a:fontRef idx="minor">
+                <a:schemeClr val="lt1"/>
+              </a:fontRef>
+            </p:style>
+            <p:txBody>
+              <a:bodyPr rtlCol="0" anchor="ctr"/>
+              <a:lstStyle/>
+              <a:p>
+                <a:pPr algn="ctr"/>
+                <a:endParaRPr lang="de-DE">
+                  <a:solidFill>
+                    <a:schemeClr val="tx1"/>
+                  </a:solidFill>
+                </a:endParaRPr>
+              </a:p>
+            </p:txBody>
+          </p:sp>
+          <p:sp>
+            <p:nvSpPr>
+              <p:cNvPr id="119" name="Parallelogramm 118">
+                <a:extLst>
+                  <a:ext uri="{FF2B5EF4-FFF2-40B4-BE49-F238E27FC236}">
+                    <a16:creationId xmlns:a16="http://schemas.microsoft.com/office/drawing/2014/main" id="{17BA5A81-F37A-4901-BCA7-62514C2E4213}"/>
+                  </a:ext>
+                </a:extLst>
+              </p:cNvPr>
+              <p:cNvSpPr/>
+              <p:nvPr/>
+            </p:nvSpPr>
+            <p:spPr>
+              <a:xfrm flipV="1">
+                <a:off x="1931114" y="1161946"/>
+                <a:ext cx="593011" cy="45719"/>
+              </a:xfrm>
+              <a:prstGeom prst="parallelogram">
+                <a:avLst/>
+              </a:prstGeom>
+              <a:solidFill>
+                <a:schemeClr val="accent3">
+                  <a:lumMod val="50000"/>
+                </a:schemeClr>
+              </a:solidFill>
+              <a:ln>
+                <a:noFill/>
+              </a:ln>
+            </p:spPr>
+            <p:style>
+              <a:lnRef idx="2">
+                <a:schemeClr val="accent1">
+                  <a:shade val="50000"/>
+                </a:schemeClr>
+              </a:lnRef>
+              <a:fillRef idx="1">
+                <a:schemeClr val="accent1"/>
+              </a:fillRef>
+              <a:effectRef idx="0">
+                <a:schemeClr val="accent1"/>
+              </a:effectRef>
+              <a:fontRef idx="minor">
+                <a:schemeClr val="lt1"/>
+              </a:fontRef>
+            </p:style>
+            <p:txBody>
+              <a:bodyPr rtlCol="0" anchor="ctr"/>
+              <a:lstStyle/>
+              <a:p>
+                <a:pPr algn="ctr"/>
+                <a:endParaRPr lang="de-DE"/>
+              </a:p>
+            </p:txBody>
+          </p:sp>
+          <p:sp>
+            <p:nvSpPr>
+              <p:cNvPr id="120" name="Parallelogramm 119">
+                <a:extLst>
+                  <a:ext uri="{FF2B5EF4-FFF2-40B4-BE49-F238E27FC236}">
+                    <a16:creationId xmlns:a16="http://schemas.microsoft.com/office/drawing/2014/main" id="{D833E450-CAD7-447D-A815-15B5EB585924}"/>
+                  </a:ext>
+                </a:extLst>
+              </p:cNvPr>
+              <p:cNvSpPr/>
+              <p:nvPr/>
+            </p:nvSpPr>
+            <p:spPr>
+              <a:xfrm flipV="1">
+                <a:off x="2614614" y="1161945"/>
+                <a:ext cx="607298" cy="45719"/>
+              </a:xfrm>
+              <a:prstGeom prst="parallelogram">
+                <a:avLst/>
+              </a:prstGeom>
+              <a:solidFill>
+                <a:schemeClr val="accent3">
+                  <a:lumMod val="50000"/>
+                </a:schemeClr>
+              </a:solidFill>
+              <a:ln>
+                <a:noFill/>
+              </a:ln>
+            </p:spPr>
+            <p:style>
+              <a:lnRef idx="2">
+                <a:schemeClr val="accent1">
+                  <a:shade val="50000"/>
+                </a:schemeClr>
+              </a:lnRef>
+              <a:fillRef idx="1">
+                <a:schemeClr val="accent1"/>
+              </a:fillRef>
+              <a:effectRef idx="0">
+                <a:schemeClr val="accent1"/>
+              </a:effectRef>
+              <a:fontRef idx="minor">
+                <a:schemeClr val="lt1"/>
+              </a:fontRef>
+            </p:style>
+            <p:txBody>
+              <a:bodyPr rtlCol="0" anchor="ctr"/>
+              <a:lstStyle/>
+              <a:p>
+                <a:pPr algn="ctr"/>
+                <a:endParaRPr lang="de-DE"/>
+              </a:p>
+            </p:txBody>
+          </p:sp>
+          <p:sp>
+            <p:nvSpPr>
+              <p:cNvPr id="121" name="Rechteck 120">
+                <a:extLst>
+                  <a:ext uri="{FF2B5EF4-FFF2-40B4-BE49-F238E27FC236}">
+                    <a16:creationId xmlns:a16="http://schemas.microsoft.com/office/drawing/2014/main" id="{9B724966-3B65-4087-B131-83A970502478}"/>
+                  </a:ext>
+                </a:extLst>
+              </p:cNvPr>
+              <p:cNvSpPr/>
+              <p:nvPr/>
+            </p:nvSpPr>
+            <p:spPr>
+              <a:xfrm>
+                <a:off x="2471737" y="962025"/>
+                <a:ext cx="174789" cy="2144433"/>
+              </a:xfrm>
+              <a:prstGeom prst="rect">
+                <a:avLst/>
+              </a:prstGeom>
+              <a:solidFill>
+                <a:schemeClr val="accent3">
+                  <a:lumMod val="75000"/>
+                </a:schemeClr>
+              </a:solidFill>
+              <a:ln>
+                <a:noFill/>
+              </a:ln>
+            </p:spPr>
+            <p:style>
+              <a:lnRef idx="2">
+                <a:schemeClr val="accent1">
+                  <a:shade val="50000"/>
+                </a:schemeClr>
+              </a:lnRef>
+              <a:fillRef idx="1">
+                <a:schemeClr val="accent1"/>
+              </a:fillRef>
+              <a:effectRef idx="0">
+                <a:schemeClr val="accent1"/>
+              </a:effectRef>
+              <a:fontRef idx="minor">
+                <a:schemeClr val="lt1"/>
+              </a:fontRef>
+            </p:style>
+            <p:txBody>
+              <a:bodyPr rtlCol="0" anchor="ctr"/>
+              <a:lstStyle/>
+              <a:p>
+                <a:pPr algn="ctr"/>
+                <a:endParaRPr lang="de-DE"/>
+              </a:p>
+            </p:txBody>
+          </p:sp>
+          <p:cxnSp>
+            <p:nvCxnSpPr>
+              <p:cNvPr id="122" name="Gerader Verbinder 121">
+                <a:extLst>
+                  <a:ext uri="{FF2B5EF4-FFF2-40B4-BE49-F238E27FC236}">
+                    <a16:creationId xmlns:a16="http://schemas.microsoft.com/office/drawing/2014/main" id="{2D65D029-53A0-45BF-A184-915145FCDE77}"/>
+                  </a:ext>
+                </a:extLst>
+              </p:cNvPr>
+              <p:cNvCxnSpPr>
+                <a:cxnSpLocks/>
+              </p:cNvCxnSpPr>
+              <p:nvPr/>
+            </p:nvCxnSpPr>
+            <p:spPr>
+              <a:xfrm>
+                <a:off x="2460784" y="1161946"/>
+                <a:ext cx="220504" cy="0"/>
+              </a:xfrm>
+              <a:prstGeom prst="line">
+                <a:avLst/>
+              </a:prstGeom>
+              <a:ln w="12700">
+                <a:noFill/>
+              </a:ln>
+            </p:spPr>
+            <p:style>
+              <a:lnRef idx="1">
+                <a:schemeClr val="accent1"/>
+              </a:lnRef>
+              <a:fillRef idx="0">
+                <a:schemeClr val="accent1"/>
+              </a:fillRef>
+              <a:effectRef idx="0">
+                <a:schemeClr val="accent1"/>
+              </a:effectRef>
+              <a:fontRef idx="minor">
+                <a:schemeClr val="tx1"/>
+              </a:fontRef>
+            </p:style>
+          </p:cxnSp>
+        </p:grpSp>
+        <p:sp>
+          <p:nvSpPr>
+            <p:cNvPr id="117" name="Rechteck 116">
+              <a:extLst>
+                <a:ext uri="{FF2B5EF4-FFF2-40B4-BE49-F238E27FC236}">
+                  <a16:creationId xmlns:a16="http://schemas.microsoft.com/office/drawing/2014/main" id="{139113DE-39A5-4EFE-8762-D1CEC2220541}"/>
+                </a:ext>
+              </a:extLst>
+            </p:cNvPr>
+            <p:cNvSpPr/>
+            <p:nvPr/>
+          </p:nvSpPr>
+          <p:spPr>
+            <a:xfrm>
+              <a:off x="5000625" y="2162175"/>
+              <a:ext cx="2520000" cy="2520000"/>
+            </a:xfrm>
+            <a:prstGeom prst="rect">
+              <a:avLst/>
+            </a:prstGeom>
+            <a:noFill/>
+            <a:ln>
+              <a:noFill/>
+            </a:ln>
+          </p:spPr>
+          <p:style>
+            <a:lnRef idx="2">
+              <a:schemeClr val="accent1">
+                <a:shade val="50000"/>
+              </a:schemeClr>
+            </a:lnRef>
+            <a:fillRef idx="1">
+              <a:schemeClr val="accent1"/>
+            </a:fillRef>
+            <a:effectRef idx="0">
+              <a:schemeClr val="accent1"/>
+            </a:effectRef>
+            <a:fontRef idx="minor">
+              <a:schemeClr val="lt1"/>
+            </a:fontRef>
+          </p:style>
+          <p:txBody>
+            <a:bodyPr rtlCol="0" anchor="ctr"/>
+            <a:lstStyle/>
+            <a:p>
+              <a:pPr algn="ctr"/>
+              <a:endParaRPr lang="de-DE"/>
+            </a:p>
+          </p:txBody>
+        </p:sp>
+      </p:grpSp>
+      <p:grpSp>
+        <p:nvGrpSpPr>
+          <p:cNvPr id="165" name="Gruppieren 164">
+            <a:extLst>
+              <a:ext uri="{FF2B5EF4-FFF2-40B4-BE49-F238E27FC236}">
+                <a16:creationId xmlns:a16="http://schemas.microsoft.com/office/drawing/2014/main" id="{479B79D2-B657-4382-B967-4C7F23D663ED}"/>
+              </a:ext>
+            </a:extLst>
+          </p:cNvPr>
+          <p:cNvGrpSpPr/>
+          <p:nvPr/>
+        </p:nvGrpSpPr>
+        <p:grpSpPr>
+          <a:xfrm>
+            <a:off x="3260215" y="1685646"/>
+            <a:ext cx="400628" cy="396856"/>
+            <a:chOff x="3260215" y="1685646"/>
+            <a:chExt cx="400628" cy="396856"/>
+          </a:xfrm>
+        </p:grpSpPr>
+        <p:grpSp>
+          <p:nvGrpSpPr>
+            <p:cNvPr id="87" name="Gruppieren 86">
+              <a:extLst>
+                <a:ext uri="{FF2B5EF4-FFF2-40B4-BE49-F238E27FC236}">
+                  <a16:creationId xmlns:a16="http://schemas.microsoft.com/office/drawing/2014/main" id="{047BD1C6-27A3-456D-B16F-C0C4FD6FC791}"/>
+                </a:ext>
+              </a:extLst>
+            </p:cNvPr>
+            <p:cNvGrpSpPr/>
+            <p:nvPr/>
+          </p:nvGrpSpPr>
+          <p:grpSpPr>
+            <a:xfrm>
+              <a:off x="3260215" y="1685646"/>
+              <a:ext cx="400628" cy="396856"/>
+              <a:chOff x="5546100" y="1669040"/>
+              <a:chExt cx="4006280" cy="3968560"/>
+            </a:xfrm>
+          </p:grpSpPr>
+          <p:sp>
+            <p:nvSpPr>
+              <p:cNvPr id="88" name="Rechteck 87">
+                <a:extLst>
+                  <a:ext uri="{FF2B5EF4-FFF2-40B4-BE49-F238E27FC236}">
+                    <a16:creationId xmlns:a16="http://schemas.microsoft.com/office/drawing/2014/main" id="{9A0B35B8-9BD5-43FF-BBE3-2A0C3F22CE33}"/>
+                  </a:ext>
+                </a:extLst>
+              </p:cNvPr>
+              <p:cNvSpPr/>
+              <p:nvPr/>
+            </p:nvSpPr>
+            <p:spPr>
+              <a:xfrm>
+                <a:off x="5546100" y="1677600"/>
+                <a:ext cx="3960000" cy="3960000"/>
+              </a:xfrm>
+              <a:prstGeom prst="rect">
+                <a:avLst/>
+              </a:prstGeom>
+              <a:solidFill>
+                <a:schemeClr val="accent4">
+                  <a:lumMod val="60000"/>
+                  <a:lumOff val="40000"/>
+                </a:schemeClr>
+              </a:solidFill>
+              <a:ln>
+                <a:noFill/>
+              </a:ln>
+              <a:scene3d>
+                <a:camera prst="orthographicFront"/>
+                <a:lightRig rig="threePt" dir="t"/>
+              </a:scene3d>
+              <a:sp3d>
+                <a:bevelT prst="angle"/>
+              </a:sp3d>
+            </p:spPr>
+            <p:style>
+              <a:lnRef idx="2">
+                <a:schemeClr val="accent1">
+                  <a:shade val="50000"/>
+                </a:schemeClr>
+              </a:lnRef>
+              <a:fillRef idx="1">
+                <a:schemeClr val="accent1"/>
+              </a:fillRef>
+              <a:effectRef idx="0">
+                <a:schemeClr val="accent1"/>
+              </a:effectRef>
+              <a:fontRef idx="minor">
+                <a:schemeClr val="lt1"/>
+              </a:fontRef>
+            </p:style>
+            <p:txBody>
+              <a:bodyPr rtlCol="0" anchor="ctr"/>
+              <a:lstStyle/>
+              <a:p>
+                <a:pPr algn="ctr"/>
+                <a:endParaRPr lang="de-DE"/>
+              </a:p>
+            </p:txBody>
+          </p:sp>
+          <p:sp>
+            <p:nvSpPr>
+              <p:cNvPr id="89" name="Rechteck 88">
+                <a:extLst>
+                  <a:ext uri="{FF2B5EF4-FFF2-40B4-BE49-F238E27FC236}">
+                    <a16:creationId xmlns:a16="http://schemas.microsoft.com/office/drawing/2014/main" id="{F4686575-F30D-4E27-B9FF-726E8B6FF0D1}"/>
+                  </a:ext>
+                </a:extLst>
+              </p:cNvPr>
+              <p:cNvSpPr/>
+              <p:nvPr/>
+            </p:nvSpPr>
+            <p:spPr>
+              <a:xfrm>
+                <a:off x="5592380" y="1669040"/>
+                <a:ext cx="3960000" cy="3960000"/>
+              </a:xfrm>
+              <a:prstGeom prst="rect">
+                <a:avLst/>
+              </a:prstGeom>
+              <a:blipFill dpi="0" rotWithShape="1">
+                <a:blip r:embed="rId4">
+                  <a:alphaModFix amt="57000"/>
+                </a:blip>
+                <a:srcRect/>
+                <a:tile tx="0" ty="0" sx="100000" sy="100000" flip="none" algn="tl"/>
+              </a:blipFill>
+              <a:ln>
+                <a:noFill/>
+              </a:ln>
+              <a:scene3d>
+                <a:camera prst="orthographicFront"/>
+                <a:lightRig rig="threePt" dir="t"/>
+              </a:scene3d>
+              <a:sp3d>
+                <a:bevelT prst="angle"/>
+              </a:sp3d>
+            </p:spPr>
+            <p:style>
+              <a:lnRef idx="2">
+                <a:schemeClr val="accent1">
+                  <a:shade val="50000"/>
+                </a:schemeClr>
+              </a:lnRef>
+              <a:fillRef idx="1">
+                <a:schemeClr val="accent1"/>
+              </a:fillRef>
+              <a:effectRef idx="0">
+                <a:schemeClr val="accent1"/>
+              </a:effectRef>
+              <a:fontRef idx="minor">
+                <a:schemeClr val="lt1"/>
+              </a:fontRef>
+            </p:style>
+            <p:txBody>
+              <a:bodyPr rtlCol="0" anchor="ctr"/>
+              <a:lstStyle/>
+              <a:p>
+                <a:pPr algn="ctr"/>
+                <a:endParaRPr lang="de-DE"/>
+              </a:p>
+            </p:txBody>
+          </p:sp>
+        </p:grpSp>
+        <p:grpSp>
+          <p:nvGrpSpPr>
+            <p:cNvPr id="123" name="Gruppieren 122">
+              <a:extLst>
+                <a:ext uri="{FF2B5EF4-FFF2-40B4-BE49-F238E27FC236}">
+                  <a16:creationId xmlns:a16="http://schemas.microsoft.com/office/drawing/2014/main" id="{C79357E9-B9EA-4E3A-80BF-5A382B48455F}"/>
+                </a:ext>
+              </a:extLst>
+            </p:cNvPr>
+            <p:cNvGrpSpPr/>
+            <p:nvPr/>
+          </p:nvGrpSpPr>
+          <p:grpSpPr>
+            <a:xfrm>
+              <a:off x="3338727" y="1768105"/>
+              <a:ext cx="252000" cy="252000"/>
+              <a:chOff x="8149141" y="747032"/>
+              <a:chExt cx="2520000" cy="2520000"/>
+            </a:xfrm>
+          </p:grpSpPr>
+          <p:grpSp>
+            <p:nvGrpSpPr>
+              <p:cNvPr id="124" name="Gruppieren 123">
+                <a:extLst>
+                  <a:ext uri="{FF2B5EF4-FFF2-40B4-BE49-F238E27FC236}">
+                    <a16:creationId xmlns:a16="http://schemas.microsoft.com/office/drawing/2014/main" id="{B6850CFA-506E-4396-8C24-B923ADF58F9F}"/>
+                  </a:ext>
+                </a:extLst>
+              </p:cNvPr>
+              <p:cNvGrpSpPr/>
+              <p:nvPr/>
+            </p:nvGrpSpPr>
+            <p:grpSpPr>
+              <a:xfrm rot="6559911">
+                <a:off x="8677296" y="927085"/>
+                <a:ext cx="1290798" cy="2228396"/>
+                <a:chOff x="1931114" y="712362"/>
+                <a:chExt cx="1290798" cy="2228396"/>
+              </a:xfrm>
+            </p:grpSpPr>
+            <p:sp>
+              <p:nvSpPr>
+                <p:cNvPr id="134" name="Diagonaler Streifen 133">
+                  <a:extLst>
+                    <a:ext uri="{FF2B5EF4-FFF2-40B4-BE49-F238E27FC236}">
+                      <a16:creationId xmlns:a16="http://schemas.microsoft.com/office/drawing/2014/main" id="{6E1EB98B-80CD-4F59-97B8-A6F17510408B}"/>
+                    </a:ext>
+                  </a:extLst>
+                </p:cNvPr>
+                <p:cNvSpPr/>
+                <p:nvPr/>
+              </p:nvSpPr>
+              <p:spPr>
+                <a:xfrm rot="2700783">
+                  <a:off x="2122353" y="711892"/>
+                  <a:ext cx="898791" cy="899731"/>
+                </a:xfrm>
+                <a:prstGeom prst="diagStripe">
+                  <a:avLst>
+                    <a:gd name="adj" fmla="val 72097"/>
+                  </a:avLst>
+                </a:prstGeom>
+                <a:solidFill>
+                  <a:schemeClr val="accent3">
+                    <a:lumMod val="75000"/>
+                  </a:schemeClr>
+                </a:solidFill>
+                <a:ln>
+                  <a:noFill/>
+                </a:ln>
+              </p:spPr>
+              <p:style>
+                <a:lnRef idx="2">
+                  <a:schemeClr val="accent1">
+                    <a:shade val="50000"/>
+                  </a:schemeClr>
+                </a:lnRef>
+                <a:fillRef idx="1">
+                  <a:schemeClr val="accent1"/>
+                </a:fillRef>
+                <a:effectRef idx="0">
+                  <a:schemeClr val="accent1"/>
+                </a:effectRef>
+                <a:fontRef idx="minor">
+                  <a:schemeClr val="lt1"/>
+                </a:fontRef>
+              </p:style>
+              <p:txBody>
+                <a:bodyPr rtlCol="0" anchor="ctr"/>
+                <a:lstStyle/>
+                <a:p>
+                  <a:pPr algn="ctr"/>
+                  <a:endParaRPr lang="de-DE">
+                    <a:solidFill>
+                      <a:schemeClr val="tx1"/>
+                    </a:solidFill>
+                  </a:endParaRPr>
+                </a:p>
+              </p:txBody>
+            </p:sp>
+            <p:sp>
+              <p:nvSpPr>
+                <p:cNvPr id="135" name="Parallelogramm 134">
+                  <a:extLst>
+                    <a:ext uri="{FF2B5EF4-FFF2-40B4-BE49-F238E27FC236}">
+                      <a16:creationId xmlns:a16="http://schemas.microsoft.com/office/drawing/2014/main" id="{6A2F1A8B-7048-4662-95EF-316D2D69C0C7}"/>
+                    </a:ext>
+                  </a:extLst>
+                </p:cNvPr>
+                <p:cNvSpPr/>
+                <p:nvPr/>
+              </p:nvSpPr>
+              <p:spPr>
+                <a:xfrm flipV="1">
+                  <a:off x="1931114" y="1161946"/>
+                  <a:ext cx="593011" cy="45719"/>
+                </a:xfrm>
+                <a:prstGeom prst="parallelogram">
+                  <a:avLst/>
+                </a:prstGeom>
+                <a:solidFill>
+                  <a:schemeClr val="accent3">
+                    <a:lumMod val="50000"/>
+                  </a:schemeClr>
+                </a:solidFill>
+                <a:ln>
+                  <a:noFill/>
+                </a:ln>
+              </p:spPr>
+              <p:style>
+                <a:lnRef idx="2">
+                  <a:schemeClr val="accent1">
+                    <a:shade val="50000"/>
+                  </a:schemeClr>
+                </a:lnRef>
+                <a:fillRef idx="1">
+                  <a:schemeClr val="accent1"/>
+                </a:fillRef>
+                <a:effectRef idx="0">
+                  <a:schemeClr val="accent1"/>
+                </a:effectRef>
+                <a:fontRef idx="minor">
+                  <a:schemeClr val="lt1"/>
+                </a:fontRef>
+              </p:style>
+              <p:txBody>
+                <a:bodyPr rtlCol="0" anchor="ctr"/>
+                <a:lstStyle/>
+                <a:p>
+                  <a:pPr algn="ctr"/>
+                  <a:endParaRPr lang="de-DE"/>
+                </a:p>
+              </p:txBody>
+            </p:sp>
+            <p:sp>
+              <p:nvSpPr>
+                <p:cNvPr id="136" name="Parallelogramm 135">
+                  <a:extLst>
+                    <a:ext uri="{FF2B5EF4-FFF2-40B4-BE49-F238E27FC236}">
+                      <a16:creationId xmlns:a16="http://schemas.microsoft.com/office/drawing/2014/main" id="{40933824-B5F2-417E-9E74-4B45A57EA105}"/>
+                    </a:ext>
+                  </a:extLst>
+                </p:cNvPr>
+                <p:cNvSpPr/>
+                <p:nvPr/>
+              </p:nvSpPr>
+              <p:spPr>
+                <a:xfrm flipV="1">
+                  <a:off x="2614614" y="1161945"/>
+                  <a:ext cx="607298" cy="45719"/>
+                </a:xfrm>
+                <a:prstGeom prst="parallelogram">
+                  <a:avLst/>
+                </a:prstGeom>
+                <a:solidFill>
+                  <a:schemeClr val="accent3">
+                    <a:lumMod val="50000"/>
+                  </a:schemeClr>
+                </a:solidFill>
+                <a:ln>
+                  <a:noFill/>
+                </a:ln>
+              </p:spPr>
+              <p:style>
+                <a:lnRef idx="2">
+                  <a:schemeClr val="accent1">
+                    <a:shade val="50000"/>
+                  </a:schemeClr>
+                </a:lnRef>
+                <a:fillRef idx="1">
+                  <a:schemeClr val="accent1"/>
+                </a:fillRef>
+                <a:effectRef idx="0">
+                  <a:schemeClr val="accent1"/>
+                </a:effectRef>
+                <a:fontRef idx="minor">
+                  <a:schemeClr val="lt1"/>
+                </a:fontRef>
+              </p:style>
+              <p:txBody>
+                <a:bodyPr rtlCol="0" anchor="ctr"/>
+                <a:lstStyle/>
+                <a:p>
+                  <a:pPr algn="ctr"/>
+                  <a:endParaRPr lang="de-DE"/>
+                </a:p>
+              </p:txBody>
+            </p:sp>
+            <p:sp>
+              <p:nvSpPr>
+                <p:cNvPr id="137" name="Rechteck 136">
+                  <a:extLst>
+                    <a:ext uri="{FF2B5EF4-FFF2-40B4-BE49-F238E27FC236}">
+                      <a16:creationId xmlns:a16="http://schemas.microsoft.com/office/drawing/2014/main" id="{9A465CB1-0D8B-4753-AB44-D69E9E8837B5}"/>
+                    </a:ext>
+                  </a:extLst>
+                </p:cNvPr>
+                <p:cNvSpPr/>
+                <p:nvPr/>
+              </p:nvSpPr>
+              <p:spPr>
+                <a:xfrm>
+                  <a:off x="2471738" y="962027"/>
+                  <a:ext cx="178189" cy="1978731"/>
+                </a:xfrm>
+                <a:prstGeom prst="rect">
+                  <a:avLst/>
+                </a:prstGeom>
+                <a:solidFill>
+                  <a:schemeClr val="accent3">
+                    <a:lumMod val="75000"/>
+                  </a:schemeClr>
+                </a:solidFill>
+                <a:ln>
+                  <a:noFill/>
+                </a:ln>
+              </p:spPr>
+              <p:style>
+                <a:lnRef idx="2">
+                  <a:schemeClr val="accent1">
+                    <a:shade val="50000"/>
+                  </a:schemeClr>
+                </a:lnRef>
+                <a:fillRef idx="1">
+                  <a:schemeClr val="accent1"/>
+                </a:fillRef>
+                <a:effectRef idx="0">
+                  <a:schemeClr val="accent1"/>
+                </a:effectRef>
+                <a:fontRef idx="minor">
+                  <a:schemeClr val="lt1"/>
+                </a:fontRef>
+              </p:style>
+              <p:txBody>
+                <a:bodyPr rtlCol="0" anchor="ctr"/>
+                <a:lstStyle/>
+                <a:p>
+                  <a:pPr algn="ctr"/>
+                  <a:endParaRPr lang="de-DE"/>
+                </a:p>
+              </p:txBody>
+            </p:sp>
+            <p:cxnSp>
+              <p:nvCxnSpPr>
+                <p:cNvPr id="138" name="Gerader Verbinder 137">
+                  <a:extLst>
+                    <a:ext uri="{FF2B5EF4-FFF2-40B4-BE49-F238E27FC236}">
+                      <a16:creationId xmlns:a16="http://schemas.microsoft.com/office/drawing/2014/main" id="{30AD2C5D-3F84-4C2F-88F1-3C41882B5DFE}"/>
+                    </a:ext>
+                  </a:extLst>
+                </p:cNvPr>
+                <p:cNvCxnSpPr>
+                  <a:cxnSpLocks/>
+                </p:cNvCxnSpPr>
+                <p:nvPr/>
+              </p:nvCxnSpPr>
+              <p:spPr>
+                <a:xfrm>
+                  <a:off x="2460784" y="1161946"/>
+                  <a:ext cx="220504" cy="0"/>
+                </a:xfrm>
+                <a:prstGeom prst="line">
+                  <a:avLst/>
+                </a:prstGeom>
+                <a:ln w="12700">
+                  <a:noFill/>
+                </a:ln>
+              </p:spPr>
+              <p:style>
+                <a:lnRef idx="1">
+                  <a:schemeClr val="accent1"/>
+                </a:lnRef>
+                <a:fillRef idx="0">
+                  <a:schemeClr val="accent1"/>
+                </a:fillRef>
+                <a:effectRef idx="0">
+                  <a:schemeClr val="accent1"/>
+                </a:effectRef>
+                <a:fontRef idx="minor">
+                  <a:schemeClr val="tx1"/>
+                </a:fontRef>
+              </p:style>
+            </p:cxnSp>
+          </p:grpSp>
+          <p:sp>
+            <p:nvSpPr>
+              <p:cNvPr id="125" name="Rechteck 124">
+                <a:extLst>
+                  <a:ext uri="{FF2B5EF4-FFF2-40B4-BE49-F238E27FC236}">
+                    <a16:creationId xmlns:a16="http://schemas.microsoft.com/office/drawing/2014/main" id="{14EC2508-B673-4A8C-ADEC-903484BA2901}"/>
+                  </a:ext>
+                </a:extLst>
+              </p:cNvPr>
+              <p:cNvSpPr/>
+              <p:nvPr/>
+            </p:nvSpPr>
+            <p:spPr>
+              <a:xfrm rot="4521">
+                <a:off x="8149141" y="747032"/>
+                <a:ext cx="2520000" cy="2520000"/>
+              </a:xfrm>
+              <a:prstGeom prst="rect">
+                <a:avLst/>
+              </a:prstGeom>
+              <a:noFill/>
+              <a:ln>
+                <a:noFill/>
+              </a:ln>
+            </p:spPr>
+            <p:style>
+              <a:lnRef idx="2">
+                <a:schemeClr val="accent1">
+                  <a:shade val="50000"/>
+                </a:schemeClr>
+              </a:lnRef>
+              <a:fillRef idx="1">
+                <a:schemeClr val="accent1"/>
+              </a:fillRef>
+              <a:effectRef idx="0">
+                <a:schemeClr val="accent1"/>
+              </a:effectRef>
+              <a:fontRef idx="minor">
+                <a:schemeClr val="lt1"/>
+              </a:fontRef>
+            </p:style>
+            <p:txBody>
+              <a:bodyPr rtlCol="0" anchor="ctr"/>
+              <a:lstStyle/>
+              <a:p>
+                <a:pPr algn="ctr"/>
+                <a:endParaRPr lang="de-DE"/>
+              </a:p>
+            </p:txBody>
+          </p:sp>
+          <p:sp>
+            <p:nvSpPr>
+              <p:cNvPr id="126" name="Explosion: 14 Zacken 125">
+                <a:extLst>
+                  <a:ext uri="{FF2B5EF4-FFF2-40B4-BE49-F238E27FC236}">
+                    <a16:creationId xmlns:a16="http://schemas.microsoft.com/office/drawing/2014/main" id="{A6980FBC-E073-4354-8C5B-A8E4D1CB0649}"/>
+                  </a:ext>
+                </a:extLst>
+              </p:cNvPr>
+              <p:cNvSpPr/>
+              <p:nvPr/>
+            </p:nvSpPr>
+            <p:spPr>
+              <a:xfrm rot="1034770">
+                <a:off x="9496221" y="2678008"/>
+                <a:ext cx="614849" cy="371237"/>
+              </a:xfrm>
+              <a:prstGeom prst="irregularSeal2">
+                <a:avLst/>
+              </a:prstGeom>
+              <a:gradFill flip="none" rotWithShape="1">
+                <a:gsLst>
+                  <a:gs pos="0">
+                    <a:schemeClr val="accent4">
+                      <a:lumMod val="60000"/>
+                      <a:lumOff val="40000"/>
+                    </a:schemeClr>
+                  </a:gs>
+                  <a:gs pos="50000">
+                    <a:schemeClr val="accent2">
+                      <a:lumMod val="75000"/>
+                    </a:schemeClr>
+                  </a:gs>
+                  <a:gs pos="100000">
+                    <a:srgbClr val="960000"/>
+                  </a:gs>
+                </a:gsLst>
+                <a:lin ang="2700000" scaled="1"/>
+                <a:tileRect/>
+              </a:gradFill>
+              <a:ln>
+                <a:noFill/>
+              </a:ln>
+            </p:spPr>
+            <p:style>
+              <a:lnRef idx="2">
+                <a:schemeClr val="accent1">
+                  <a:shade val="50000"/>
+                </a:schemeClr>
+              </a:lnRef>
+              <a:fillRef idx="1">
+                <a:schemeClr val="accent1"/>
+              </a:fillRef>
+              <a:effectRef idx="0">
+                <a:schemeClr val="accent1"/>
+              </a:effectRef>
+              <a:fontRef idx="minor">
+                <a:schemeClr val="lt1"/>
+              </a:fontRef>
+            </p:style>
+            <p:txBody>
+              <a:bodyPr rtlCol="0" anchor="ctr"/>
+              <a:lstStyle/>
+              <a:p>
+                <a:pPr algn="ctr"/>
+                <a:endParaRPr lang="de-DE"/>
+              </a:p>
+            </p:txBody>
+          </p:sp>
+          <p:sp>
+            <p:nvSpPr>
+              <p:cNvPr id="127" name="Explosion: 14 Zacken 126">
+                <a:extLst>
+                  <a:ext uri="{FF2B5EF4-FFF2-40B4-BE49-F238E27FC236}">
+                    <a16:creationId xmlns:a16="http://schemas.microsoft.com/office/drawing/2014/main" id="{C09AC61E-7CC9-4068-AED4-9541835FDCEF}"/>
+                  </a:ext>
+                </a:extLst>
+              </p:cNvPr>
+              <p:cNvSpPr/>
+              <p:nvPr/>
+            </p:nvSpPr>
+            <p:spPr>
+              <a:xfrm rot="1034770">
+                <a:off x="9457207" y="2535648"/>
+                <a:ext cx="199055" cy="182403"/>
+              </a:xfrm>
+              <a:prstGeom prst="irregularSeal2">
+                <a:avLst/>
+              </a:prstGeom>
+              <a:gradFill flip="none" rotWithShape="1">
+                <a:gsLst>
+                  <a:gs pos="0">
+                    <a:schemeClr val="accent4">
+                      <a:lumMod val="60000"/>
+                      <a:lumOff val="40000"/>
+                    </a:schemeClr>
+                  </a:gs>
+                  <a:gs pos="50000">
+                    <a:schemeClr val="accent2">
+                      <a:lumMod val="75000"/>
+                    </a:schemeClr>
+                  </a:gs>
+                  <a:gs pos="100000">
+                    <a:srgbClr val="960000"/>
+                  </a:gs>
+                </a:gsLst>
+                <a:lin ang="2700000" scaled="1"/>
+                <a:tileRect/>
+              </a:gradFill>
+              <a:ln>
+                <a:noFill/>
+              </a:ln>
+            </p:spPr>
+            <p:style>
+              <a:lnRef idx="2">
+                <a:schemeClr val="accent1">
+                  <a:shade val="50000"/>
+                </a:schemeClr>
+              </a:lnRef>
+              <a:fillRef idx="1">
+                <a:schemeClr val="accent1"/>
+              </a:fillRef>
+              <a:effectRef idx="0">
+                <a:schemeClr val="accent1"/>
+              </a:effectRef>
+              <a:fontRef idx="minor">
+                <a:schemeClr val="lt1"/>
+              </a:fontRef>
+            </p:style>
+            <p:txBody>
+              <a:bodyPr rtlCol="0" anchor="ctr"/>
+              <a:lstStyle/>
+              <a:p>
+                <a:pPr algn="ctr"/>
+                <a:endParaRPr lang="de-DE"/>
+              </a:p>
+            </p:txBody>
+          </p:sp>
+          <p:sp>
+            <p:nvSpPr>
+              <p:cNvPr id="128" name="Explosion: 14 Zacken 127">
+                <a:extLst>
+                  <a:ext uri="{FF2B5EF4-FFF2-40B4-BE49-F238E27FC236}">
+                    <a16:creationId xmlns:a16="http://schemas.microsoft.com/office/drawing/2014/main" id="{B74AF520-FE50-4676-8B7D-191F30D2E0C0}"/>
+                  </a:ext>
+                </a:extLst>
+              </p:cNvPr>
+              <p:cNvSpPr/>
+              <p:nvPr/>
+            </p:nvSpPr>
+            <p:spPr>
+              <a:xfrm rot="1034770">
+                <a:off x="10267415" y="2434033"/>
+                <a:ext cx="199055" cy="182403"/>
+              </a:xfrm>
+              <a:prstGeom prst="irregularSeal2">
+                <a:avLst/>
+              </a:prstGeom>
+              <a:gradFill flip="none" rotWithShape="1">
+                <a:gsLst>
+                  <a:gs pos="0">
+                    <a:schemeClr val="accent4">
+                      <a:lumMod val="60000"/>
+                      <a:lumOff val="40000"/>
+                    </a:schemeClr>
+                  </a:gs>
+                  <a:gs pos="50000">
+                    <a:schemeClr val="accent2">
+                      <a:lumMod val="75000"/>
+                    </a:schemeClr>
+                  </a:gs>
+                  <a:gs pos="100000">
+                    <a:srgbClr val="960000"/>
+                  </a:gs>
+                </a:gsLst>
+                <a:lin ang="2700000" scaled="1"/>
+                <a:tileRect/>
+              </a:gradFill>
+              <a:ln>
+                <a:noFill/>
+              </a:ln>
+            </p:spPr>
+            <p:style>
+              <a:lnRef idx="2">
+                <a:schemeClr val="accent1">
+                  <a:shade val="50000"/>
+                </a:schemeClr>
+              </a:lnRef>
+              <a:fillRef idx="1">
+                <a:schemeClr val="accent1"/>
+              </a:fillRef>
+              <a:effectRef idx="0">
+                <a:schemeClr val="accent1"/>
+              </a:effectRef>
+              <a:fontRef idx="minor">
+                <a:schemeClr val="lt1"/>
+              </a:fontRef>
+            </p:style>
+            <p:txBody>
+              <a:bodyPr rtlCol="0" anchor="ctr"/>
+              <a:lstStyle/>
+              <a:p>
+                <a:pPr algn="ctr"/>
+                <a:endParaRPr lang="de-DE"/>
+              </a:p>
+            </p:txBody>
+          </p:sp>
+          <p:sp>
+            <p:nvSpPr>
+              <p:cNvPr id="129" name="Explosion: 14 Zacken 128">
+                <a:extLst>
+                  <a:ext uri="{FF2B5EF4-FFF2-40B4-BE49-F238E27FC236}">
+                    <a16:creationId xmlns:a16="http://schemas.microsoft.com/office/drawing/2014/main" id="{225A1C5E-CAD1-4C7D-8277-B9D7C9B63B72}"/>
+                  </a:ext>
+                </a:extLst>
+              </p:cNvPr>
+              <p:cNvSpPr/>
+              <p:nvPr/>
+            </p:nvSpPr>
+            <p:spPr>
+              <a:xfrm rot="1034770">
+                <a:off x="9973447" y="2684256"/>
+                <a:ext cx="199055" cy="182403"/>
+              </a:xfrm>
+              <a:prstGeom prst="irregularSeal2">
+                <a:avLst/>
+              </a:prstGeom>
+              <a:gradFill flip="none" rotWithShape="1">
+                <a:gsLst>
+                  <a:gs pos="0">
+                    <a:schemeClr val="accent4">
+                      <a:lumMod val="60000"/>
+                      <a:lumOff val="40000"/>
+                    </a:schemeClr>
+                  </a:gs>
+                  <a:gs pos="50000">
+                    <a:schemeClr val="accent2">
+                      <a:lumMod val="75000"/>
+                    </a:schemeClr>
+                  </a:gs>
+                  <a:gs pos="100000">
+                    <a:srgbClr val="960000"/>
+                  </a:gs>
+                </a:gsLst>
+                <a:lin ang="2700000" scaled="1"/>
+                <a:tileRect/>
+              </a:gradFill>
+              <a:ln>
+                <a:noFill/>
+              </a:ln>
+            </p:spPr>
+            <p:style>
+              <a:lnRef idx="2">
+                <a:schemeClr val="accent1">
+                  <a:shade val="50000"/>
+                </a:schemeClr>
+              </a:lnRef>
+              <a:fillRef idx="1">
+                <a:schemeClr val="accent1"/>
+              </a:fillRef>
+              <a:effectRef idx="0">
+                <a:schemeClr val="accent1"/>
+              </a:effectRef>
+              <a:fontRef idx="minor">
+                <a:schemeClr val="lt1"/>
+              </a:fontRef>
+            </p:style>
+            <p:txBody>
+              <a:bodyPr rtlCol="0" anchor="ctr"/>
+              <a:lstStyle/>
+              <a:p>
+                <a:pPr algn="ctr"/>
+                <a:endParaRPr lang="de-DE"/>
+              </a:p>
+            </p:txBody>
+          </p:sp>
+          <p:sp>
+            <p:nvSpPr>
+              <p:cNvPr id="130" name="Explosion: 14 Zacken 129">
+                <a:extLst>
+                  <a:ext uri="{FF2B5EF4-FFF2-40B4-BE49-F238E27FC236}">
+                    <a16:creationId xmlns:a16="http://schemas.microsoft.com/office/drawing/2014/main" id="{598E6621-C963-45AC-B874-A0BF5065A4E1}"/>
+                  </a:ext>
+                </a:extLst>
+              </p:cNvPr>
+              <p:cNvSpPr/>
+              <p:nvPr/>
+            </p:nvSpPr>
+            <p:spPr>
+              <a:xfrm rot="1034770">
+                <a:off x="9591143" y="2331437"/>
+                <a:ext cx="199055" cy="182403"/>
+              </a:xfrm>
+              <a:prstGeom prst="irregularSeal2">
+                <a:avLst/>
+              </a:prstGeom>
+              <a:gradFill flip="none" rotWithShape="1">
+                <a:gsLst>
+                  <a:gs pos="0">
+                    <a:schemeClr val="accent4">
+                      <a:lumMod val="60000"/>
+                      <a:lumOff val="40000"/>
+                    </a:schemeClr>
+                  </a:gs>
+                  <a:gs pos="50000">
+                    <a:schemeClr val="accent2">
+                      <a:lumMod val="75000"/>
+                    </a:schemeClr>
+                  </a:gs>
+                  <a:gs pos="100000">
+                    <a:srgbClr val="960000"/>
+                  </a:gs>
+                </a:gsLst>
+                <a:lin ang="2700000" scaled="1"/>
+                <a:tileRect/>
+              </a:gradFill>
+              <a:ln>
+                <a:noFill/>
+              </a:ln>
+            </p:spPr>
+            <p:style>
+              <a:lnRef idx="2">
+                <a:schemeClr val="accent1">
+                  <a:shade val="50000"/>
+                </a:schemeClr>
+              </a:lnRef>
+              <a:fillRef idx="1">
+                <a:schemeClr val="accent1"/>
+              </a:fillRef>
+              <a:effectRef idx="0">
+                <a:schemeClr val="accent1"/>
+              </a:effectRef>
+              <a:fontRef idx="minor">
+                <a:schemeClr val="lt1"/>
+              </a:fontRef>
+            </p:style>
+            <p:txBody>
+              <a:bodyPr rtlCol="0" anchor="ctr"/>
+              <a:lstStyle/>
+              <a:p>
+                <a:pPr algn="ctr"/>
+                <a:endParaRPr lang="de-DE"/>
+              </a:p>
+            </p:txBody>
+          </p:sp>
+          <p:sp>
+            <p:nvSpPr>
+              <p:cNvPr id="131" name="Explosion: 14 Zacken 130">
+                <a:extLst>
+                  <a:ext uri="{FF2B5EF4-FFF2-40B4-BE49-F238E27FC236}">
+                    <a16:creationId xmlns:a16="http://schemas.microsoft.com/office/drawing/2014/main" id="{CB81B7A0-9168-47E5-A0DD-0BE794313453}"/>
+                  </a:ext>
+                </a:extLst>
+              </p:cNvPr>
+              <p:cNvSpPr/>
+              <p:nvPr/>
+            </p:nvSpPr>
+            <p:spPr>
+              <a:xfrm rot="1034770">
+                <a:off x="9124361" y="2520321"/>
+                <a:ext cx="199055" cy="182403"/>
+              </a:xfrm>
+              <a:prstGeom prst="irregularSeal2">
+                <a:avLst/>
+              </a:prstGeom>
+              <a:gradFill flip="none" rotWithShape="1">
+                <a:gsLst>
+                  <a:gs pos="0">
+                    <a:schemeClr val="accent4">
+                      <a:lumMod val="60000"/>
+                      <a:lumOff val="40000"/>
+                    </a:schemeClr>
+                  </a:gs>
+                  <a:gs pos="50000">
+                    <a:schemeClr val="accent2">
+                      <a:lumMod val="75000"/>
+                    </a:schemeClr>
+                  </a:gs>
+                  <a:gs pos="100000">
+                    <a:srgbClr val="960000"/>
+                  </a:gs>
+                </a:gsLst>
+                <a:lin ang="2700000" scaled="1"/>
+                <a:tileRect/>
+              </a:gradFill>
+              <a:ln>
+                <a:noFill/>
+              </a:ln>
+            </p:spPr>
+            <p:style>
+              <a:lnRef idx="2">
+                <a:schemeClr val="accent1">
+                  <a:shade val="50000"/>
+                </a:schemeClr>
+              </a:lnRef>
+              <a:fillRef idx="1">
+                <a:schemeClr val="accent1"/>
+              </a:fillRef>
+              <a:effectRef idx="0">
+                <a:schemeClr val="accent1"/>
+              </a:effectRef>
+              <a:fontRef idx="minor">
+                <a:schemeClr val="lt1"/>
+              </a:fontRef>
+            </p:style>
+            <p:txBody>
+              <a:bodyPr rtlCol="0" anchor="ctr"/>
+              <a:lstStyle/>
+              <a:p>
+                <a:pPr algn="ctr"/>
+                <a:endParaRPr lang="de-DE"/>
+              </a:p>
+            </p:txBody>
+          </p:sp>
+          <p:sp>
+            <p:nvSpPr>
+              <p:cNvPr id="132" name="Bogen 131">
+                <a:extLst>
+                  <a:ext uri="{FF2B5EF4-FFF2-40B4-BE49-F238E27FC236}">
+                    <a16:creationId xmlns:a16="http://schemas.microsoft.com/office/drawing/2014/main" id="{7F49257C-4A09-45D8-B99B-5879B4A2EEFF}"/>
+                  </a:ext>
+                </a:extLst>
+              </p:cNvPr>
+              <p:cNvSpPr/>
+              <p:nvPr/>
+            </p:nvSpPr>
+            <p:spPr>
+              <a:xfrm>
+                <a:off x="8246293" y="2352949"/>
+                <a:ext cx="1469647" cy="715813"/>
+              </a:xfrm>
+              <a:prstGeom prst="arc">
+                <a:avLst>
+                  <a:gd name="adj1" fmla="val 20473317"/>
+                  <a:gd name="adj2" fmla="val 125493"/>
+                </a:avLst>
+              </a:prstGeom>
+              <a:ln>
+                <a:noFill/>
+              </a:ln>
+            </p:spPr>
+            <p:style>
+              <a:lnRef idx="1">
+                <a:schemeClr val="accent1"/>
+              </a:lnRef>
+              <a:fillRef idx="0">
+                <a:schemeClr val="accent1"/>
+              </a:fillRef>
+              <a:effectRef idx="0">
+                <a:schemeClr val="accent1"/>
+              </a:effectRef>
+              <a:fontRef idx="minor">
+                <a:schemeClr val="tx1"/>
+              </a:fontRef>
+            </p:style>
+            <p:txBody>
+              <a:bodyPr rtlCol="0" anchor="ctr"/>
+              <a:lstStyle/>
+              <a:p>
+                <a:pPr algn="ctr"/>
+                <a:endParaRPr lang="de-DE"/>
+              </a:p>
+            </p:txBody>
+          </p:sp>
+          <p:sp>
+            <p:nvSpPr>
+              <p:cNvPr id="133" name="Bogen 132">
+                <a:extLst>
+                  <a:ext uri="{FF2B5EF4-FFF2-40B4-BE49-F238E27FC236}">
+                    <a16:creationId xmlns:a16="http://schemas.microsoft.com/office/drawing/2014/main" id="{27143571-2D89-4CF0-B6BB-E147E7E79705}"/>
+                  </a:ext>
+                </a:extLst>
+              </p:cNvPr>
+              <p:cNvSpPr/>
+              <p:nvPr/>
+            </p:nvSpPr>
+            <p:spPr>
+              <a:xfrm>
+                <a:off x="8248457" y="2138879"/>
+                <a:ext cx="1469647" cy="1039937"/>
+              </a:xfrm>
+              <a:prstGeom prst="arc">
+                <a:avLst>
+                  <a:gd name="adj1" fmla="val 20473317"/>
+                  <a:gd name="adj2" fmla="val 125493"/>
+                </a:avLst>
+              </a:prstGeom>
+              <a:ln>
+                <a:noFill/>
+              </a:ln>
+            </p:spPr>
+            <p:style>
+              <a:lnRef idx="1">
+                <a:schemeClr val="accent1"/>
+              </a:lnRef>
+              <a:fillRef idx="0">
+                <a:schemeClr val="accent1"/>
+              </a:fillRef>
+              <a:effectRef idx="0">
+                <a:schemeClr val="accent1"/>
+              </a:effectRef>
+              <a:fontRef idx="minor">
+                <a:schemeClr val="tx1"/>
+              </a:fontRef>
+            </p:style>
+            <p:txBody>
+              <a:bodyPr rtlCol="0" anchor="ctr"/>
+              <a:lstStyle/>
+              <a:p>
+                <a:pPr algn="ctr"/>
+                <a:endParaRPr lang="de-DE"/>
+              </a:p>
+            </p:txBody>
+          </p:sp>
+        </p:grpSp>
+      </p:grpSp>
+      <p:grpSp>
+        <p:nvGrpSpPr>
+          <p:cNvPr id="164" name="Gruppieren 163">
+            <a:extLst>
+              <a:ext uri="{FF2B5EF4-FFF2-40B4-BE49-F238E27FC236}">
+                <a16:creationId xmlns:a16="http://schemas.microsoft.com/office/drawing/2014/main" id="{F1092F03-84EB-48B1-8634-02AD5F5055D1}"/>
+              </a:ext>
+            </a:extLst>
+          </p:cNvPr>
+          <p:cNvGrpSpPr/>
+          <p:nvPr/>
+        </p:nvGrpSpPr>
+        <p:grpSpPr>
+          <a:xfrm>
+            <a:off x="4378523" y="89350"/>
+            <a:ext cx="396000" cy="396000"/>
+            <a:chOff x="4378523" y="89350"/>
+            <a:chExt cx="396000" cy="396000"/>
+          </a:xfrm>
+        </p:grpSpPr>
+        <p:grpSp>
+          <p:nvGrpSpPr>
+            <p:cNvPr id="57" name="Gruppieren 56">
+              <a:extLst>
+                <a:ext uri="{FF2B5EF4-FFF2-40B4-BE49-F238E27FC236}">
+                  <a16:creationId xmlns:a16="http://schemas.microsoft.com/office/drawing/2014/main" id="{184931F8-34C8-45D0-9F62-CEBC0DB2FDBA}"/>
+                </a:ext>
+              </a:extLst>
+            </p:cNvPr>
+            <p:cNvGrpSpPr/>
+            <p:nvPr/>
+          </p:nvGrpSpPr>
+          <p:grpSpPr>
+            <a:xfrm>
+              <a:off x="4378523" y="89350"/>
+              <a:ext cx="396000" cy="396000"/>
+              <a:chOff x="7887875" y="2438299"/>
+              <a:chExt cx="396000" cy="396000"/>
+            </a:xfrm>
+          </p:grpSpPr>
+          <p:sp>
+            <p:nvSpPr>
+              <p:cNvPr id="53" name="Rechteck 52">
+                <a:extLst>
+                  <a:ext uri="{FF2B5EF4-FFF2-40B4-BE49-F238E27FC236}">
+                    <a16:creationId xmlns:a16="http://schemas.microsoft.com/office/drawing/2014/main" id="{8CBBE64D-97D5-4872-A0F9-7CB43B978866}"/>
+                  </a:ext>
+                </a:extLst>
+              </p:cNvPr>
+              <p:cNvSpPr/>
+              <p:nvPr/>
+            </p:nvSpPr>
+            <p:spPr>
+              <a:xfrm>
+                <a:off x="7887875" y="2438299"/>
+                <a:ext cx="396000" cy="396000"/>
+              </a:xfrm>
+              <a:prstGeom prst="rect">
+                <a:avLst/>
+              </a:prstGeom>
+              <a:solidFill>
+                <a:schemeClr val="bg2">
+                  <a:lumMod val="90000"/>
+                </a:schemeClr>
+              </a:solidFill>
+              <a:ln>
+                <a:noFill/>
+              </a:ln>
+              <a:scene3d>
+                <a:camera prst="orthographicFront"/>
+                <a:lightRig rig="threePt" dir="t"/>
+              </a:scene3d>
+              <a:sp3d>
+                <a:bevelT prst="angle"/>
+              </a:sp3d>
+            </p:spPr>
+            <p:style>
+              <a:lnRef idx="2">
+                <a:schemeClr val="accent1">
+                  <a:shade val="50000"/>
+                </a:schemeClr>
+              </a:lnRef>
+              <a:fillRef idx="1">
+                <a:schemeClr val="accent1"/>
+              </a:fillRef>
+              <a:effectRef idx="0">
+                <a:schemeClr val="accent1"/>
+              </a:effectRef>
+              <a:fontRef idx="minor">
+                <a:schemeClr val="lt1"/>
+              </a:fontRef>
+            </p:style>
+            <p:txBody>
+              <a:bodyPr rtlCol="0" anchor="ctr"/>
+              <a:lstStyle/>
+              <a:p>
+                <a:pPr algn="ctr"/>
+                <a:endParaRPr lang="de-DE"/>
+              </a:p>
+            </p:txBody>
+          </p:sp>
+          <p:sp>
+            <p:nvSpPr>
+              <p:cNvPr id="54" name="Rechteck 53">
+                <a:extLst>
+                  <a:ext uri="{FF2B5EF4-FFF2-40B4-BE49-F238E27FC236}">
+                    <a16:creationId xmlns:a16="http://schemas.microsoft.com/office/drawing/2014/main" id="{800B02D9-9733-46E0-B1F6-A05E1BD8536B}"/>
+                  </a:ext>
+                </a:extLst>
+              </p:cNvPr>
+              <p:cNvSpPr/>
+              <p:nvPr/>
+            </p:nvSpPr>
+            <p:spPr>
+              <a:xfrm>
+                <a:off x="7887875" y="2438299"/>
+                <a:ext cx="396000" cy="396000"/>
+              </a:xfrm>
+              <a:prstGeom prst="rect">
+                <a:avLst/>
+              </a:prstGeom>
+              <a:blipFill>
+                <a:blip r:embed="rId6">
+                  <a:alphaModFix amt="64000"/>
+                </a:blip>
+                <a:stretch>
+                  <a:fillRect/>
+                </a:stretch>
+              </a:blipFill>
+              <a:ln>
+                <a:noFill/>
+              </a:ln>
+              <a:scene3d>
+                <a:camera prst="orthographicFront"/>
+                <a:lightRig rig="threePt" dir="t"/>
+              </a:scene3d>
+              <a:sp3d>
+                <a:bevelT prst="angle"/>
+              </a:sp3d>
+            </p:spPr>
+            <p:style>
+              <a:lnRef idx="2">
+                <a:schemeClr val="accent1">
+                  <a:shade val="50000"/>
+                </a:schemeClr>
+              </a:lnRef>
+              <a:fillRef idx="1">
+                <a:schemeClr val="accent1"/>
+              </a:fillRef>
+              <a:effectRef idx="0">
+                <a:schemeClr val="accent1"/>
+              </a:effectRef>
+              <a:fontRef idx="minor">
+                <a:schemeClr val="lt1"/>
+              </a:fontRef>
+            </p:style>
+            <p:txBody>
+              <a:bodyPr rtlCol="0" anchor="ctr"/>
+              <a:lstStyle/>
+              <a:p>
+                <a:pPr algn="ctr"/>
+                <a:endParaRPr lang="de-DE" dirty="0"/>
+              </a:p>
+            </p:txBody>
+          </p:sp>
+        </p:grpSp>
+        <p:grpSp>
+          <p:nvGrpSpPr>
+            <p:cNvPr id="139" name="Gruppieren 138">
+              <a:extLst>
+                <a:ext uri="{FF2B5EF4-FFF2-40B4-BE49-F238E27FC236}">
+                  <a16:creationId xmlns:a16="http://schemas.microsoft.com/office/drawing/2014/main" id="{3BC1DD25-209D-44DB-9B28-F98FE2E261FF}"/>
+                </a:ext>
+              </a:extLst>
+            </p:cNvPr>
+            <p:cNvGrpSpPr/>
+            <p:nvPr/>
+          </p:nvGrpSpPr>
+          <p:grpSpPr>
+            <a:xfrm>
+              <a:off x="4450523" y="170702"/>
+              <a:ext cx="252000" cy="252000"/>
+              <a:chOff x="4898952" y="2162175"/>
+              <a:chExt cx="2621673" cy="2520000"/>
+            </a:xfrm>
+          </p:grpSpPr>
+          <p:grpSp>
+            <p:nvGrpSpPr>
+              <p:cNvPr id="140" name="Gruppieren 139">
+                <a:extLst>
+                  <a:ext uri="{FF2B5EF4-FFF2-40B4-BE49-F238E27FC236}">
+                    <a16:creationId xmlns:a16="http://schemas.microsoft.com/office/drawing/2014/main" id="{AC70E437-B0AC-42B0-9F43-41A35A3E322A}"/>
+                  </a:ext>
+                </a:extLst>
+              </p:cNvPr>
+              <p:cNvGrpSpPr/>
+              <p:nvPr/>
+            </p:nvGrpSpPr>
+            <p:grpSpPr>
+              <a:xfrm rot="2956014">
+                <a:off x="5450601" y="2231951"/>
+                <a:ext cx="1290798" cy="2394096"/>
+                <a:chOff x="1931114" y="712362"/>
+                <a:chExt cx="1290798" cy="2394096"/>
+              </a:xfrm>
+            </p:grpSpPr>
+            <p:sp>
+              <p:nvSpPr>
+                <p:cNvPr id="142" name="Diagonaler Streifen 141">
+                  <a:extLst>
+                    <a:ext uri="{FF2B5EF4-FFF2-40B4-BE49-F238E27FC236}">
+                      <a16:creationId xmlns:a16="http://schemas.microsoft.com/office/drawing/2014/main" id="{4C28D89D-D37B-491C-B5F1-503C1444C9DB}"/>
+                    </a:ext>
+                  </a:extLst>
+                </p:cNvPr>
+                <p:cNvSpPr/>
+                <p:nvPr/>
+              </p:nvSpPr>
+              <p:spPr>
+                <a:xfrm rot="2700783">
+                  <a:off x="2122353" y="711892"/>
+                  <a:ext cx="898791" cy="899731"/>
+                </a:xfrm>
+                <a:prstGeom prst="diagStripe">
+                  <a:avLst>
+                    <a:gd name="adj" fmla="val 72097"/>
+                  </a:avLst>
+                </a:prstGeom>
+                <a:solidFill>
+                  <a:schemeClr val="bg1">
+                    <a:lumMod val="85000"/>
+                  </a:schemeClr>
+                </a:solidFill>
+                <a:ln>
+                  <a:noFill/>
+                </a:ln>
+              </p:spPr>
+              <p:style>
+                <a:lnRef idx="2">
+                  <a:schemeClr val="accent1">
+                    <a:shade val="50000"/>
+                  </a:schemeClr>
+                </a:lnRef>
+                <a:fillRef idx="1">
+                  <a:schemeClr val="accent1"/>
+                </a:fillRef>
+                <a:effectRef idx="0">
+                  <a:schemeClr val="accent1"/>
+                </a:effectRef>
+                <a:fontRef idx="minor">
+                  <a:schemeClr val="lt1"/>
+                </a:fontRef>
+              </p:style>
+              <p:txBody>
+                <a:bodyPr rtlCol="0" anchor="ctr"/>
+                <a:lstStyle/>
+                <a:p>
+                  <a:pPr algn="ctr"/>
+                  <a:endParaRPr lang="de-DE">
+                    <a:solidFill>
+                      <a:schemeClr val="tx1"/>
+                    </a:solidFill>
+                  </a:endParaRPr>
+                </a:p>
+              </p:txBody>
+            </p:sp>
+            <p:sp>
+              <p:nvSpPr>
+                <p:cNvPr id="143" name="Parallelogramm 142">
+                  <a:extLst>
+                    <a:ext uri="{FF2B5EF4-FFF2-40B4-BE49-F238E27FC236}">
+                      <a16:creationId xmlns:a16="http://schemas.microsoft.com/office/drawing/2014/main" id="{8C5C2AAC-F35B-4D91-8512-2262922014FA}"/>
+                    </a:ext>
+                  </a:extLst>
+                </p:cNvPr>
+                <p:cNvSpPr/>
+                <p:nvPr/>
+              </p:nvSpPr>
+              <p:spPr>
+                <a:xfrm flipV="1">
+                  <a:off x="1931114" y="1161946"/>
+                  <a:ext cx="593011" cy="45719"/>
+                </a:xfrm>
+                <a:prstGeom prst="parallelogram">
+                  <a:avLst/>
+                </a:prstGeom>
+                <a:solidFill>
+                  <a:schemeClr val="accent3">
+                    <a:lumMod val="50000"/>
+                  </a:schemeClr>
+                </a:solidFill>
+                <a:ln>
+                  <a:noFill/>
+                </a:ln>
+              </p:spPr>
+              <p:style>
+                <a:lnRef idx="2">
+                  <a:schemeClr val="accent1">
+                    <a:shade val="50000"/>
+                  </a:schemeClr>
+                </a:lnRef>
+                <a:fillRef idx="1">
+                  <a:schemeClr val="accent1"/>
+                </a:fillRef>
+                <a:effectRef idx="0">
+                  <a:schemeClr val="accent1"/>
+                </a:effectRef>
+                <a:fontRef idx="minor">
+                  <a:schemeClr val="lt1"/>
+                </a:fontRef>
+              </p:style>
+              <p:txBody>
+                <a:bodyPr rtlCol="0" anchor="ctr"/>
+                <a:lstStyle/>
+                <a:p>
+                  <a:pPr algn="ctr"/>
+                  <a:endParaRPr lang="de-DE"/>
+                </a:p>
+              </p:txBody>
+            </p:sp>
+            <p:sp>
+              <p:nvSpPr>
+                <p:cNvPr id="144" name="Parallelogramm 143">
+                  <a:extLst>
+                    <a:ext uri="{FF2B5EF4-FFF2-40B4-BE49-F238E27FC236}">
+                      <a16:creationId xmlns:a16="http://schemas.microsoft.com/office/drawing/2014/main" id="{6F33576C-3B5C-430C-A8CB-14DFF59F4111}"/>
+                    </a:ext>
+                  </a:extLst>
+                </p:cNvPr>
+                <p:cNvSpPr/>
+                <p:nvPr/>
+              </p:nvSpPr>
+              <p:spPr>
+                <a:xfrm flipV="1">
+                  <a:off x="2614614" y="1161945"/>
+                  <a:ext cx="607298" cy="45719"/>
+                </a:xfrm>
+                <a:prstGeom prst="parallelogram">
+                  <a:avLst/>
+                </a:prstGeom>
+                <a:solidFill>
+                  <a:schemeClr val="accent3">
+                    <a:lumMod val="50000"/>
+                  </a:schemeClr>
+                </a:solidFill>
+                <a:ln>
+                  <a:noFill/>
+                </a:ln>
+              </p:spPr>
+              <p:style>
+                <a:lnRef idx="2">
+                  <a:schemeClr val="accent1">
+                    <a:shade val="50000"/>
+                  </a:schemeClr>
+                </a:lnRef>
+                <a:fillRef idx="1">
+                  <a:schemeClr val="accent1"/>
+                </a:fillRef>
+                <a:effectRef idx="0">
+                  <a:schemeClr val="accent1"/>
+                </a:effectRef>
+                <a:fontRef idx="minor">
+                  <a:schemeClr val="lt1"/>
+                </a:fontRef>
+              </p:style>
+              <p:txBody>
+                <a:bodyPr rtlCol="0" anchor="ctr"/>
+                <a:lstStyle/>
+                <a:p>
+                  <a:pPr algn="ctr"/>
+                  <a:endParaRPr lang="de-DE"/>
+                </a:p>
+              </p:txBody>
+            </p:sp>
+            <p:sp>
+              <p:nvSpPr>
+                <p:cNvPr id="145" name="Rechteck 144">
+                  <a:extLst>
+                    <a:ext uri="{FF2B5EF4-FFF2-40B4-BE49-F238E27FC236}">
+                      <a16:creationId xmlns:a16="http://schemas.microsoft.com/office/drawing/2014/main" id="{ADD45A08-3EA9-4F42-A7A4-681E68A9262E}"/>
+                    </a:ext>
+                  </a:extLst>
+                </p:cNvPr>
+                <p:cNvSpPr/>
+                <p:nvPr/>
+              </p:nvSpPr>
+              <p:spPr>
+                <a:xfrm>
+                  <a:off x="2471737" y="962025"/>
+                  <a:ext cx="174789" cy="2144433"/>
+                </a:xfrm>
+                <a:prstGeom prst="rect">
+                  <a:avLst/>
+                </a:prstGeom>
+                <a:solidFill>
+                  <a:schemeClr val="bg1">
+                    <a:lumMod val="85000"/>
+                  </a:schemeClr>
+                </a:solidFill>
+                <a:ln>
+                  <a:noFill/>
+                </a:ln>
+              </p:spPr>
+              <p:style>
+                <a:lnRef idx="2">
+                  <a:schemeClr val="accent1">
+                    <a:shade val="50000"/>
+                  </a:schemeClr>
+                </a:lnRef>
+                <a:fillRef idx="1">
+                  <a:schemeClr val="accent1"/>
+                </a:fillRef>
+                <a:effectRef idx="0">
+                  <a:schemeClr val="accent1"/>
+                </a:effectRef>
+                <a:fontRef idx="minor">
+                  <a:schemeClr val="lt1"/>
+                </a:fontRef>
+              </p:style>
+              <p:txBody>
+                <a:bodyPr rtlCol="0" anchor="ctr"/>
+                <a:lstStyle/>
+                <a:p>
+                  <a:pPr algn="ctr"/>
+                  <a:endParaRPr lang="de-DE"/>
+                </a:p>
+              </p:txBody>
+            </p:sp>
+            <p:cxnSp>
+              <p:nvCxnSpPr>
+                <p:cNvPr id="146" name="Gerader Verbinder 145">
+                  <a:extLst>
+                    <a:ext uri="{FF2B5EF4-FFF2-40B4-BE49-F238E27FC236}">
+                      <a16:creationId xmlns:a16="http://schemas.microsoft.com/office/drawing/2014/main" id="{F55C9DC0-B241-4F3F-BAAD-A0EEFD9876BF}"/>
+                    </a:ext>
+                  </a:extLst>
+                </p:cNvPr>
+                <p:cNvCxnSpPr>
+                  <a:cxnSpLocks/>
+                </p:cNvCxnSpPr>
+                <p:nvPr/>
+              </p:nvCxnSpPr>
+              <p:spPr>
+                <a:xfrm>
+                  <a:off x="2460784" y="1161946"/>
+                  <a:ext cx="220504" cy="0"/>
+                </a:xfrm>
+                <a:prstGeom prst="line">
+                  <a:avLst/>
+                </a:prstGeom>
+                <a:solidFill>
+                  <a:schemeClr val="bg1">
+                    <a:lumMod val="85000"/>
+                  </a:schemeClr>
+                </a:solidFill>
+                <a:ln w="12700">
+                  <a:noFill/>
+                </a:ln>
+              </p:spPr>
+              <p:style>
+                <a:lnRef idx="1">
+                  <a:schemeClr val="accent1"/>
+                </a:lnRef>
+                <a:fillRef idx="0">
+                  <a:schemeClr val="accent1"/>
+                </a:fillRef>
+                <a:effectRef idx="0">
+                  <a:schemeClr val="accent1"/>
+                </a:effectRef>
+                <a:fontRef idx="minor">
+                  <a:schemeClr val="tx1"/>
+                </a:fontRef>
+              </p:style>
+            </p:cxnSp>
+          </p:grpSp>
+          <p:sp>
+            <p:nvSpPr>
+              <p:cNvPr id="141" name="Rechteck 140">
+                <a:extLst>
+                  <a:ext uri="{FF2B5EF4-FFF2-40B4-BE49-F238E27FC236}">
+                    <a16:creationId xmlns:a16="http://schemas.microsoft.com/office/drawing/2014/main" id="{7372A43D-C5DF-47B2-9889-E3F1769A2FE0}"/>
+                  </a:ext>
+                </a:extLst>
+              </p:cNvPr>
+              <p:cNvSpPr/>
+              <p:nvPr/>
+            </p:nvSpPr>
+            <p:spPr>
+              <a:xfrm>
+                <a:off x="5000625" y="2162175"/>
+                <a:ext cx="2520000" cy="2520000"/>
+              </a:xfrm>
+              <a:prstGeom prst="rect">
+                <a:avLst/>
+              </a:prstGeom>
+              <a:noFill/>
+              <a:ln>
+                <a:noFill/>
+              </a:ln>
+            </p:spPr>
+            <p:style>
+              <a:lnRef idx="2">
+                <a:schemeClr val="accent1">
+                  <a:shade val="50000"/>
+                </a:schemeClr>
+              </a:lnRef>
+              <a:fillRef idx="1">
+                <a:schemeClr val="accent1"/>
+              </a:fillRef>
+              <a:effectRef idx="0">
+                <a:schemeClr val="accent1"/>
+              </a:effectRef>
+              <a:fontRef idx="minor">
+                <a:schemeClr val="lt1"/>
+              </a:fontRef>
+            </p:style>
+            <p:txBody>
+              <a:bodyPr rtlCol="0" anchor="ctr"/>
+              <a:lstStyle/>
+              <a:p>
+                <a:pPr algn="ctr"/>
+                <a:endParaRPr lang="de-DE"/>
+              </a:p>
+            </p:txBody>
+          </p:sp>
+        </p:grpSp>
+      </p:grpSp>
+      <p:grpSp>
+        <p:nvGrpSpPr>
+          <p:cNvPr id="147" name="Gruppieren 146">
+            <a:extLst>
+              <a:ext uri="{FF2B5EF4-FFF2-40B4-BE49-F238E27FC236}">
+                <a16:creationId xmlns:a16="http://schemas.microsoft.com/office/drawing/2014/main" id="{45E1FCE3-2523-4291-A699-9E3FF12A6726}"/>
+              </a:ext>
+            </a:extLst>
+          </p:cNvPr>
+          <p:cNvGrpSpPr/>
+          <p:nvPr/>
+        </p:nvGrpSpPr>
+        <p:grpSpPr>
+          <a:xfrm>
+            <a:off x="3885893" y="1768271"/>
+            <a:ext cx="252000" cy="252000"/>
+            <a:chOff x="8149141" y="747032"/>
+            <a:chExt cx="2520000" cy="2520000"/>
+          </a:xfrm>
+        </p:grpSpPr>
+        <p:grpSp>
+          <p:nvGrpSpPr>
+            <p:cNvPr id="148" name="Gruppieren 147">
+              <a:extLst>
+                <a:ext uri="{FF2B5EF4-FFF2-40B4-BE49-F238E27FC236}">
+                  <a16:creationId xmlns:a16="http://schemas.microsoft.com/office/drawing/2014/main" id="{2C1CB166-3CDE-48ED-9506-927B7E48B95C}"/>
+                </a:ext>
+              </a:extLst>
+            </p:cNvPr>
+            <p:cNvGrpSpPr/>
+            <p:nvPr/>
+          </p:nvGrpSpPr>
+          <p:grpSpPr>
+            <a:xfrm rot="6559911">
+              <a:off x="8677296" y="927085"/>
+              <a:ext cx="1290798" cy="2228396"/>
+              <a:chOff x="1931114" y="712362"/>
+              <a:chExt cx="1290798" cy="2228396"/>
+            </a:xfrm>
+          </p:grpSpPr>
+          <p:sp>
+            <p:nvSpPr>
+              <p:cNvPr id="158" name="Diagonaler Streifen 157">
+                <a:extLst>
+                  <a:ext uri="{FF2B5EF4-FFF2-40B4-BE49-F238E27FC236}">
+                    <a16:creationId xmlns:a16="http://schemas.microsoft.com/office/drawing/2014/main" id="{BD21F8BE-F2F7-4454-8ACB-20A2364126BD}"/>
+                  </a:ext>
+                </a:extLst>
+              </p:cNvPr>
+              <p:cNvSpPr/>
+              <p:nvPr/>
+            </p:nvSpPr>
+            <p:spPr>
+              <a:xfrm rot="2700783">
+                <a:off x="2122353" y="711892"/>
+                <a:ext cx="898791" cy="899731"/>
+              </a:xfrm>
+              <a:prstGeom prst="diagStripe">
+                <a:avLst>
+                  <a:gd name="adj" fmla="val 72097"/>
+                </a:avLst>
+              </a:prstGeom>
+              <a:solidFill>
+                <a:schemeClr val="bg1">
+                  <a:lumMod val="85000"/>
+                </a:schemeClr>
+              </a:solidFill>
+              <a:ln>
+                <a:noFill/>
+              </a:ln>
+            </p:spPr>
+            <p:style>
+              <a:lnRef idx="2">
+                <a:schemeClr val="accent1">
+                  <a:shade val="50000"/>
+                </a:schemeClr>
+              </a:lnRef>
+              <a:fillRef idx="1">
+                <a:schemeClr val="accent1"/>
+              </a:fillRef>
+              <a:effectRef idx="0">
+                <a:schemeClr val="accent1"/>
+              </a:effectRef>
+              <a:fontRef idx="minor">
+                <a:schemeClr val="lt1"/>
+              </a:fontRef>
+            </p:style>
+            <p:txBody>
+              <a:bodyPr rtlCol="0" anchor="ctr"/>
+              <a:lstStyle/>
+              <a:p>
+                <a:pPr algn="ctr"/>
+                <a:endParaRPr lang="de-DE">
+                  <a:solidFill>
+                    <a:schemeClr val="tx1"/>
+                  </a:solidFill>
+                </a:endParaRPr>
+              </a:p>
+            </p:txBody>
+          </p:sp>
+          <p:sp>
+            <p:nvSpPr>
+              <p:cNvPr id="159" name="Parallelogramm 158">
+                <a:extLst>
+                  <a:ext uri="{FF2B5EF4-FFF2-40B4-BE49-F238E27FC236}">
+                    <a16:creationId xmlns:a16="http://schemas.microsoft.com/office/drawing/2014/main" id="{8298D476-0CA0-4D0D-AEAA-0B5FEC991079}"/>
+                  </a:ext>
+                </a:extLst>
+              </p:cNvPr>
+              <p:cNvSpPr/>
+              <p:nvPr/>
+            </p:nvSpPr>
+            <p:spPr>
+              <a:xfrm flipV="1">
+                <a:off x="1931114" y="1161946"/>
+                <a:ext cx="593011" cy="45719"/>
+              </a:xfrm>
+              <a:prstGeom prst="parallelogram">
+                <a:avLst/>
+              </a:prstGeom>
+              <a:solidFill>
+                <a:schemeClr val="accent3">
+                  <a:lumMod val="50000"/>
+                </a:schemeClr>
+              </a:solidFill>
+              <a:ln>
+                <a:noFill/>
+              </a:ln>
+            </p:spPr>
+            <p:style>
+              <a:lnRef idx="2">
+                <a:schemeClr val="accent1">
+                  <a:shade val="50000"/>
+                </a:schemeClr>
+              </a:lnRef>
+              <a:fillRef idx="1">
+                <a:schemeClr val="accent1"/>
+              </a:fillRef>
+              <a:effectRef idx="0">
+                <a:schemeClr val="accent1"/>
+              </a:effectRef>
+              <a:fontRef idx="minor">
+                <a:schemeClr val="lt1"/>
+              </a:fontRef>
+            </p:style>
+            <p:txBody>
+              <a:bodyPr rtlCol="0" anchor="ctr"/>
+              <a:lstStyle/>
+              <a:p>
+                <a:pPr algn="ctr"/>
+                <a:endParaRPr lang="de-DE"/>
+              </a:p>
+            </p:txBody>
+          </p:sp>
+          <p:sp>
+            <p:nvSpPr>
+              <p:cNvPr id="160" name="Parallelogramm 159">
+                <a:extLst>
+                  <a:ext uri="{FF2B5EF4-FFF2-40B4-BE49-F238E27FC236}">
+                    <a16:creationId xmlns:a16="http://schemas.microsoft.com/office/drawing/2014/main" id="{F3D5593C-924C-4C30-8107-F11761141CBC}"/>
+                  </a:ext>
+                </a:extLst>
+              </p:cNvPr>
+              <p:cNvSpPr/>
+              <p:nvPr/>
+            </p:nvSpPr>
+            <p:spPr>
+              <a:xfrm flipV="1">
+                <a:off x="2614614" y="1161945"/>
+                <a:ext cx="607298" cy="45719"/>
+              </a:xfrm>
+              <a:prstGeom prst="parallelogram">
+                <a:avLst/>
+              </a:prstGeom>
+              <a:solidFill>
+                <a:schemeClr val="accent3">
+                  <a:lumMod val="50000"/>
+                </a:schemeClr>
+              </a:solidFill>
+              <a:ln>
+                <a:noFill/>
+              </a:ln>
+            </p:spPr>
+            <p:style>
+              <a:lnRef idx="2">
+                <a:schemeClr val="accent1">
+                  <a:shade val="50000"/>
+                </a:schemeClr>
+              </a:lnRef>
+              <a:fillRef idx="1">
+                <a:schemeClr val="accent1"/>
+              </a:fillRef>
+              <a:effectRef idx="0">
+                <a:schemeClr val="accent1"/>
+              </a:effectRef>
+              <a:fontRef idx="minor">
+                <a:schemeClr val="lt1"/>
+              </a:fontRef>
+            </p:style>
+            <p:txBody>
+              <a:bodyPr rtlCol="0" anchor="ctr"/>
+              <a:lstStyle/>
+              <a:p>
+                <a:pPr algn="ctr"/>
+                <a:endParaRPr lang="de-DE"/>
+              </a:p>
+            </p:txBody>
+          </p:sp>
+          <p:sp>
+            <p:nvSpPr>
+              <p:cNvPr id="161" name="Rechteck 160">
+                <a:extLst>
+                  <a:ext uri="{FF2B5EF4-FFF2-40B4-BE49-F238E27FC236}">
+                    <a16:creationId xmlns:a16="http://schemas.microsoft.com/office/drawing/2014/main" id="{C48F2985-E78A-4CD7-967E-9FB5CB117B8F}"/>
+                  </a:ext>
+                </a:extLst>
+              </p:cNvPr>
+              <p:cNvSpPr/>
+              <p:nvPr/>
+            </p:nvSpPr>
+            <p:spPr>
+              <a:xfrm>
+                <a:off x="2471738" y="962027"/>
+                <a:ext cx="178189" cy="1978731"/>
+              </a:xfrm>
+              <a:prstGeom prst="rect">
+                <a:avLst/>
+              </a:prstGeom>
+              <a:solidFill>
+                <a:schemeClr val="bg1">
+                  <a:lumMod val="85000"/>
+                </a:schemeClr>
+              </a:solidFill>
+              <a:ln>
+                <a:noFill/>
+              </a:ln>
+            </p:spPr>
+            <p:style>
+              <a:lnRef idx="2">
+                <a:schemeClr val="accent1">
+                  <a:shade val="50000"/>
+                </a:schemeClr>
+              </a:lnRef>
+              <a:fillRef idx="1">
+                <a:schemeClr val="accent1"/>
+              </a:fillRef>
+              <a:effectRef idx="0">
+                <a:schemeClr val="accent1"/>
+              </a:effectRef>
+              <a:fontRef idx="minor">
+                <a:schemeClr val="lt1"/>
+              </a:fontRef>
+            </p:style>
+            <p:txBody>
+              <a:bodyPr rtlCol="0" anchor="ctr"/>
+              <a:lstStyle/>
+              <a:p>
+                <a:pPr algn="ctr"/>
+                <a:endParaRPr lang="de-DE"/>
+              </a:p>
+            </p:txBody>
+          </p:sp>
+          <p:cxnSp>
+            <p:nvCxnSpPr>
+              <p:cNvPr id="162" name="Gerader Verbinder 161">
+                <a:extLst>
+                  <a:ext uri="{FF2B5EF4-FFF2-40B4-BE49-F238E27FC236}">
+                    <a16:creationId xmlns:a16="http://schemas.microsoft.com/office/drawing/2014/main" id="{0482092B-7811-4A0A-8177-0FA7DCCB0F66}"/>
+                  </a:ext>
+                </a:extLst>
+              </p:cNvPr>
+              <p:cNvCxnSpPr>
+                <a:cxnSpLocks/>
+              </p:cNvCxnSpPr>
+              <p:nvPr/>
+            </p:nvCxnSpPr>
+            <p:spPr>
+              <a:xfrm>
+                <a:off x="2460784" y="1161946"/>
+                <a:ext cx="220504" cy="0"/>
+              </a:xfrm>
+              <a:prstGeom prst="line">
+                <a:avLst/>
+              </a:prstGeom>
+              <a:ln w="12700">
+                <a:noFill/>
+              </a:ln>
+            </p:spPr>
+            <p:style>
+              <a:lnRef idx="1">
+                <a:schemeClr val="accent1"/>
+              </a:lnRef>
+              <a:fillRef idx="0">
+                <a:schemeClr val="accent1"/>
+              </a:fillRef>
+              <a:effectRef idx="0">
+                <a:schemeClr val="accent1"/>
+              </a:effectRef>
+              <a:fontRef idx="minor">
+                <a:schemeClr val="tx1"/>
+              </a:fontRef>
+            </p:style>
+          </p:cxnSp>
+        </p:grpSp>
+        <p:sp>
+          <p:nvSpPr>
+            <p:cNvPr id="149" name="Rechteck 148">
+              <a:extLst>
+                <a:ext uri="{FF2B5EF4-FFF2-40B4-BE49-F238E27FC236}">
+                  <a16:creationId xmlns:a16="http://schemas.microsoft.com/office/drawing/2014/main" id="{06248C49-163F-46D7-8EFC-8F74D7623356}"/>
+                </a:ext>
+              </a:extLst>
+            </p:cNvPr>
+            <p:cNvSpPr/>
+            <p:nvPr/>
+          </p:nvSpPr>
+          <p:spPr>
+            <a:xfrm rot="4521">
+              <a:off x="8149141" y="747032"/>
+              <a:ext cx="2520000" cy="2520000"/>
+            </a:xfrm>
+            <a:prstGeom prst="rect">
+              <a:avLst/>
+            </a:prstGeom>
+            <a:noFill/>
+            <a:ln>
+              <a:noFill/>
+            </a:ln>
+          </p:spPr>
+          <p:style>
+            <a:lnRef idx="2">
+              <a:schemeClr val="accent1">
+                <a:shade val="50000"/>
+              </a:schemeClr>
+            </a:lnRef>
+            <a:fillRef idx="1">
+              <a:schemeClr val="accent1"/>
+            </a:fillRef>
+            <a:effectRef idx="0">
+              <a:schemeClr val="accent1"/>
+            </a:effectRef>
+            <a:fontRef idx="minor">
+              <a:schemeClr val="lt1"/>
+            </a:fontRef>
+          </p:style>
+          <p:txBody>
+            <a:bodyPr rtlCol="0" anchor="ctr"/>
+            <a:lstStyle/>
+            <a:p>
+              <a:pPr algn="ctr"/>
+              <a:endParaRPr lang="de-DE"/>
+            </a:p>
+          </p:txBody>
+        </p:sp>
+        <p:sp>
+          <p:nvSpPr>
+            <p:cNvPr id="150" name="Explosion: 14 Zacken 149">
+              <a:extLst>
+                <a:ext uri="{FF2B5EF4-FFF2-40B4-BE49-F238E27FC236}">
+                  <a16:creationId xmlns:a16="http://schemas.microsoft.com/office/drawing/2014/main" id="{8E448C9F-6448-4AAB-B5CB-CC4B86E21A62}"/>
+                </a:ext>
+              </a:extLst>
+            </p:cNvPr>
+            <p:cNvSpPr/>
+            <p:nvPr/>
+          </p:nvSpPr>
+          <p:spPr>
+            <a:xfrm rot="1034770">
+              <a:off x="9496221" y="2678008"/>
+              <a:ext cx="614849" cy="371237"/>
+            </a:xfrm>
+            <a:prstGeom prst="irregularSeal2">
+              <a:avLst/>
+            </a:prstGeom>
+            <a:gradFill flip="none" rotWithShape="1">
+              <a:gsLst>
+                <a:gs pos="0">
+                  <a:schemeClr val="accent4">
+                    <a:lumMod val="60000"/>
+                    <a:lumOff val="40000"/>
+                  </a:schemeClr>
+                </a:gs>
+                <a:gs pos="50000">
+                  <a:schemeClr val="accent2">
+                    <a:lumMod val="75000"/>
+                  </a:schemeClr>
+                </a:gs>
+                <a:gs pos="100000">
+                  <a:srgbClr val="960000"/>
+                </a:gs>
+              </a:gsLst>
+              <a:lin ang="2700000" scaled="1"/>
+              <a:tileRect/>
+            </a:gradFill>
+            <a:ln>
+              <a:noFill/>
+            </a:ln>
+          </p:spPr>
+          <p:style>
+            <a:lnRef idx="2">
+              <a:schemeClr val="accent1">
+                <a:shade val="50000"/>
+              </a:schemeClr>
+            </a:lnRef>
+            <a:fillRef idx="1">
+              <a:schemeClr val="accent1"/>
+            </a:fillRef>
+            <a:effectRef idx="0">
+              <a:schemeClr val="accent1"/>
+            </a:effectRef>
+            <a:fontRef idx="minor">
+              <a:schemeClr val="lt1"/>
+            </a:fontRef>
+          </p:style>
+          <p:txBody>
+            <a:bodyPr rtlCol="0" anchor="ctr"/>
+            <a:lstStyle/>
+            <a:p>
+              <a:pPr algn="ctr"/>
+              <a:endParaRPr lang="de-DE"/>
+            </a:p>
+          </p:txBody>
+        </p:sp>
+        <p:sp>
+          <p:nvSpPr>
+            <p:cNvPr id="151" name="Explosion: 14 Zacken 150">
+              <a:extLst>
+                <a:ext uri="{FF2B5EF4-FFF2-40B4-BE49-F238E27FC236}">
+                  <a16:creationId xmlns:a16="http://schemas.microsoft.com/office/drawing/2014/main" id="{B7BEDBA7-794D-48D2-8BDD-7C32FEBA2ED5}"/>
+                </a:ext>
+              </a:extLst>
+            </p:cNvPr>
+            <p:cNvSpPr/>
+            <p:nvPr/>
+          </p:nvSpPr>
+          <p:spPr>
+            <a:xfrm rot="1034770">
+              <a:off x="9457207" y="2535648"/>
+              <a:ext cx="199055" cy="182403"/>
+            </a:xfrm>
+            <a:prstGeom prst="irregularSeal2">
+              <a:avLst/>
+            </a:prstGeom>
+            <a:gradFill flip="none" rotWithShape="1">
+              <a:gsLst>
+                <a:gs pos="0">
+                  <a:schemeClr val="accent4">
+                    <a:lumMod val="60000"/>
+                    <a:lumOff val="40000"/>
+                  </a:schemeClr>
+                </a:gs>
+                <a:gs pos="50000">
+                  <a:schemeClr val="accent2">
+                    <a:lumMod val="75000"/>
+                  </a:schemeClr>
+                </a:gs>
+                <a:gs pos="100000">
+                  <a:srgbClr val="960000"/>
+                </a:gs>
+              </a:gsLst>
+              <a:lin ang="2700000" scaled="1"/>
+              <a:tileRect/>
+            </a:gradFill>
+            <a:ln>
+              <a:noFill/>
+            </a:ln>
+          </p:spPr>
+          <p:style>
+            <a:lnRef idx="2">
+              <a:schemeClr val="accent1">
+                <a:shade val="50000"/>
+              </a:schemeClr>
+            </a:lnRef>
+            <a:fillRef idx="1">
+              <a:schemeClr val="accent1"/>
+            </a:fillRef>
+            <a:effectRef idx="0">
+              <a:schemeClr val="accent1"/>
+            </a:effectRef>
+            <a:fontRef idx="minor">
+              <a:schemeClr val="lt1"/>
+            </a:fontRef>
+          </p:style>
+          <p:txBody>
+            <a:bodyPr rtlCol="0" anchor="ctr"/>
+            <a:lstStyle/>
+            <a:p>
+              <a:pPr algn="ctr"/>
+              <a:endParaRPr lang="de-DE"/>
+            </a:p>
+          </p:txBody>
+        </p:sp>
+        <p:sp>
+          <p:nvSpPr>
+            <p:cNvPr id="152" name="Explosion: 14 Zacken 151">
+              <a:extLst>
+                <a:ext uri="{FF2B5EF4-FFF2-40B4-BE49-F238E27FC236}">
+                  <a16:creationId xmlns:a16="http://schemas.microsoft.com/office/drawing/2014/main" id="{A12A4CF5-E2BC-47A9-94B5-F2A8F368EB1F}"/>
+                </a:ext>
+              </a:extLst>
+            </p:cNvPr>
+            <p:cNvSpPr/>
+            <p:nvPr/>
+          </p:nvSpPr>
+          <p:spPr>
+            <a:xfrm rot="1034770">
+              <a:off x="10267415" y="2434033"/>
+              <a:ext cx="199055" cy="182403"/>
+            </a:xfrm>
+            <a:prstGeom prst="irregularSeal2">
+              <a:avLst/>
+            </a:prstGeom>
+            <a:gradFill flip="none" rotWithShape="1">
+              <a:gsLst>
+                <a:gs pos="0">
+                  <a:schemeClr val="accent4">
+                    <a:lumMod val="60000"/>
+                    <a:lumOff val="40000"/>
+                  </a:schemeClr>
+                </a:gs>
+                <a:gs pos="50000">
+                  <a:schemeClr val="accent2">
+                    <a:lumMod val="75000"/>
+                  </a:schemeClr>
+                </a:gs>
+                <a:gs pos="100000">
+                  <a:srgbClr val="960000"/>
+                </a:gs>
+              </a:gsLst>
+              <a:lin ang="2700000" scaled="1"/>
+              <a:tileRect/>
+            </a:gradFill>
+            <a:ln>
+              <a:noFill/>
+            </a:ln>
+          </p:spPr>
+          <p:style>
+            <a:lnRef idx="2">
+              <a:schemeClr val="accent1">
+                <a:shade val="50000"/>
+              </a:schemeClr>
+            </a:lnRef>
+            <a:fillRef idx="1">
+              <a:schemeClr val="accent1"/>
+            </a:fillRef>
+            <a:effectRef idx="0">
+              <a:schemeClr val="accent1"/>
+            </a:effectRef>
+            <a:fontRef idx="minor">
+              <a:schemeClr val="lt1"/>
+            </a:fontRef>
+          </p:style>
+          <p:txBody>
+            <a:bodyPr rtlCol="0" anchor="ctr"/>
+            <a:lstStyle/>
+            <a:p>
+              <a:pPr algn="ctr"/>
+              <a:endParaRPr lang="de-DE"/>
+            </a:p>
+          </p:txBody>
+        </p:sp>
+        <p:sp>
+          <p:nvSpPr>
+            <p:cNvPr id="153" name="Explosion: 14 Zacken 152">
+              <a:extLst>
+                <a:ext uri="{FF2B5EF4-FFF2-40B4-BE49-F238E27FC236}">
+                  <a16:creationId xmlns:a16="http://schemas.microsoft.com/office/drawing/2014/main" id="{FBD4B55C-28A8-4200-A401-BE092483823E}"/>
+                </a:ext>
+              </a:extLst>
+            </p:cNvPr>
+            <p:cNvSpPr/>
+            <p:nvPr/>
+          </p:nvSpPr>
+          <p:spPr>
+            <a:xfrm rot="1034770">
+              <a:off x="9973447" y="2684256"/>
+              <a:ext cx="199055" cy="182403"/>
+            </a:xfrm>
+            <a:prstGeom prst="irregularSeal2">
+              <a:avLst/>
+            </a:prstGeom>
+            <a:gradFill flip="none" rotWithShape="1">
+              <a:gsLst>
+                <a:gs pos="0">
+                  <a:schemeClr val="accent4">
+                    <a:lumMod val="60000"/>
+                    <a:lumOff val="40000"/>
+                  </a:schemeClr>
+                </a:gs>
+                <a:gs pos="50000">
+                  <a:schemeClr val="accent2">
+                    <a:lumMod val="75000"/>
+                  </a:schemeClr>
+                </a:gs>
+                <a:gs pos="100000">
+                  <a:srgbClr val="960000"/>
+                </a:gs>
+              </a:gsLst>
+              <a:lin ang="2700000" scaled="1"/>
+              <a:tileRect/>
+            </a:gradFill>
+            <a:ln>
+              <a:noFill/>
+            </a:ln>
+          </p:spPr>
+          <p:style>
+            <a:lnRef idx="2">
+              <a:schemeClr val="accent1">
+                <a:shade val="50000"/>
+              </a:schemeClr>
+            </a:lnRef>
+            <a:fillRef idx="1">
+              <a:schemeClr val="accent1"/>
+            </a:fillRef>
+            <a:effectRef idx="0">
+              <a:schemeClr val="accent1"/>
+            </a:effectRef>
+            <a:fontRef idx="minor">
+              <a:schemeClr val="lt1"/>
+            </a:fontRef>
+          </p:style>
+          <p:txBody>
+            <a:bodyPr rtlCol="0" anchor="ctr"/>
+            <a:lstStyle/>
+            <a:p>
+              <a:pPr algn="ctr"/>
+              <a:endParaRPr lang="de-DE"/>
+            </a:p>
+          </p:txBody>
+        </p:sp>
+        <p:sp>
+          <p:nvSpPr>
+            <p:cNvPr id="154" name="Explosion: 14 Zacken 153">
+              <a:extLst>
+                <a:ext uri="{FF2B5EF4-FFF2-40B4-BE49-F238E27FC236}">
+                  <a16:creationId xmlns:a16="http://schemas.microsoft.com/office/drawing/2014/main" id="{0D9C2916-7102-46DE-8942-A4C12607FCB9}"/>
+                </a:ext>
+              </a:extLst>
+            </p:cNvPr>
+            <p:cNvSpPr/>
+            <p:nvPr/>
+          </p:nvSpPr>
+          <p:spPr>
+            <a:xfrm rot="1034770">
+              <a:off x="9591143" y="2331437"/>
+              <a:ext cx="199055" cy="182403"/>
+            </a:xfrm>
+            <a:prstGeom prst="irregularSeal2">
+              <a:avLst/>
+            </a:prstGeom>
+            <a:gradFill flip="none" rotWithShape="1">
+              <a:gsLst>
+                <a:gs pos="0">
+                  <a:schemeClr val="accent4">
+                    <a:lumMod val="60000"/>
+                    <a:lumOff val="40000"/>
+                  </a:schemeClr>
+                </a:gs>
+                <a:gs pos="50000">
+                  <a:schemeClr val="accent2">
+                    <a:lumMod val="75000"/>
+                  </a:schemeClr>
+                </a:gs>
+                <a:gs pos="100000">
+                  <a:srgbClr val="960000"/>
+                </a:gs>
+              </a:gsLst>
+              <a:lin ang="2700000" scaled="1"/>
+              <a:tileRect/>
+            </a:gradFill>
+            <a:ln>
+              <a:noFill/>
+            </a:ln>
+          </p:spPr>
+          <p:style>
+            <a:lnRef idx="2">
+              <a:schemeClr val="accent1">
+                <a:shade val="50000"/>
+              </a:schemeClr>
+            </a:lnRef>
+            <a:fillRef idx="1">
+              <a:schemeClr val="accent1"/>
+            </a:fillRef>
+            <a:effectRef idx="0">
+              <a:schemeClr val="accent1"/>
+            </a:effectRef>
+            <a:fontRef idx="minor">
+              <a:schemeClr val="lt1"/>
+            </a:fontRef>
+          </p:style>
+          <p:txBody>
+            <a:bodyPr rtlCol="0" anchor="ctr"/>
+            <a:lstStyle/>
+            <a:p>
+              <a:pPr algn="ctr"/>
+              <a:endParaRPr lang="de-DE"/>
+            </a:p>
+          </p:txBody>
+        </p:sp>
+        <p:sp>
+          <p:nvSpPr>
+            <p:cNvPr id="155" name="Explosion: 14 Zacken 154">
+              <a:extLst>
+                <a:ext uri="{FF2B5EF4-FFF2-40B4-BE49-F238E27FC236}">
+                  <a16:creationId xmlns:a16="http://schemas.microsoft.com/office/drawing/2014/main" id="{A6D6684C-C4E9-4A04-9F20-5C897B2BB991}"/>
+                </a:ext>
+              </a:extLst>
+            </p:cNvPr>
+            <p:cNvSpPr/>
+            <p:nvPr/>
+          </p:nvSpPr>
+          <p:spPr>
+            <a:xfrm rot="1034770">
+              <a:off x="9124361" y="2520321"/>
+              <a:ext cx="199055" cy="182403"/>
+            </a:xfrm>
+            <a:prstGeom prst="irregularSeal2">
+              <a:avLst/>
+            </a:prstGeom>
+            <a:gradFill flip="none" rotWithShape="1">
+              <a:gsLst>
+                <a:gs pos="0">
+                  <a:schemeClr val="accent4">
+                    <a:lumMod val="60000"/>
+                    <a:lumOff val="40000"/>
+                  </a:schemeClr>
+                </a:gs>
+                <a:gs pos="50000">
+                  <a:schemeClr val="accent2">
+                    <a:lumMod val="75000"/>
+                  </a:schemeClr>
+                </a:gs>
+                <a:gs pos="100000">
+                  <a:srgbClr val="960000"/>
+                </a:gs>
+              </a:gsLst>
+              <a:lin ang="2700000" scaled="1"/>
+              <a:tileRect/>
+            </a:gradFill>
+            <a:ln>
+              <a:noFill/>
+            </a:ln>
+          </p:spPr>
+          <p:style>
+            <a:lnRef idx="2">
+              <a:schemeClr val="accent1">
+                <a:shade val="50000"/>
+              </a:schemeClr>
+            </a:lnRef>
+            <a:fillRef idx="1">
+              <a:schemeClr val="accent1"/>
+            </a:fillRef>
+            <a:effectRef idx="0">
+              <a:schemeClr val="accent1"/>
+            </a:effectRef>
+            <a:fontRef idx="minor">
+              <a:schemeClr val="lt1"/>
+            </a:fontRef>
+          </p:style>
+          <p:txBody>
+            <a:bodyPr rtlCol="0" anchor="ctr"/>
+            <a:lstStyle/>
+            <a:p>
+              <a:pPr algn="ctr"/>
+              <a:endParaRPr lang="de-DE"/>
+            </a:p>
+          </p:txBody>
+        </p:sp>
+        <p:sp>
+          <p:nvSpPr>
+            <p:cNvPr id="156" name="Bogen 155">
+              <a:extLst>
+                <a:ext uri="{FF2B5EF4-FFF2-40B4-BE49-F238E27FC236}">
+                  <a16:creationId xmlns:a16="http://schemas.microsoft.com/office/drawing/2014/main" id="{1C12A956-3AF6-444B-A505-BEA0707DEF39}"/>
+                </a:ext>
+              </a:extLst>
+            </p:cNvPr>
+            <p:cNvSpPr/>
+            <p:nvPr/>
+          </p:nvSpPr>
+          <p:spPr>
+            <a:xfrm>
+              <a:off x="8246293" y="2352949"/>
+              <a:ext cx="1469647" cy="715813"/>
+            </a:xfrm>
+            <a:prstGeom prst="arc">
+              <a:avLst>
+                <a:gd name="adj1" fmla="val 20473317"/>
+                <a:gd name="adj2" fmla="val 125493"/>
+              </a:avLst>
+            </a:prstGeom>
+            <a:ln>
+              <a:noFill/>
+            </a:ln>
+          </p:spPr>
+          <p:style>
+            <a:lnRef idx="1">
+              <a:schemeClr val="accent1"/>
+            </a:lnRef>
+            <a:fillRef idx="0">
+              <a:schemeClr val="accent1"/>
+            </a:fillRef>
+            <a:effectRef idx="0">
+              <a:schemeClr val="accent1"/>
+            </a:effectRef>
+            <a:fontRef idx="minor">
+              <a:schemeClr val="tx1"/>
+            </a:fontRef>
+          </p:style>
+          <p:txBody>
+            <a:bodyPr rtlCol="0" anchor="ctr"/>
+            <a:lstStyle/>
+            <a:p>
+              <a:pPr algn="ctr"/>
+              <a:endParaRPr lang="de-DE"/>
+            </a:p>
+          </p:txBody>
+        </p:sp>
+        <p:sp>
+          <p:nvSpPr>
+            <p:cNvPr id="157" name="Bogen 156">
+              <a:extLst>
+                <a:ext uri="{FF2B5EF4-FFF2-40B4-BE49-F238E27FC236}">
+                  <a16:creationId xmlns:a16="http://schemas.microsoft.com/office/drawing/2014/main" id="{B1DEE549-428C-430E-8235-9156937BF8E8}"/>
+                </a:ext>
+              </a:extLst>
+            </p:cNvPr>
+            <p:cNvSpPr/>
+            <p:nvPr/>
+          </p:nvSpPr>
+          <p:spPr>
+            <a:xfrm>
+              <a:off x="8248457" y="2138879"/>
+              <a:ext cx="1469647" cy="1039937"/>
+            </a:xfrm>
+            <a:prstGeom prst="arc">
+              <a:avLst>
+                <a:gd name="adj1" fmla="val 20473317"/>
+                <a:gd name="adj2" fmla="val 125493"/>
+              </a:avLst>
+            </a:prstGeom>
+            <a:ln>
+              <a:noFill/>
+            </a:ln>
+          </p:spPr>
+          <p:style>
+            <a:lnRef idx="1">
+              <a:schemeClr val="accent1"/>
+            </a:lnRef>
+            <a:fillRef idx="0">
+              <a:schemeClr val="accent1"/>
+            </a:fillRef>
+            <a:effectRef idx="0">
+              <a:schemeClr val="accent1"/>
+            </a:effectRef>
+            <a:fontRef idx="minor">
+              <a:schemeClr val="tx1"/>
+            </a:fontRef>
+          </p:style>
+          <p:txBody>
+            <a:bodyPr rtlCol="0" anchor="ctr"/>
+            <a:lstStyle/>
+            <a:p>
+              <a:pPr algn="ctr"/>
+              <a:endParaRPr lang="de-DE"/>
+            </a:p>
+          </p:txBody>
+        </p:sp>
+      </p:grpSp>
     </p:spTree>
     <p:extLst>
       <p:ext uri="{BB962C8B-B14F-4D97-AF65-F5344CB8AC3E}">
